--- a/DaVinci Resolve Akash.pptx
+++ b/DaVinci Resolve Akash.pptx
@@ -4,19 +4,25 @@
   <p:sldMasterIdLst>
     <p:sldMasterId id="2147483648" r:id="rId1"/>
   </p:sldMasterIdLst>
+  <p:notesMasterIdLst>
+    <p:notesMasterId r:id="rId17"/>
+  </p:notesMasterIdLst>
   <p:sldIdLst>
-    <p:sldId id="258" r:id="rId2"/>
-    <p:sldId id="269" r:id="rId3"/>
-    <p:sldId id="270" r:id="rId4"/>
+    <p:sldId id="276" r:id="rId2"/>
+    <p:sldId id="258" r:id="rId3"/>
+    <p:sldId id="273" r:id="rId4"/>
     <p:sldId id="271" r:id="rId5"/>
-    <p:sldId id="272" r:id="rId6"/>
-    <p:sldId id="273" r:id="rId7"/>
-    <p:sldId id="274" r:id="rId8"/>
-    <p:sldId id="275" r:id="rId9"/>
-    <p:sldId id="276" r:id="rId10"/>
-    <p:sldId id="277" r:id="rId11"/>
-    <p:sldId id="278" r:id="rId12"/>
-    <p:sldId id="279" r:id="rId13"/>
+    <p:sldId id="274" r:id="rId6"/>
+    <p:sldId id="269" r:id="rId7"/>
+    <p:sldId id="270" r:id="rId8"/>
+    <p:sldId id="272" r:id="rId9"/>
+    <p:sldId id="280" r:id="rId10"/>
+    <p:sldId id="275" r:id="rId11"/>
+    <p:sldId id="277" r:id="rId12"/>
+    <p:sldId id="281" r:id="rId13"/>
+    <p:sldId id="282" r:id="rId14"/>
+    <p:sldId id="278" r:id="rId15"/>
+    <p:sldId id="279" r:id="rId16"/>
   </p:sldIdLst>
   <p:sldSz cx="12192000" cy="6858000"/>
   <p:notesSz cx="6858000" cy="9144000"/>
@@ -123,6 +129,440 @@
 </p:presentation>
 </file>
 
+<file path=ppt/notesMasters/notesMaster1.xml><?xml version="1.0" encoding="utf-8"?>
+<p:notesMaster xmlns:a="http://schemas.openxmlformats.org/drawingml/2006/main" xmlns:r="http://schemas.openxmlformats.org/officeDocument/2006/relationships" xmlns:p="http://schemas.openxmlformats.org/presentationml/2006/main">
+  <p:cSld>
+    <p:bg>
+      <p:bgRef idx="1001">
+        <a:schemeClr val="bg1"/>
+      </p:bgRef>
+    </p:bg>
+    <p:spTree>
+      <p:nvGrpSpPr>
+        <p:cNvPr id="1" name=""/>
+        <p:cNvGrpSpPr/>
+        <p:nvPr/>
+      </p:nvGrpSpPr>
+      <p:grpSpPr>
+        <a:xfrm>
+          <a:off x="0" y="0"/>
+          <a:ext cx="0" cy="0"/>
+          <a:chOff x="0" y="0"/>
+          <a:chExt cx="0" cy="0"/>
+        </a:xfrm>
+      </p:grpSpPr>
+      <p:sp>
+        <p:nvSpPr>
+          <p:cNvPr id="2" name="Header Placeholder 1"/>
+          <p:cNvSpPr>
+            <a:spLocks noGrp="1"/>
+          </p:cNvSpPr>
+          <p:nvPr>
+            <p:ph type="hdr" sz="quarter"/>
+          </p:nvPr>
+        </p:nvSpPr>
+        <p:spPr>
+          <a:xfrm>
+            <a:off x="0" y="0"/>
+            <a:ext cx="2971800" cy="458788"/>
+          </a:xfrm>
+          <a:prstGeom prst="rect">
+            <a:avLst/>
+          </a:prstGeom>
+        </p:spPr>
+        <p:txBody>
+          <a:bodyPr vert="horz" lIns="91440" tIns="45720" rIns="91440" bIns="45720" rtlCol="0"/>
+          <a:lstStyle>
+            <a:lvl1pPr algn="l">
+              <a:defRPr sz="1200"/>
+            </a:lvl1pPr>
+          </a:lstStyle>
+          <a:p>
+            <a:endParaRPr lang="en-US"/>
+          </a:p>
+        </p:txBody>
+      </p:sp>
+      <p:sp>
+        <p:nvSpPr>
+          <p:cNvPr id="3" name="Date Placeholder 2"/>
+          <p:cNvSpPr>
+            <a:spLocks noGrp="1"/>
+          </p:cNvSpPr>
+          <p:nvPr>
+            <p:ph type="dt" idx="1"/>
+          </p:nvPr>
+        </p:nvSpPr>
+        <p:spPr>
+          <a:xfrm>
+            <a:off x="3884613" y="0"/>
+            <a:ext cx="2971800" cy="458788"/>
+          </a:xfrm>
+          <a:prstGeom prst="rect">
+            <a:avLst/>
+          </a:prstGeom>
+        </p:spPr>
+        <p:txBody>
+          <a:bodyPr vert="horz" lIns="91440" tIns="45720" rIns="91440" bIns="45720" rtlCol="0"/>
+          <a:lstStyle>
+            <a:lvl1pPr algn="r">
+              <a:defRPr sz="1200"/>
+            </a:lvl1pPr>
+          </a:lstStyle>
+          <a:p>
+            <a:fld id="{B8EF7F3D-DD09-BD40-9378-DB20F44946D7}" type="datetimeFigureOut">
+              <a:rPr lang="en-US" smtClean="0"/>
+              <a:t>12/4/24</a:t>
+            </a:fld>
+            <a:endParaRPr lang="en-US"/>
+          </a:p>
+        </p:txBody>
+      </p:sp>
+      <p:sp>
+        <p:nvSpPr>
+          <p:cNvPr id="4" name="Slide Image Placeholder 3"/>
+          <p:cNvSpPr>
+            <a:spLocks noGrp="1" noRot="1" noChangeAspect="1"/>
+          </p:cNvSpPr>
+          <p:nvPr>
+            <p:ph type="sldImg" idx="2"/>
+          </p:nvPr>
+        </p:nvSpPr>
+        <p:spPr>
+          <a:xfrm>
+            <a:off x="685800" y="1143000"/>
+            <a:ext cx="5486400" cy="3086100"/>
+          </a:xfrm>
+          <a:prstGeom prst="rect">
+            <a:avLst/>
+          </a:prstGeom>
+          <a:noFill/>
+          <a:ln w="12700">
+            <a:solidFill>
+              <a:prstClr val="black"/>
+            </a:solidFill>
+          </a:ln>
+        </p:spPr>
+        <p:txBody>
+          <a:bodyPr vert="horz" lIns="91440" tIns="45720" rIns="91440" bIns="45720" rtlCol="0" anchor="ctr"/>
+          <a:lstStyle/>
+          <a:p>
+            <a:endParaRPr lang="en-US"/>
+          </a:p>
+        </p:txBody>
+      </p:sp>
+      <p:sp>
+        <p:nvSpPr>
+          <p:cNvPr id="5" name="Notes Placeholder 4"/>
+          <p:cNvSpPr>
+            <a:spLocks noGrp="1"/>
+          </p:cNvSpPr>
+          <p:nvPr>
+            <p:ph type="body" sz="quarter" idx="3"/>
+          </p:nvPr>
+        </p:nvSpPr>
+        <p:spPr>
+          <a:xfrm>
+            <a:off x="685800" y="4400550"/>
+            <a:ext cx="5486400" cy="3600450"/>
+          </a:xfrm>
+          <a:prstGeom prst="rect">
+            <a:avLst/>
+          </a:prstGeom>
+        </p:spPr>
+        <p:txBody>
+          <a:bodyPr vert="horz" lIns="91440" tIns="45720" rIns="91440" bIns="45720" rtlCol="0"/>
+          <a:lstStyle/>
+          <a:p>
+            <a:pPr lvl="0"/>
+            <a:r>
+              <a:rPr lang="en-GB"/>
+              <a:t>Click to edit Master text styles</a:t>
+            </a:r>
+          </a:p>
+          <a:p>
+            <a:pPr lvl="1"/>
+            <a:r>
+              <a:rPr lang="en-GB"/>
+              <a:t>Second level</a:t>
+            </a:r>
+          </a:p>
+          <a:p>
+            <a:pPr lvl="2"/>
+            <a:r>
+              <a:rPr lang="en-GB"/>
+              <a:t>Third level</a:t>
+            </a:r>
+          </a:p>
+          <a:p>
+            <a:pPr lvl="3"/>
+            <a:r>
+              <a:rPr lang="en-GB"/>
+              <a:t>Fourth level</a:t>
+            </a:r>
+          </a:p>
+          <a:p>
+            <a:pPr lvl="4"/>
+            <a:r>
+              <a:rPr lang="en-GB"/>
+              <a:t>Fifth level</a:t>
+            </a:r>
+            <a:endParaRPr lang="en-US"/>
+          </a:p>
+        </p:txBody>
+      </p:sp>
+      <p:sp>
+        <p:nvSpPr>
+          <p:cNvPr id="6" name="Footer Placeholder 5"/>
+          <p:cNvSpPr>
+            <a:spLocks noGrp="1"/>
+          </p:cNvSpPr>
+          <p:nvPr>
+            <p:ph type="ftr" sz="quarter" idx="4"/>
+          </p:nvPr>
+        </p:nvSpPr>
+        <p:spPr>
+          <a:xfrm>
+            <a:off x="0" y="8685213"/>
+            <a:ext cx="2971800" cy="458787"/>
+          </a:xfrm>
+          <a:prstGeom prst="rect">
+            <a:avLst/>
+          </a:prstGeom>
+        </p:spPr>
+        <p:txBody>
+          <a:bodyPr vert="horz" lIns="91440" tIns="45720" rIns="91440" bIns="45720" rtlCol="0" anchor="b"/>
+          <a:lstStyle>
+            <a:lvl1pPr algn="l">
+              <a:defRPr sz="1200"/>
+            </a:lvl1pPr>
+          </a:lstStyle>
+          <a:p>
+            <a:endParaRPr lang="en-US"/>
+          </a:p>
+        </p:txBody>
+      </p:sp>
+      <p:sp>
+        <p:nvSpPr>
+          <p:cNvPr id="7" name="Slide Number Placeholder 6"/>
+          <p:cNvSpPr>
+            <a:spLocks noGrp="1"/>
+          </p:cNvSpPr>
+          <p:nvPr>
+            <p:ph type="sldNum" sz="quarter" idx="5"/>
+          </p:nvPr>
+        </p:nvSpPr>
+        <p:spPr>
+          <a:xfrm>
+            <a:off x="3884613" y="8685213"/>
+            <a:ext cx="2971800" cy="458787"/>
+          </a:xfrm>
+          <a:prstGeom prst="rect">
+            <a:avLst/>
+          </a:prstGeom>
+        </p:spPr>
+        <p:txBody>
+          <a:bodyPr vert="horz" lIns="91440" tIns="45720" rIns="91440" bIns="45720" rtlCol="0" anchor="b"/>
+          <a:lstStyle>
+            <a:lvl1pPr algn="r">
+              <a:defRPr sz="1200"/>
+            </a:lvl1pPr>
+          </a:lstStyle>
+          <a:p>
+            <a:fld id="{D427DD4C-508A-EB4E-8A6E-C579754ABF04}" type="slidenum">
+              <a:rPr lang="en-US" smtClean="0"/>
+              <a:t>‹#›</a:t>
+            </a:fld>
+            <a:endParaRPr lang="en-US"/>
+          </a:p>
+        </p:txBody>
+      </p:sp>
+    </p:spTree>
+    <p:extLst>
+      <p:ext uri="{BB962C8B-B14F-4D97-AF65-F5344CB8AC3E}">
+        <p14:creationId xmlns:p14="http://schemas.microsoft.com/office/powerpoint/2010/main" val="2445212397"/>
+      </p:ext>
+    </p:extLst>
+  </p:cSld>
+  <p:clrMap bg1="lt1" tx1="dk1" bg2="lt2" tx2="dk2" accent1="accent1" accent2="accent2" accent3="accent3" accent4="accent4" accent5="accent5" accent6="accent6" hlink="hlink" folHlink="folHlink"/>
+  <p:notesStyle>
+    <a:lvl1pPr marL="0" algn="l" defTabSz="914400" rtl="0" eaLnBrk="1" latinLnBrk="0" hangingPunct="1">
+      <a:defRPr sz="1200" kern="1200">
+        <a:solidFill>
+          <a:schemeClr val="tx1"/>
+        </a:solidFill>
+        <a:latin typeface="+mn-lt"/>
+        <a:ea typeface="+mn-ea"/>
+        <a:cs typeface="+mn-cs"/>
+      </a:defRPr>
+    </a:lvl1pPr>
+    <a:lvl2pPr marL="457200" algn="l" defTabSz="914400" rtl="0" eaLnBrk="1" latinLnBrk="0" hangingPunct="1">
+      <a:defRPr sz="1200" kern="1200">
+        <a:solidFill>
+          <a:schemeClr val="tx1"/>
+        </a:solidFill>
+        <a:latin typeface="+mn-lt"/>
+        <a:ea typeface="+mn-ea"/>
+        <a:cs typeface="+mn-cs"/>
+      </a:defRPr>
+    </a:lvl2pPr>
+    <a:lvl3pPr marL="914400" algn="l" defTabSz="914400" rtl="0" eaLnBrk="1" latinLnBrk="0" hangingPunct="1">
+      <a:defRPr sz="1200" kern="1200">
+        <a:solidFill>
+          <a:schemeClr val="tx1"/>
+        </a:solidFill>
+        <a:latin typeface="+mn-lt"/>
+        <a:ea typeface="+mn-ea"/>
+        <a:cs typeface="+mn-cs"/>
+      </a:defRPr>
+    </a:lvl3pPr>
+    <a:lvl4pPr marL="1371600" algn="l" defTabSz="914400" rtl="0" eaLnBrk="1" latinLnBrk="0" hangingPunct="1">
+      <a:defRPr sz="1200" kern="1200">
+        <a:solidFill>
+          <a:schemeClr val="tx1"/>
+        </a:solidFill>
+        <a:latin typeface="+mn-lt"/>
+        <a:ea typeface="+mn-ea"/>
+        <a:cs typeface="+mn-cs"/>
+      </a:defRPr>
+    </a:lvl4pPr>
+    <a:lvl5pPr marL="1828800" algn="l" defTabSz="914400" rtl="0" eaLnBrk="1" latinLnBrk="0" hangingPunct="1">
+      <a:defRPr sz="1200" kern="1200">
+        <a:solidFill>
+          <a:schemeClr val="tx1"/>
+        </a:solidFill>
+        <a:latin typeface="+mn-lt"/>
+        <a:ea typeface="+mn-ea"/>
+        <a:cs typeface="+mn-cs"/>
+      </a:defRPr>
+    </a:lvl5pPr>
+    <a:lvl6pPr marL="2286000" algn="l" defTabSz="914400" rtl="0" eaLnBrk="1" latinLnBrk="0" hangingPunct="1">
+      <a:defRPr sz="1200" kern="1200">
+        <a:solidFill>
+          <a:schemeClr val="tx1"/>
+        </a:solidFill>
+        <a:latin typeface="+mn-lt"/>
+        <a:ea typeface="+mn-ea"/>
+        <a:cs typeface="+mn-cs"/>
+      </a:defRPr>
+    </a:lvl6pPr>
+    <a:lvl7pPr marL="2743200" algn="l" defTabSz="914400" rtl="0" eaLnBrk="1" latinLnBrk="0" hangingPunct="1">
+      <a:defRPr sz="1200" kern="1200">
+        <a:solidFill>
+          <a:schemeClr val="tx1"/>
+        </a:solidFill>
+        <a:latin typeface="+mn-lt"/>
+        <a:ea typeface="+mn-ea"/>
+        <a:cs typeface="+mn-cs"/>
+      </a:defRPr>
+    </a:lvl7pPr>
+    <a:lvl8pPr marL="3200400" algn="l" defTabSz="914400" rtl="0" eaLnBrk="1" latinLnBrk="0" hangingPunct="1">
+      <a:defRPr sz="1200" kern="1200">
+        <a:solidFill>
+          <a:schemeClr val="tx1"/>
+        </a:solidFill>
+        <a:latin typeface="+mn-lt"/>
+        <a:ea typeface="+mn-ea"/>
+        <a:cs typeface="+mn-cs"/>
+      </a:defRPr>
+    </a:lvl8pPr>
+    <a:lvl9pPr marL="3657600" algn="l" defTabSz="914400" rtl="0" eaLnBrk="1" latinLnBrk="0" hangingPunct="1">
+      <a:defRPr sz="1200" kern="1200">
+        <a:solidFill>
+          <a:schemeClr val="tx1"/>
+        </a:solidFill>
+        <a:latin typeface="+mn-lt"/>
+        <a:ea typeface="+mn-ea"/>
+        <a:cs typeface="+mn-cs"/>
+      </a:defRPr>
+    </a:lvl9pPr>
+  </p:notesStyle>
+</p:notesMaster>
+</file>
+
+<file path=ppt/notesSlides/notesSlide1.xml><?xml version="1.0" encoding="utf-8"?>
+<p:notes xmlns:a="http://schemas.openxmlformats.org/drawingml/2006/main" xmlns:r="http://schemas.openxmlformats.org/officeDocument/2006/relationships" xmlns:p="http://schemas.openxmlformats.org/presentationml/2006/main">
+  <p:cSld>
+    <p:spTree>
+      <p:nvGrpSpPr>
+        <p:cNvPr id="1" name=""/>
+        <p:cNvGrpSpPr/>
+        <p:nvPr/>
+      </p:nvGrpSpPr>
+      <p:grpSpPr>
+        <a:xfrm>
+          <a:off x="0" y="0"/>
+          <a:ext cx="0" cy="0"/>
+          <a:chOff x="0" y="0"/>
+          <a:chExt cx="0" cy="0"/>
+        </a:xfrm>
+      </p:grpSpPr>
+      <p:sp>
+        <p:nvSpPr>
+          <p:cNvPr id="2" name="Slide Image Placeholder 1"/>
+          <p:cNvSpPr>
+            <a:spLocks noGrp="1" noRot="1" noChangeAspect="1"/>
+          </p:cNvSpPr>
+          <p:nvPr>
+            <p:ph type="sldImg"/>
+          </p:nvPr>
+        </p:nvSpPr>
+        <p:spPr/>
+      </p:sp>
+      <p:sp>
+        <p:nvSpPr>
+          <p:cNvPr id="3" name="Notes Placeholder 2"/>
+          <p:cNvSpPr>
+            <a:spLocks noGrp="1"/>
+          </p:cNvSpPr>
+          <p:nvPr>
+            <p:ph type="body" idx="1"/>
+          </p:nvPr>
+        </p:nvSpPr>
+        <p:spPr/>
+        <p:txBody>
+          <a:bodyPr/>
+          <a:lstStyle/>
+          <a:p>
+            <a:endParaRPr lang="en-US" dirty="0"/>
+          </a:p>
+        </p:txBody>
+      </p:sp>
+      <p:sp>
+        <p:nvSpPr>
+          <p:cNvPr id="4" name="Slide Number Placeholder 3"/>
+          <p:cNvSpPr>
+            <a:spLocks noGrp="1"/>
+          </p:cNvSpPr>
+          <p:nvPr>
+            <p:ph type="sldNum" sz="quarter" idx="5"/>
+          </p:nvPr>
+        </p:nvSpPr>
+        <p:spPr/>
+        <p:txBody>
+          <a:bodyPr/>
+          <a:lstStyle/>
+          <a:p>
+            <a:fld id="{D427DD4C-508A-EB4E-8A6E-C579754ABF04}" type="slidenum">
+              <a:rPr lang="en-US" smtClean="0"/>
+              <a:t>12</a:t>
+            </a:fld>
+            <a:endParaRPr lang="en-US"/>
+          </a:p>
+        </p:txBody>
+      </p:sp>
+    </p:spTree>
+    <p:extLst>
+      <p:ext uri="{BB962C8B-B14F-4D97-AF65-F5344CB8AC3E}">
+        <p14:creationId xmlns:p14="http://schemas.microsoft.com/office/powerpoint/2010/main" val="3510994167"/>
+      </p:ext>
+    </p:extLst>
+  </p:cSld>
+  <p:clrMapOvr>
+    <a:masterClrMapping/>
+  </p:clrMapOvr>
+</p:notes>
+</file>
+
 <file path=ppt/slideLayouts/slideLayout1.xml><?xml version="1.0" encoding="utf-8"?>
 <p:sldLayout xmlns:a="http://schemas.openxmlformats.org/drawingml/2006/main" xmlns:r="http://schemas.openxmlformats.org/officeDocument/2006/relationships" xmlns:p="http://schemas.openxmlformats.org/presentationml/2006/main" type="title" preserve="1">
   <p:cSld name="Title Slide">
@@ -272,7 +712,7 @@
           <a:p>
             <a:fld id="{37BF490E-74C7-1845-993F-5424142D85D8}" type="datetimeFigureOut">
               <a:rPr lang="en-US" smtClean="0"/>
-              <a:t>11/28/24</a:t>
+              <a:t>12/4/24</a:t>
             </a:fld>
             <a:endParaRPr lang="en-US"/>
           </a:p>
@@ -472,7 +912,7 @@
           <a:p>
             <a:fld id="{37BF490E-74C7-1845-993F-5424142D85D8}" type="datetimeFigureOut">
               <a:rPr lang="en-US" smtClean="0"/>
-              <a:t>11/28/24</a:t>
+              <a:t>12/4/24</a:t>
             </a:fld>
             <a:endParaRPr lang="en-US"/>
           </a:p>
@@ -682,7 +1122,7 @@
           <a:p>
             <a:fld id="{37BF490E-74C7-1845-993F-5424142D85D8}" type="datetimeFigureOut">
               <a:rPr lang="en-US" smtClean="0"/>
-              <a:t>11/28/24</a:t>
+              <a:t>12/4/24</a:t>
             </a:fld>
             <a:endParaRPr lang="en-US"/>
           </a:p>
@@ -882,7 +1322,7 @@
           <a:p>
             <a:fld id="{37BF490E-74C7-1845-993F-5424142D85D8}" type="datetimeFigureOut">
               <a:rPr lang="en-US" smtClean="0"/>
-              <a:t>11/28/24</a:t>
+              <a:t>12/4/24</a:t>
             </a:fld>
             <a:endParaRPr lang="en-US"/>
           </a:p>
@@ -1158,7 +1598,7 @@
           <a:p>
             <a:fld id="{37BF490E-74C7-1845-993F-5424142D85D8}" type="datetimeFigureOut">
               <a:rPr lang="en-US" smtClean="0"/>
-              <a:t>11/28/24</a:t>
+              <a:t>12/4/24</a:t>
             </a:fld>
             <a:endParaRPr lang="en-US"/>
           </a:p>
@@ -1426,7 +1866,7 @@
           <a:p>
             <a:fld id="{37BF490E-74C7-1845-993F-5424142D85D8}" type="datetimeFigureOut">
               <a:rPr lang="en-US" smtClean="0"/>
-              <a:t>11/28/24</a:t>
+              <a:t>12/4/24</a:t>
             </a:fld>
             <a:endParaRPr lang="en-US"/>
           </a:p>
@@ -1841,7 +2281,7 @@
           <a:p>
             <a:fld id="{37BF490E-74C7-1845-993F-5424142D85D8}" type="datetimeFigureOut">
               <a:rPr lang="en-US" smtClean="0"/>
-              <a:t>11/28/24</a:t>
+              <a:t>12/4/24</a:t>
             </a:fld>
             <a:endParaRPr lang="en-US"/>
           </a:p>
@@ -1983,7 +2423,7 @@
           <a:p>
             <a:fld id="{37BF490E-74C7-1845-993F-5424142D85D8}" type="datetimeFigureOut">
               <a:rPr lang="en-US" smtClean="0"/>
-              <a:t>11/28/24</a:t>
+              <a:t>12/4/24</a:t>
             </a:fld>
             <a:endParaRPr lang="en-US"/>
           </a:p>
@@ -2096,7 +2536,7 @@
           <a:p>
             <a:fld id="{37BF490E-74C7-1845-993F-5424142D85D8}" type="datetimeFigureOut">
               <a:rPr lang="en-US" smtClean="0"/>
-              <a:t>11/28/24</a:t>
+              <a:t>12/4/24</a:t>
             </a:fld>
             <a:endParaRPr lang="en-US"/>
           </a:p>
@@ -2409,7 +2849,7 @@
           <a:p>
             <a:fld id="{37BF490E-74C7-1845-993F-5424142D85D8}" type="datetimeFigureOut">
               <a:rPr lang="en-US" smtClean="0"/>
-              <a:t>11/28/24</a:t>
+              <a:t>12/4/24</a:t>
             </a:fld>
             <a:endParaRPr lang="en-US"/>
           </a:p>
@@ -2698,7 +3138,7 @@
           <a:p>
             <a:fld id="{37BF490E-74C7-1845-993F-5424142D85D8}" type="datetimeFigureOut">
               <a:rPr lang="en-US" smtClean="0"/>
-              <a:t>11/28/24</a:t>
+              <a:t>12/4/24</a:t>
             </a:fld>
             <a:endParaRPr lang="en-US"/>
           </a:p>
@@ -2941,7 +3381,7 @@
           <a:p>
             <a:fld id="{37BF490E-74C7-1845-993F-5424142D85D8}" type="datetimeFigureOut">
               <a:rPr lang="en-US" smtClean="0"/>
-              <a:t>11/28/24</a:t>
+              <a:t>12/4/24</a:t>
             </a:fld>
             <a:endParaRPr lang="en-US"/>
           </a:p>
@@ -3357,7 +3797,7 @@
         <p:cNvPr id="1" name="">
           <a:extLst>
             <a:ext uri="{FF2B5EF4-FFF2-40B4-BE49-F238E27FC236}">
-              <a16:creationId xmlns:a16="http://schemas.microsoft.com/office/drawing/2014/main" id="{C6A90060-FD53-66B2-2827-1AE208885EDB}"/>
+              <a16:creationId xmlns:a16="http://schemas.microsoft.com/office/drawing/2014/main" id="{2B16184D-3402-3FC1-FC38-E2A6AE641C93}"/>
             </a:ext>
           </a:extLst>
         </p:cNvPr>
@@ -3377,7 +3817,7 @@
           <p:cNvPr id="21" name="Rectangle 20">
             <a:extLst>
               <a:ext uri="{FF2B5EF4-FFF2-40B4-BE49-F238E27FC236}">
-                <a16:creationId xmlns:a16="http://schemas.microsoft.com/office/drawing/2014/main" id="{16B067B1-F4E5-4FDF-813D-C9E872E80075}"/>
+                <a16:creationId xmlns:a16="http://schemas.microsoft.com/office/drawing/2014/main" id="{2E337CE8-75B0-FCD0-2658-790D7B873C6D}"/>
               </a:ext>
               <a:ext uri="{C183D7F6-B498-43B3-948B-1728B52AA6E4}">
                 <adec:decorative xmlns:adec="http://schemas.microsoft.com/office/drawing/2017/decorative" val="1"/>
@@ -3444,40 +3884,1310 @@
           </a:p>
         </p:txBody>
       </p:sp>
-      <p:pic>
-        <p:nvPicPr>
-          <p:cNvPr id="4" name="Picture 3" descr="A table with numbers and symbols&#10;&#10;Description automatically generated">
-            <a:extLst>
-              <a:ext uri="{FF2B5EF4-FFF2-40B4-BE49-F238E27FC236}">
-                <a16:creationId xmlns:a16="http://schemas.microsoft.com/office/drawing/2014/main" id="{A33F6BFF-7CA6-27ED-CF08-4C5270FB5901}"/>
-              </a:ext>
-            </a:extLst>
-          </p:cNvPr>
-          <p:cNvPicPr>
-            <a:picLocks noChangeAspect="1"/>
-          </p:cNvPicPr>
+      <p:sp>
+        <p:nvSpPr>
+          <p:cNvPr id="3" name="TextBox 2">
+            <a:extLst>
+              <a:ext uri="{FF2B5EF4-FFF2-40B4-BE49-F238E27FC236}">
+                <a16:creationId xmlns:a16="http://schemas.microsoft.com/office/drawing/2014/main" id="{B16D36D9-5242-D3BC-911B-71AAE432D7DF}"/>
+              </a:ext>
+            </a:extLst>
+          </p:cNvPr>
+          <p:cNvSpPr txBox="1"/>
           <p:nvPr/>
-        </p:nvPicPr>
-        <p:blipFill>
-          <a:blip r:embed="rId2"/>
-          <a:stretch>
-            <a:fillRect/>
-          </a:stretch>
-        </p:blipFill>
+        </p:nvSpPr>
         <p:spPr>
           <a:xfrm>
-            <a:off x="473776" y="583653"/>
-            <a:ext cx="11244447" cy="5690693"/>
+            <a:off x="1592928" y="-88480"/>
+            <a:ext cx="5214585" cy="646331"/>
           </a:xfrm>
           <a:prstGeom prst="rect">
             <a:avLst/>
           </a:prstGeom>
+          <a:noFill/>
         </p:spPr>
-      </p:pic>
+        <p:txBody>
+          <a:bodyPr wrap="square" rtlCol="0">
+            <a:spAutoFit/>
+          </a:bodyPr>
+          <a:lstStyle/>
+          <a:p>
+            <a:pPr algn="ctr"/>
+            <a:r>
+              <a:rPr lang="en-US" sz="3600" b="1" dirty="0"/>
+              <a:t>Other Shortcuts</a:t>
+            </a:r>
+          </a:p>
+        </p:txBody>
+      </p:sp>
+      <p:graphicFrame>
+        <p:nvGraphicFramePr>
+          <p:cNvPr id="4" name="Table 3">
+            <a:extLst>
+              <a:ext uri="{FF2B5EF4-FFF2-40B4-BE49-F238E27FC236}">
+                <a16:creationId xmlns:a16="http://schemas.microsoft.com/office/drawing/2014/main" id="{565A4A32-C54A-518C-D831-4577B9694341}"/>
+              </a:ext>
+            </a:extLst>
+          </p:cNvPr>
+          <p:cNvGraphicFramePr>
+            <a:graphicFrameLocks noGrp="1"/>
+          </p:cNvGraphicFramePr>
+          <p:nvPr>
+            <p:extLst>
+              <p:ext uri="{D42A27DB-BD31-4B8C-83A1-F6EECF244321}">
+                <p14:modId xmlns:p14="http://schemas.microsoft.com/office/powerpoint/2010/main" val="807520513"/>
+              </p:ext>
+            </p:extLst>
+          </p:nvPr>
+        </p:nvGraphicFramePr>
+        <p:xfrm>
+          <a:off x="200298" y="551300"/>
+          <a:ext cx="6069873" cy="6230912"/>
+        </p:xfrm>
+        <a:graphic>
+          <a:graphicData uri="http://schemas.openxmlformats.org/drawingml/2006/table">
+            <a:tbl>
+              <a:tblPr firstRow="1" bandRow="1">
+                <a:tableStyleId>{5C22544A-7EE6-4342-B048-85BDC9FD1C3A}</a:tableStyleId>
+              </a:tblPr>
+              <a:tblGrid>
+                <a:gridCol w="1840990">
+                  <a:extLst>
+                    <a:ext uri="{9D8B030D-6E8A-4147-A177-3AD203B41FA5}">
+                      <a16:colId xmlns:a16="http://schemas.microsoft.com/office/drawing/2014/main" val="1154084783"/>
+                    </a:ext>
+                  </a:extLst>
+                </a:gridCol>
+                <a:gridCol w="4228883">
+                  <a:extLst>
+                    <a:ext uri="{9D8B030D-6E8A-4147-A177-3AD203B41FA5}">
+                      <a16:colId xmlns:a16="http://schemas.microsoft.com/office/drawing/2014/main" val="1334558778"/>
+                    </a:ext>
+                  </a:extLst>
+                </a:gridCol>
+              </a:tblGrid>
+              <a:tr h="366572">
+                <a:tc>
+                  <a:txBody>
+                    <a:bodyPr/>
+                    <a:lstStyle/>
+                    <a:p>
+                      <a:r>
+                        <a:rPr lang="en-US" dirty="0"/>
+                        <a:t>Shortcut</a:t>
+                      </a:r>
+                    </a:p>
+                  </a:txBody>
+                  <a:tcPr/>
+                </a:tc>
+                <a:tc>
+                  <a:txBody>
+                    <a:bodyPr/>
+                    <a:lstStyle/>
+                    <a:p>
+                      <a:r>
+                        <a:rPr lang="en-US" dirty="0"/>
+                        <a:t>Action</a:t>
+                      </a:r>
+                    </a:p>
+                  </a:txBody>
+                  <a:tcPr/>
+                </a:tc>
+                <a:extLst>
+                  <a:ext uri="{0D108BD9-81ED-4DB2-BD59-A6C34878D82A}">
+                    <a16:rowId xmlns:a16="http://schemas.microsoft.com/office/drawing/2014/main" val="1839680496"/>
+                  </a:ext>
+                </a:extLst>
+              </a:tr>
+              <a:tr h="366572">
+                <a:tc>
+                  <a:txBody>
+                    <a:bodyPr/>
+                    <a:lstStyle/>
+                    <a:p>
+                      <a:r>
+                        <a:rPr lang="en-US" dirty="0"/>
+                        <a:t>Cmd  + F</a:t>
+                      </a:r>
+                    </a:p>
+                  </a:txBody>
+                  <a:tcPr/>
+                </a:tc>
+                <a:tc>
+                  <a:txBody>
+                    <a:bodyPr/>
+                    <a:lstStyle/>
+                    <a:p>
+                      <a:r>
+                        <a:rPr lang="en-US" dirty="0"/>
+                        <a:t>Cinema Mode </a:t>
+                      </a:r>
+                    </a:p>
+                  </a:txBody>
+                  <a:tcPr/>
+                </a:tc>
+                <a:extLst>
+                  <a:ext uri="{0D108BD9-81ED-4DB2-BD59-A6C34878D82A}">
+                    <a16:rowId xmlns:a16="http://schemas.microsoft.com/office/drawing/2014/main" val="555523895"/>
+                  </a:ext>
+                </a:extLst>
+              </a:tr>
+              <a:tr h="366572">
+                <a:tc>
+                  <a:txBody>
+                    <a:bodyPr/>
+                    <a:lstStyle/>
+                    <a:p>
+                      <a:r>
+                        <a:rPr lang="en-US" dirty="0"/>
+                        <a:t>Q</a:t>
+                      </a:r>
+                    </a:p>
+                  </a:txBody>
+                  <a:tcPr/>
+                </a:tc>
+                <a:tc>
+                  <a:txBody>
+                    <a:bodyPr/>
+                    <a:lstStyle/>
+                    <a:p>
+                      <a:r>
+                        <a:rPr lang="en-US" dirty="0"/>
+                        <a:t>Trim Start at Play head</a:t>
+                      </a:r>
+                    </a:p>
+                  </a:txBody>
+                  <a:tcPr/>
+                </a:tc>
+                <a:extLst>
+                  <a:ext uri="{0D108BD9-81ED-4DB2-BD59-A6C34878D82A}">
+                    <a16:rowId xmlns:a16="http://schemas.microsoft.com/office/drawing/2014/main" val="891148819"/>
+                  </a:ext>
+                </a:extLst>
+              </a:tr>
+              <a:tr h="366572">
+                <a:tc>
+                  <a:txBody>
+                    <a:bodyPr/>
+                    <a:lstStyle/>
+                    <a:p>
+                      <a:r>
+                        <a:rPr lang="en-US" dirty="0"/>
+                        <a:t>W</a:t>
+                      </a:r>
+                    </a:p>
+                  </a:txBody>
+                  <a:tcPr/>
+                </a:tc>
+                <a:tc>
+                  <a:txBody>
+                    <a:bodyPr/>
+                    <a:lstStyle/>
+                    <a:p>
+                      <a:r>
+                        <a:rPr lang="en-US" dirty="0"/>
+                        <a:t>Split Clip</a:t>
+                      </a:r>
+                    </a:p>
+                  </a:txBody>
+                  <a:tcPr/>
+                </a:tc>
+                <a:extLst>
+                  <a:ext uri="{0D108BD9-81ED-4DB2-BD59-A6C34878D82A}">
+                    <a16:rowId xmlns:a16="http://schemas.microsoft.com/office/drawing/2014/main" val="804226767"/>
+                  </a:ext>
+                </a:extLst>
+              </a:tr>
+              <a:tr h="364689">
+                <a:tc>
+                  <a:txBody>
+                    <a:bodyPr/>
+                    <a:lstStyle/>
+                    <a:p>
+                      <a:r>
+                        <a:rPr lang="en-US" dirty="0"/>
+                        <a:t>E</a:t>
+                      </a:r>
+                    </a:p>
+                  </a:txBody>
+                  <a:tcPr/>
+                </a:tc>
+                <a:tc>
+                  <a:txBody>
+                    <a:bodyPr/>
+                    <a:lstStyle/>
+                    <a:p>
+                      <a:pPr marL="0" marR="0" lvl="0" indent="0" algn="l" defTabSz="914400" rtl="0" eaLnBrk="1" fontAlgn="auto" latinLnBrk="0" hangingPunct="1">
+                        <a:lnSpc>
+                          <a:spcPct val="100000"/>
+                        </a:lnSpc>
+                        <a:spcBef>
+                          <a:spcPts val="0"/>
+                        </a:spcBef>
+                        <a:spcAft>
+                          <a:spcPts val="0"/>
+                        </a:spcAft>
+                        <a:buClrTx/>
+                        <a:buSzTx/>
+                        <a:buFontTx/>
+                        <a:buNone/>
+                        <a:tabLst/>
+                        <a:defRPr/>
+                      </a:pPr>
+                      <a:r>
+                        <a:rPr lang="en-US" dirty="0"/>
+                        <a:t>Trim End at Play head</a:t>
+                      </a:r>
+                    </a:p>
+                  </a:txBody>
+                  <a:tcPr/>
+                </a:tc>
+                <a:extLst>
+                  <a:ext uri="{0D108BD9-81ED-4DB2-BD59-A6C34878D82A}">
+                    <a16:rowId xmlns:a16="http://schemas.microsoft.com/office/drawing/2014/main" val="1604607525"/>
+                  </a:ext>
+                </a:extLst>
+              </a:tr>
+              <a:tr h="366572">
+                <a:tc>
+                  <a:txBody>
+                    <a:bodyPr/>
+                    <a:lstStyle/>
+                    <a:p>
+                      <a:r>
+                        <a:rPr lang="en-US" dirty="0"/>
+                        <a:t>Z</a:t>
+                      </a:r>
+                    </a:p>
+                  </a:txBody>
+                  <a:tcPr/>
+                </a:tc>
+                <a:tc>
+                  <a:txBody>
+                    <a:bodyPr/>
+                    <a:lstStyle/>
+                    <a:p>
+                      <a:r>
+                        <a:rPr lang="en-US" dirty="0"/>
+                        <a:t>To Fill Zoom in Window</a:t>
+                      </a:r>
+                    </a:p>
+                  </a:txBody>
+                  <a:tcPr/>
+                </a:tc>
+                <a:extLst>
+                  <a:ext uri="{0D108BD9-81ED-4DB2-BD59-A6C34878D82A}">
+                    <a16:rowId xmlns:a16="http://schemas.microsoft.com/office/drawing/2014/main" val="2615268130"/>
+                  </a:ext>
+                </a:extLst>
+              </a:tr>
+              <a:tr h="366572">
+                <a:tc>
+                  <a:txBody>
+                    <a:bodyPr/>
+                    <a:lstStyle/>
+                    <a:p>
+                      <a:r>
+                        <a:rPr lang="en-US" dirty="0"/>
+                        <a:t>I</a:t>
+                      </a:r>
+                    </a:p>
+                  </a:txBody>
+                  <a:tcPr/>
+                </a:tc>
+                <a:tc>
+                  <a:txBody>
+                    <a:bodyPr/>
+                    <a:lstStyle/>
+                    <a:p>
+                      <a:r>
+                        <a:rPr lang="en-US" dirty="0"/>
+                        <a:t>Marker In</a:t>
+                      </a:r>
+                    </a:p>
+                  </a:txBody>
+                  <a:tcPr/>
+                </a:tc>
+                <a:extLst>
+                  <a:ext uri="{0D108BD9-81ED-4DB2-BD59-A6C34878D82A}">
+                    <a16:rowId xmlns:a16="http://schemas.microsoft.com/office/drawing/2014/main" val="1128550420"/>
+                  </a:ext>
+                </a:extLst>
+              </a:tr>
+              <a:tr h="366572">
+                <a:tc>
+                  <a:txBody>
+                    <a:bodyPr/>
+                    <a:lstStyle/>
+                    <a:p>
+                      <a:r>
+                        <a:rPr lang="en-US" dirty="0"/>
+                        <a:t>O</a:t>
+                      </a:r>
+                    </a:p>
+                  </a:txBody>
+                  <a:tcPr/>
+                </a:tc>
+                <a:tc>
+                  <a:txBody>
+                    <a:bodyPr/>
+                    <a:lstStyle/>
+                    <a:p>
+                      <a:r>
+                        <a:rPr lang="en-US" dirty="0"/>
+                        <a:t>Marker Out</a:t>
+                      </a:r>
+                    </a:p>
+                  </a:txBody>
+                  <a:tcPr/>
+                </a:tc>
+                <a:extLst>
+                  <a:ext uri="{0D108BD9-81ED-4DB2-BD59-A6C34878D82A}">
+                    <a16:rowId xmlns:a16="http://schemas.microsoft.com/office/drawing/2014/main" val="1376175961"/>
+                  </a:ext>
+                </a:extLst>
+              </a:tr>
+              <a:tr h="366572">
+                <a:tc>
+                  <a:txBody>
+                    <a:bodyPr/>
+                    <a:lstStyle/>
+                    <a:p>
+                      <a:r>
+                        <a:rPr lang="en-US" dirty="0"/>
+                        <a:t>Space Key</a:t>
+                      </a:r>
+                    </a:p>
+                  </a:txBody>
+                  <a:tcPr/>
+                </a:tc>
+                <a:tc>
+                  <a:txBody>
+                    <a:bodyPr/>
+                    <a:lstStyle/>
+                    <a:p>
+                      <a:r>
+                        <a:rPr lang="en-US" dirty="0"/>
+                        <a:t>Play /Pause</a:t>
+                      </a:r>
+                    </a:p>
+                  </a:txBody>
+                  <a:tcPr/>
+                </a:tc>
+                <a:extLst>
+                  <a:ext uri="{0D108BD9-81ED-4DB2-BD59-A6C34878D82A}">
+                    <a16:rowId xmlns:a16="http://schemas.microsoft.com/office/drawing/2014/main" val="1491106320"/>
+                  </a:ext>
+                </a:extLst>
+              </a:tr>
+              <a:tr h="366572">
+                <a:tc>
+                  <a:txBody>
+                    <a:bodyPr/>
+                    <a:lstStyle/>
+                    <a:p>
+                      <a:r>
+                        <a:rPr lang="en-US" dirty="0"/>
+                        <a:t>Shift Back Space</a:t>
+                      </a:r>
+                    </a:p>
+                  </a:txBody>
+                  <a:tcPr/>
+                </a:tc>
+                <a:tc>
+                  <a:txBody>
+                    <a:bodyPr/>
+                    <a:lstStyle/>
+                    <a:p>
+                      <a:r>
+                        <a:rPr lang="en-US" dirty="0"/>
+                        <a:t>Ripple Delete</a:t>
+                      </a:r>
+                    </a:p>
+                  </a:txBody>
+                  <a:tcPr/>
+                </a:tc>
+                <a:extLst>
+                  <a:ext uri="{0D108BD9-81ED-4DB2-BD59-A6C34878D82A}">
+                    <a16:rowId xmlns:a16="http://schemas.microsoft.com/office/drawing/2014/main" val="2393969853"/>
+                  </a:ext>
+                </a:extLst>
+              </a:tr>
+              <a:tr h="366572">
+                <a:tc>
+                  <a:txBody>
+                    <a:bodyPr/>
+                    <a:lstStyle/>
+                    <a:p>
+                      <a:r>
+                        <a:rPr lang="en-US" dirty="0"/>
+                        <a:t>Cmd + N</a:t>
+                      </a:r>
+                    </a:p>
+                  </a:txBody>
+                  <a:tcPr/>
+                </a:tc>
+                <a:tc>
+                  <a:txBody>
+                    <a:bodyPr/>
+                    <a:lstStyle/>
+                    <a:p>
+                      <a:r>
+                        <a:rPr lang="en-US" dirty="0"/>
+                        <a:t>New Timeline</a:t>
+                      </a:r>
+                    </a:p>
+                  </a:txBody>
+                  <a:tcPr/>
+                </a:tc>
+                <a:extLst>
+                  <a:ext uri="{0D108BD9-81ED-4DB2-BD59-A6C34878D82A}">
+                    <a16:rowId xmlns:a16="http://schemas.microsoft.com/office/drawing/2014/main" val="2105793689"/>
+                  </a:ext>
+                </a:extLst>
+              </a:tr>
+              <a:tr h="366572">
+                <a:tc>
+                  <a:txBody>
+                    <a:bodyPr/>
+                    <a:lstStyle/>
+                    <a:p>
+                      <a:r>
+                        <a:rPr lang="en-US" dirty="0"/>
+                        <a:t>Cmd + I</a:t>
+                      </a:r>
+                    </a:p>
+                  </a:txBody>
+                  <a:tcPr/>
+                </a:tc>
+                <a:tc>
+                  <a:txBody>
+                    <a:bodyPr/>
+                    <a:lstStyle/>
+                    <a:p>
+                      <a:r>
+                        <a:rPr lang="en-US" dirty="0"/>
+                        <a:t>Import Media</a:t>
+                      </a:r>
+                    </a:p>
+                  </a:txBody>
+                  <a:tcPr/>
+                </a:tc>
+                <a:extLst>
+                  <a:ext uri="{0D108BD9-81ED-4DB2-BD59-A6C34878D82A}">
+                    <a16:rowId xmlns:a16="http://schemas.microsoft.com/office/drawing/2014/main" val="1075767104"/>
+                  </a:ext>
+                </a:extLst>
+              </a:tr>
+              <a:tr h="366572">
+                <a:tc>
+                  <a:txBody>
+                    <a:bodyPr/>
+                    <a:lstStyle/>
+                    <a:p>
+                      <a:r>
+                        <a:rPr lang="en-US" dirty="0"/>
+                        <a:t>Cmd + Shift + .</a:t>
+                      </a:r>
+                    </a:p>
+                  </a:txBody>
+                  <a:tcPr/>
+                </a:tc>
+                <a:tc>
+                  <a:txBody>
+                    <a:bodyPr/>
+                    <a:lstStyle/>
+                    <a:p>
+                      <a:r>
+                        <a:rPr lang="en-US" dirty="0"/>
+                        <a:t>Swap Clip Forward</a:t>
+                      </a:r>
+                    </a:p>
+                  </a:txBody>
+                  <a:tcPr/>
+                </a:tc>
+                <a:extLst>
+                  <a:ext uri="{0D108BD9-81ED-4DB2-BD59-A6C34878D82A}">
+                    <a16:rowId xmlns:a16="http://schemas.microsoft.com/office/drawing/2014/main" val="634515429"/>
+                  </a:ext>
+                </a:extLst>
+              </a:tr>
+              <a:tr h="366572">
+                <a:tc>
+                  <a:txBody>
+                    <a:bodyPr/>
+                    <a:lstStyle/>
+                    <a:p>
+                      <a:r>
+                        <a:rPr lang="en-US" dirty="0"/>
+                        <a:t>Cmd + Shift + ,</a:t>
+                      </a:r>
+                    </a:p>
+                  </a:txBody>
+                  <a:tcPr/>
+                </a:tc>
+                <a:tc>
+                  <a:txBody>
+                    <a:bodyPr/>
+                    <a:lstStyle/>
+                    <a:p>
+                      <a:r>
+                        <a:rPr lang="en-US" dirty="0"/>
+                        <a:t>Swap Clip Backward</a:t>
+                      </a:r>
+                    </a:p>
+                  </a:txBody>
+                  <a:tcPr/>
+                </a:tc>
+                <a:extLst>
+                  <a:ext uri="{0D108BD9-81ED-4DB2-BD59-A6C34878D82A}">
+                    <a16:rowId xmlns:a16="http://schemas.microsoft.com/office/drawing/2014/main" val="1475152045"/>
+                  </a:ext>
+                </a:extLst>
+              </a:tr>
+              <a:tr h="366572">
+                <a:tc>
+                  <a:txBody>
+                    <a:bodyPr/>
+                    <a:lstStyle/>
+                    <a:p>
+                      <a:r>
+                        <a:rPr lang="en-US" dirty="0"/>
+                        <a:t>J</a:t>
+                      </a:r>
+                    </a:p>
+                  </a:txBody>
+                  <a:tcPr/>
+                </a:tc>
+                <a:tc>
+                  <a:txBody>
+                    <a:bodyPr/>
+                    <a:lstStyle/>
+                    <a:p>
+                      <a:r>
+                        <a:rPr lang="en-US" dirty="0"/>
+                        <a:t>Play Backward</a:t>
+                      </a:r>
+                    </a:p>
+                  </a:txBody>
+                  <a:tcPr/>
+                </a:tc>
+                <a:extLst>
+                  <a:ext uri="{0D108BD9-81ED-4DB2-BD59-A6C34878D82A}">
+                    <a16:rowId xmlns:a16="http://schemas.microsoft.com/office/drawing/2014/main" val="1211962003"/>
+                  </a:ext>
+                </a:extLst>
+              </a:tr>
+              <a:tr h="366572">
+                <a:tc>
+                  <a:txBody>
+                    <a:bodyPr/>
+                    <a:lstStyle/>
+                    <a:p>
+                      <a:r>
+                        <a:rPr lang="en-US" dirty="0"/>
+                        <a:t>L</a:t>
+                      </a:r>
+                    </a:p>
+                  </a:txBody>
+                  <a:tcPr/>
+                </a:tc>
+                <a:tc>
+                  <a:txBody>
+                    <a:bodyPr/>
+                    <a:lstStyle/>
+                    <a:p>
+                      <a:r>
+                        <a:rPr lang="en-US" dirty="0"/>
+                        <a:t>Play Forward</a:t>
+                      </a:r>
+                    </a:p>
+                  </a:txBody>
+                  <a:tcPr/>
+                </a:tc>
+                <a:extLst>
+                  <a:ext uri="{0D108BD9-81ED-4DB2-BD59-A6C34878D82A}">
+                    <a16:rowId xmlns:a16="http://schemas.microsoft.com/office/drawing/2014/main" val="1321587556"/>
+                  </a:ext>
+                </a:extLst>
+              </a:tr>
+              <a:tr h="366572">
+                <a:tc>
+                  <a:txBody>
+                    <a:bodyPr/>
+                    <a:lstStyle/>
+                    <a:p>
+                      <a:r>
+                        <a:rPr lang="en-US" dirty="0"/>
+                        <a:t>K</a:t>
+                      </a:r>
+                    </a:p>
+                  </a:txBody>
+                  <a:tcPr/>
+                </a:tc>
+                <a:tc>
+                  <a:txBody>
+                    <a:bodyPr/>
+                    <a:lstStyle/>
+                    <a:p>
+                      <a:pPr marL="0" marR="0" lvl="0" indent="0" algn="l" defTabSz="914400" rtl="0" eaLnBrk="1" fontAlgn="auto" latinLnBrk="0" hangingPunct="1">
+                        <a:lnSpc>
+                          <a:spcPct val="100000"/>
+                        </a:lnSpc>
+                        <a:spcBef>
+                          <a:spcPts val="0"/>
+                        </a:spcBef>
+                        <a:spcAft>
+                          <a:spcPts val="0"/>
+                        </a:spcAft>
+                        <a:buClrTx/>
+                        <a:buSzTx/>
+                        <a:buFontTx/>
+                        <a:buNone/>
+                        <a:tabLst/>
+                        <a:defRPr/>
+                      </a:pPr>
+                      <a:r>
+                        <a:rPr lang="en-US" dirty="0"/>
+                        <a:t>Pause</a:t>
+                      </a:r>
+                    </a:p>
+                  </a:txBody>
+                  <a:tcPr/>
+                </a:tc>
+                <a:extLst>
+                  <a:ext uri="{0D108BD9-81ED-4DB2-BD59-A6C34878D82A}">
+                    <a16:rowId xmlns:a16="http://schemas.microsoft.com/office/drawing/2014/main" val="2816256031"/>
+                  </a:ext>
+                </a:extLst>
+              </a:tr>
+            </a:tbl>
+          </a:graphicData>
+        </a:graphic>
+      </p:graphicFrame>
+      <p:graphicFrame>
+        <p:nvGraphicFramePr>
+          <p:cNvPr id="5" name="Table 4">
+            <a:extLst>
+              <a:ext uri="{FF2B5EF4-FFF2-40B4-BE49-F238E27FC236}">
+                <a16:creationId xmlns:a16="http://schemas.microsoft.com/office/drawing/2014/main" id="{7A17C01D-EE26-4C21-158B-F73EF3805696}"/>
+              </a:ext>
+            </a:extLst>
+          </p:cNvPr>
+          <p:cNvGraphicFramePr>
+            <a:graphicFrameLocks noGrp="1"/>
+          </p:cNvGraphicFramePr>
+          <p:nvPr>
+            <p:extLst>
+              <p:ext uri="{D42A27DB-BD31-4B8C-83A1-F6EECF244321}">
+                <p14:modId xmlns:p14="http://schemas.microsoft.com/office/powerpoint/2010/main" val="2093385787"/>
+              </p:ext>
+            </p:extLst>
+          </p:nvPr>
+        </p:nvGraphicFramePr>
+        <p:xfrm>
+          <a:off x="6470469" y="416531"/>
+          <a:ext cx="5646212" cy="6365681"/>
+        </p:xfrm>
+        <a:graphic>
+          <a:graphicData uri="http://schemas.openxmlformats.org/drawingml/2006/table">
+            <a:tbl>
+              <a:tblPr firstRow="1" bandRow="1">
+                <a:tableStyleId>{5C22544A-7EE6-4342-B048-85BDC9FD1C3A}</a:tableStyleId>
+              </a:tblPr>
+              <a:tblGrid>
+                <a:gridCol w="2053167">
+                  <a:extLst>
+                    <a:ext uri="{9D8B030D-6E8A-4147-A177-3AD203B41FA5}">
+                      <a16:colId xmlns:a16="http://schemas.microsoft.com/office/drawing/2014/main" val="1154084783"/>
+                    </a:ext>
+                  </a:extLst>
+                </a:gridCol>
+                <a:gridCol w="3593045">
+                  <a:extLst>
+                    <a:ext uri="{9D8B030D-6E8A-4147-A177-3AD203B41FA5}">
+                      <a16:colId xmlns:a16="http://schemas.microsoft.com/office/drawing/2014/main" val="1334558778"/>
+                    </a:ext>
+                  </a:extLst>
+                </a:gridCol>
+              </a:tblGrid>
+              <a:tr h="357337">
+                <a:tc>
+                  <a:txBody>
+                    <a:bodyPr/>
+                    <a:lstStyle/>
+                    <a:p>
+                      <a:r>
+                        <a:rPr lang="en-US" dirty="0"/>
+                        <a:t>Shortcut</a:t>
+                      </a:r>
+                    </a:p>
+                  </a:txBody>
+                  <a:tcPr/>
+                </a:tc>
+                <a:tc>
+                  <a:txBody>
+                    <a:bodyPr/>
+                    <a:lstStyle/>
+                    <a:p>
+                      <a:r>
+                        <a:rPr lang="en-US" dirty="0"/>
+                        <a:t>Action</a:t>
+                      </a:r>
+                    </a:p>
+                  </a:txBody>
+                  <a:tcPr/>
+                </a:tc>
+                <a:extLst>
+                  <a:ext uri="{0D108BD9-81ED-4DB2-BD59-A6C34878D82A}">
+                    <a16:rowId xmlns:a16="http://schemas.microsoft.com/office/drawing/2014/main" val="1839680496"/>
+                  </a:ext>
+                </a:extLst>
+              </a:tr>
+              <a:tr h="357337">
+                <a:tc>
+                  <a:txBody>
+                    <a:bodyPr/>
+                    <a:lstStyle/>
+                    <a:p>
+                      <a:r>
+                        <a:rPr lang="en-US" dirty="0"/>
+                        <a:t>Shift + L</a:t>
+                      </a:r>
+                    </a:p>
+                  </a:txBody>
+                  <a:tcPr/>
+                </a:tc>
+                <a:tc>
+                  <a:txBody>
+                    <a:bodyPr/>
+                    <a:lstStyle/>
+                    <a:p>
+                      <a:r>
+                        <a:rPr lang="en-US" dirty="0"/>
+                        <a:t>Fast Forward</a:t>
+                      </a:r>
+                    </a:p>
+                  </a:txBody>
+                  <a:tcPr/>
+                </a:tc>
+                <a:extLst>
+                  <a:ext uri="{0D108BD9-81ED-4DB2-BD59-A6C34878D82A}">
+                    <a16:rowId xmlns:a16="http://schemas.microsoft.com/office/drawing/2014/main" val="555523895"/>
+                  </a:ext>
+                </a:extLst>
+              </a:tr>
+              <a:tr h="357337">
+                <a:tc>
+                  <a:txBody>
+                    <a:bodyPr/>
+                    <a:lstStyle/>
+                    <a:p>
+                      <a:r>
+                        <a:rPr lang="en-US" dirty="0"/>
+                        <a:t>Shift + J</a:t>
+                      </a:r>
+                    </a:p>
+                  </a:txBody>
+                  <a:tcPr/>
+                </a:tc>
+                <a:tc>
+                  <a:txBody>
+                    <a:bodyPr/>
+                    <a:lstStyle/>
+                    <a:p>
+                      <a:r>
+                        <a:rPr lang="en-US" dirty="0"/>
+                        <a:t>Fast Backward</a:t>
+                      </a:r>
+                    </a:p>
+                  </a:txBody>
+                  <a:tcPr/>
+                </a:tc>
+                <a:extLst>
+                  <a:ext uri="{0D108BD9-81ED-4DB2-BD59-A6C34878D82A}">
+                    <a16:rowId xmlns:a16="http://schemas.microsoft.com/office/drawing/2014/main" val="891148819"/>
+                  </a:ext>
+                </a:extLst>
+              </a:tr>
+              <a:tr h="357337">
+                <a:tc>
+                  <a:txBody>
+                    <a:bodyPr/>
+                    <a:lstStyle/>
+                    <a:p>
+                      <a:r>
+                        <a:rPr lang="en-US" dirty="0"/>
+                        <a:t>Shift + K</a:t>
+                      </a:r>
+                    </a:p>
+                  </a:txBody>
+                  <a:tcPr/>
+                </a:tc>
+                <a:tc>
+                  <a:txBody>
+                    <a:bodyPr/>
+                    <a:lstStyle/>
+                    <a:p>
+                      <a:r>
+                        <a:rPr lang="en-US" dirty="0"/>
+                        <a:t>Play</a:t>
+                      </a:r>
+                    </a:p>
+                  </a:txBody>
+                  <a:tcPr/>
+                </a:tc>
+                <a:extLst>
+                  <a:ext uri="{0D108BD9-81ED-4DB2-BD59-A6C34878D82A}">
+                    <a16:rowId xmlns:a16="http://schemas.microsoft.com/office/drawing/2014/main" val="804226767"/>
+                  </a:ext>
+                </a:extLst>
+              </a:tr>
+              <a:tr h="357337">
+                <a:tc>
+                  <a:txBody>
+                    <a:bodyPr/>
+                    <a:lstStyle/>
+                    <a:p>
+                      <a:r>
+                        <a:rPr lang="en-US" dirty="0"/>
+                        <a:t>Shift + Tab</a:t>
+                      </a:r>
+                    </a:p>
+                  </a:txBody>
+                  <a:tcPr/>
+                </a:tc>
+                <a:tc>
+                  <a:txBody>
+                    <a:bodyPr/>
+                    <a:lstStyle/>
+                    <a:p>
+                      <a:r>
+                        <a:rPr lang="en-US" dirty="0"/>
+                        <a:t>Active Inspecter Tab</a:t>
+                      </a:r>
+                    </a:p>
+                  </a:txBody>
+                  <a:tcPr/>
+                </a:tc>
+                <a:extLst>
+                  <a:ext uri="{0D108BD9-81ED-4DB2-BD59-A6C34878D82A}">
+                    <a16:rowId xmlns:a16="http://schemas.microsoft.com/office/drawing/2014/main" val="2615268130"/>
+                  </a:ext>
+                </a:extLst>
+              </a:tr>
+              <a:tr h="357337">
+                <a:tc>
+                  <a:txBody>
+                    <a:bodyPr/>
+                    <a:lstStyle/>
+                    <a:p>
+                      <a:r>
+                        <a:rPr lang="en-US" dirty="0"/>
+                        <a:t>Alt + F</a:t>
+                      </a:r>
+                    </a:p>
+                  </a:txBody>
+                  <a:tcPr/>
+                </a:tc>
+                <a:tc>
+                  <a:txBody>
+                    <a:bodyPr/>
+                    <a:lstStyle/>
+                    <a:p>
+                      <a:r>
+                        <a:rPr lang="en-US" dirty="0"/>
+                        <a:t>Find Clip in Media Pool</a:t>
+                      </a:r>
+                    </a:p>
+                  </a:txBody>
+                  <a:tcPr/>
+                </a:tc>
+                <a:extLst>
+                  <a:ext uri="{0D108BD9-81ED-4DB2-BD59-A6C34878D82A}">
+                    <a16:rowId xmlns:a16="http://schemas.microsoft.com/office/drawing/2014/main" val="1128550420"/>
+                  </a:ext>
+                </a:extLst>
+              </a:tr>
+              <a:tr h="357337">
+                <a:tc>
+                  <a:txBody>
+                    <a:bodyPr/>
+                    <a:lstStyle/>
+                    <a:p>
+                      <a:r>
+                        <a:rPr lang="en-US" dirty="0"/>
+                        <a:t>P</a:t>
+                      </a:r>
+                    </a:p>
+                  </a:txBody>
+                  <a:tcPr/>
+                </a:tc>
+                <a:tc>
+                  <a:txBody>
+                    <a:bodyPr/>
+                    <a:lstStyle/>
+                    <a:p>
+                      <a:r>
+                        <a:rPr lang="en-US" dirty="0"/>
+                        <a:t>Clip Attributes</a:t>
+                      </a:r>
+                    </a:p>
+                  </a:txBody>
+                  <a:tcPr/>
+                </a:tc>
+                <a:extLst>
+                  <a:ext uri="{0D108BD9-81ED-4DB2-BD59-A6C34878D82A}">
+                    <a16:rowId xmlns:a16="http://schemas.microsoft.com/office/drawing/2014/main" val="1376175961"/>
+                  </a:ext>
+                </a:extLst>
+              </a:tr>
+              <a:tr h="357337">
+                <a:tc>
+                  <a:txBody>
+                    <a:bodyPr/>
+                    <a:lstStyle/>
+                    <a:p>
+                      <a:r>
+                        <a:rPr lang="en-US" dirty="0"/>
+                        <a:t>R</a:t>
+                      </a:r>
+                    </a:p>
+                  </a:txBody>
+                  <a:tcPr/>
+                </a:tc>
+                <a:tc>
+                  <a:txBody>
+                    <a:bodyPr/>
+                    <a:lstStyle/>
+                    <a:p>
+                      <a:r>
+                        <a:rPr lang="en-US" dirty="0"/>
+                        <a:t>Change Clip Speed</a:t>
+                      </a:r>
+                    </a:p>
+                  </a:txBody>
+                  <a:tcPr/>
+                </a:tc>
+                <a:extLst>
+                  <a:ext uri="{0D108BD9-81ED-4DB2-BD59-A6C34878D82A}">
+                    <a16:rowId xmlns:a16="http://schemas.microsoft.com/office/drawing/2014/main" val="1491106320"/>
+                  </a:ext>
+                </a:extLst>
+              </a:tr>
+              <a:tr h="357337">
+                <a:tc>
+                  <a:txBody>
+                    <a:bodyPr/>
+                    <a:lstStyle/>
+                    <a:p>
+                      <a:r>
+                        <a:rPr lang="en-US" dirty="0"/>
+                        <a:t>Cmd + R</a:t>
+                      </a:r>
+                    </a:p>
+                  </a:txBody>
+                  <a:tcPr/>
+                </a:tc>
+                <a:tc>
+                  <a:txBody>
+                    <a:bodyPr/>
+                    <a:lstStyle/>
+                    <a:p>
+                      <a:r>
+                        <a:rPr lang="en-US" dirty="0"/>
+                        <a:t>Retime Control</a:t>
+                      </a:r>
+                    </a:p>
+                  </a:txBody>
+                  <a:tcPr/>
+                </a:tc>
+                <a:extLst>
+                  <a:ext uri="{0D108BD9-81ED-4DB2-BD59-A6C34878D82A}">
+                    <a16:rowId xmlns:a16="http://schemas.microsoft.com/office/drawing/2014/main" val="2393969853"/>
+                  </a:ext>
+                </a:extLst>
+              </a:tr>
+              <a:tr h="357337">
+                <a:tc>
+                  <a:txBody>
+                    <a:bodyPr/>
+                    <a:lstStyle/>
+                    <a:p>
+                      <a:r>
+                        <a:rPr lang="en-US" dirty="0"/>
+                        <a:t>Alt + Mouse Scroll</a:t>
+                      </a:r>
+                    </a:p>
+                  </a:txBody>
+                  <a:tcPr/>
+                </a:tc>
+                <a:tc>
+                  <a:txBody>
+                    <a:bodyPr/>
+                    <a:lstStyle/>
+                    <a:p>
+                      <a:r>
+                        <a:rPr lang="en-US" dirty="0"/>
+                        <a:t>Zoom in Timelines</a:t>
+                      </a:r>
+                    </a:p>
+                  </a:txBody>
+                  <a:tcPr/>
+                </a:tc>
+                <a:extLst>
+                  <a:ext uri="{0D108BD9-81ED-4DB2-BD59-A6C34878D82A}">
+                    <a16:rowId xmlns:a16="http://schemas.microsoft.com/office/drawing/2014/main" val="2105793689"/>
+                  </a:ext>
+                </a:extLst>
+              </a:tr>
+              <a:tr h="357337">
+                <a:tc>
+                  <a:txBody>
+                    <a:bodyPr/>
+                    <a:lstStyle/>
+                    <a:p>
+                      <a:r>
+                        <a:rPr lang="en-US" dirty="0"/>
+                        <a:t>Shift + Scroll</a:t>
+                      </a:r>
+                    </a:p>
+                  </a:txBody>
+                  <a:tcPr/>
+                </a:tc>
+                <a:tc>
+                  <a:txBody>
+                    <a:bodyPr/>
+                    <a:lstStyle/>
+                    <a:p>
+                      <a:r>
+                        <a:rPr lang="en-US" dirty="0"/>
+                        <a:t>Zoom Audio Waveform</a:t>
+                      </a:r>
+                    </a:p>
+                  </a:txBody>
+                  <a:tcPr/>
+                </a:tc>
+                <a:extLst>
+                  <a:ext uri="{0D108BD9-81ED-4DB2-BD59-A6C34878D82A}">
+                    <a16:rowId xmlns:a16="http://schemas.microsoft.com/office/drawing/2014/main" val="1075767104"/>
+                  </a:ext>
+                </a:extLst>
+              </a:tr>
+              <a:tr h="357337">
+                <a:tc>
+                  <a:txBody>
+                    <a:bodyPr/>
+                    <a:lstStyle/>
+                    <a:p>
+                      <a:r>
+                        <a:rPr lang="en-US" dirty="0"/>
+                        <a:t>A</a:t>
+                      </a:r>
+                    </a:p>
+                  </a:txBody>
+                  <a:tcPr/>
+                </a:tc>
+                <a:tc>
+                  <a:txBody>
+                    <a:bodyPr/>
+                    <a:lstStyle/>
+                    <a:p>
+                      <a:endParaRPr lang="en-US" dirty="0"/>
+                    </a:p>
+                  </a:txBody>
+                  <a:tcPr/>
+                </a:tc>
+                <a:extLst>
+                  <a:ext uri="{0D108BD9-81ED-4DB2-BD59-A6C34878D82A}">
+                    <a16:rowId xmlns:a16="http://schemas.microsoft.com/office/drawing/2014/main" val="634515429"/>
+                  </a:ext>
+                </a:extLst>
+              </a:tr>
+              <a:tr h="357337">
+                <a:tc>
+                  <a:txBody>
+                    <a:bodyPr/>
+                    <a:lstStyle/>
+                    <a:p>
+                      <a:r>
+                        <a:rPr lang="en-US" dirty="0"/>
+                        <a:t>T</a:t>
+                      </a:r>
+                    </a:p>
+                  </a:txBody>
+                  <a:tcPr/>
+                </a:tc>
+                <a:tc>
+                  <a:txBody>
+                    <a:bodyPr/>
+                    <a:lstStyle/>
+                    <a:p>
+                      <a:endParaRPr lang="en-US" dirty="0"/>
+                    </a:p>
+                  </a:txBody>
+                  <a:tcPr/>
+                </a:tc>
+                <a:extLst>
+                  <a:ext uri="{0D108BD9-81ED-4DB2-BD59-A6C34878D82A}">
+                    <a16:rowId xmlns:a16="http://schemas.microsoft.com/office/drawing/2014/main" val="1475152045"/>
+                  </a:ext>
+                </a:extLst>
+              </a:tr>
+              <a:tr h="357337">
+                <a:tc>
+                  <a:txBody>
+                    <a:bodyPr/>
+                    <a:lstStyle/>
+                    <a:p>
+                      <a:r>
+                        <a:rPr lang="en-US" dirty="0"/>
+                        <a:t>B</a:t>
+                      </a:r>
+                    </a:p>
+                  </a:txBody>
+                  <a:tcPr/>
+                </a:tc>
+                <a:tc>
+                  <a:txBody>
+                    <a:bodyPr/>
+                    <a:lstStyle/>
+                    <a:p>
+                      <a:endParaRPr lang="en-US" dirty="0"/>
+                    </a:p>
+                  </a:txBody>
+                  <a:tcPr/>
+                </a:tc>
+                <a:extLst>
+                  <a:ext uri="{0D108BD9-81ED-4DB2-BD59-A6C34878D82A}">
+                    <a16:rowId xmlns:a16="http://schemas.microsoft.com/office/drawing/2014/main" val="1211962003"/>
+                  </a:ext>
+                </a:extLst>
+              </a:tr>
+              <a:tr h="357337">
+                <a:tc>
+                  <a:txBody>
+                    <a:bodyPr/>
+                    <a:lstStyle/>
+                    <a:p>
+                      <a:r>
+                        <a:rPr lang="en-US" dirty="0"/>
+                        <a:t>M</a:t>
+                      </a:r>
+                    </a:p>
+                  </a:txBody>
+                  <a:tcPr/>
+                </a:tc>
+                <a:tc>
+                  <a:txBody>
+                    <a:bodyPr/>
+                    <a:lstStyle/>
+                    <a:p>
+                      <a:r>
+                        <a:rPr lang="en-US" dirty="0"/>
+                        <a:t>Marker</a:t>
+                      </a:r>
+                    </a:p>
+                  </a:txBody>
+                  <a:tcPr/>
+                </a:tc>
+                <a:extLst>
+                  <a:ext uri="{0D108BD9-81ED-4DB2-BD59-A6C34878D82A}">
+                    <a16:rowId xmlns:a16="http://schemas.microsoft.com/office/drawing/2014/main" val="1321587556"/>
+                  </a:ext>
+                </a:extLst>
+              </a:tr>
+              <a:tr h="357337">
+                <a:tc>
+                  <a:txBody>
+                    <a:bodyPr/>
+                    <a:lstStyle/>
+                    <a:p>
+                      <a:r>
+                        <a:rPr lang="en-US" dirty="0"/>
+                        <a:t>;</a:t>
+                      </a:r>
+                    </a:p>
+                  </a:txBody>
+                  <a:tcPr/>
+                </a:tc>
+                <a:tc>
+                  <a:txBody>
+                    <a:bodyPr/>
+                    <a:lstStyle/>
+                    <a:p>
+                      <a:r>
+                        <a:rPr lang="en-US" dirty="0"/>
+                        <a:t>Go To First Frame while Watching</a:t>
+                      </a:r>
+                    </a:p>
+                  </a:txBody>
+                  <a:tcPr/>
+                </a:tc>
+                <a:extLst>
+                  <a:ext uri="{0D108BD9-81ED-4DB2-BD59-A6C34878D82A}">
+                    <a16:rowId xmlns:a16="http://schemas.microsoft.com/office/drawing/2014/main" val="2816256031"/>
+                  </a:ext>
+                </a:extLst>
+              </a:tr>
+              <a:tr h="513521">
+                <a:tc>
+                  <a:txBody>
+                    <a:bodyPr/>
+                    <a:lstStyle/>
+                    <a:p>
+                      <a:r>
+                        <a:rPr lang="en-US" dirty="0"/>
+                        <a:t>.</a:t>
+                      </a:r>
+                    </a:p>
+                  </a:txBody>
+                  <a:tcPr/>
+                </a:tc>
+                <a:tc>
+                  <a:txBody>
+                    <a:bodyPr/>
+                    <a:lstStyle/>
+                    <a:p>
+                      <a:pPr marL="0" marR="0" lvl="0" indent="0" algn="l" defTabSz="914400" rtl="0" eaLnBrk="1" fontAlgn="auto" latinLnBrk="0" hangingPunct="1">
+                        <a:lnSpc>
+                          <a:spcPct val="100000"/>
+                        </a:lnSpc>
+                        <a:spcBef>
+                          <a:spcPts val="0"/>
+                        </a:spcBef>
+                        <a:spcAft>
+                          <a:spcPts val="0"/>
+                        </a:spcAft>
+                        <a:buClrTx/>
+                        <a:buSzTx/>
+                        <a:buFontTx/>
+                        <a:buNone/>
+                        <a:tabLst/>
+                        <a:defRPr/>
+                      </a:pPr>
+                      <a:r>
+                        <a:rPr lang="en-US" dirty="0"/>
+                        <a:t>Go To Last Frame while Watching</a:t>
+                      </a:r>
+                    </a:p>
+                  </a:txBody>
+                  <a:tcPr/>
+                </a:tc>
+                <a:extLst>
+                  <a:ext uri="{0D108BD9-81ED-4DB2-BD59-A6C34878D82A}">
+                    <a16:rowId xmlns:a16="http://schemas.microsoft.com/office/drawing/2014/main" val="641107581"/>
+                  </a:ext>
+                </a:extLst>
+              </a:tr>
+            </a:tbl>
+          </a:graphicData>
+        </a:graphic>
+      </p:graphicFrame>
     </p:spTree>
     <p:extLst>
       <p:ext uri="{BB962C8B-B14F-4D97-AF65-F5344CB8AC3E}">
-        <p14:creationId xmlns:p14="http://schemas.microsoft.com/office/powerpoint/2010/main" val="1472617438"/>
+        <p14:creationId xmlns:p14="http://schemas.microsoft.com/office/powerpoint/2010/main" val="3381371015"/>
       </p:ext>
     </p:extLst>
   </p:cSld>
@@ -3503,7 +5213,7 @@
         <p:cNvPr id="1" name="">
           <a:extLst>
             <a:ext uri="{FF2B5EF4-FFF2-40B4-BE49-F238E27FC236}">
-              <a16:creationId xmlns:a16="http://schemas.microsoft.com/office/drawing/2014/main" id="{3CA6C7E8-2098-3136-49A0-2E7A74F42CA7}"/>
+              <a16:creationId xmlns:a16="http://schemas.microsoft.com/office/drawing/2014/main" id="{E5BB8B40-24A0-3533-55DA-E62DC958E42D}"/>
             </a:ext>
           </a:extLst>
         </p:cNvPr>
@@ -3523,7 +5233,7 @@
           <p:cNvPr id="21" name="Rectangle 20">
             <a:extLst>
               <a:ext uri="{FF2B5EF4-FFF2-40B4-BE49-F238E27FC236}">
-                <a16:creationId xmlns:a16="http://schemas.microsoft.com/office/drawing/2014/main" id="{8444C2B8-AA77-B6D7-DCC8-B4513FD57AC3}"/>
+                <a16:creationId xmlns:a16="http://schemas.microsoft.com/office/drawing/2014/main" id="{0B7A153A-678C-5967-E0C7-E54F7DB2C74A}"/>
               </a:ext>
               <a:ext uri="{C183D7F6-B498-43B3-948B-1728B52AA6E4}">
                 <adec:decorative xmlns:adec="http://schemas.microsoft.com/office/drawing/2017/decorative" val="1"/>
@@ -3590,10 +5300,406 @@
           </a:p>
         </p:txBody>
       </p:sp>
+      <p:sp>
+        <p:nvSpPr>
+          <p:cNvPr id="2" name="Triangle 1">
+            <a:extLst>
+              <a:ext uri="{FF2B5EF4-FFF2-40B4-BE49-F238E27FC236}">
+                <a16:creationId xmlns:a16="http://schemas.microsoft.com/office/drawing/2014/main" id="{90ABEBD5-ABBD-4349-8903-D93EF8E7095A}"/>
+              </a:ext>
+            </a:extLst>
+          </p:cNvPr>
+          <p:cNvSpPr/>
+          <p:nvPr/>
+        </p:nvSpPr>
+        <p:spPr>
+          <a:xfrm>
+            <a:off x="826795" y="1158239"/>
+            <a:ext cx="1402081" cy="1132115"/>
+          </a:xfrm>
+          <a:prstGeom prst="triangle">
+            <a:avLst/>
+          </a:prstGeom>
+          <a:solidFill>
+            <a:srgbClr val="FFFF00"/>
+          </a:solidFill>
+        </p:spPr>
+        <p:style>
+          <a:lnRef idx="2">
+            <a:schemeClr val="accent1">
+              <a:shade val="15000"/>
+            </a:schemeClr>
+          </a:lnRef>
+          <a:fillRef idx="1">
+            <a:schemeClr val="accent1"/>
+          </a:fillRef>
+          <a:effectRef idx="0">
+            <a:schemeClr val="accent1"/>
+          </a:effectRef>
+          <a:fontRef idx="minor">
+            <a:schemeClr val="lt1"/>
+          </a:fontRef>
+        </p:style>
+        <p:txBody>
+          <a:bodyPr rtlCol="0" anchor="ctr"/>
+          <a:lstStyle/>
+          <a:p>
+            <a:pPr algn="ctr"/>
+            <a:r>
+              <a:rPr lang="en-US" dirty="0">
+                <a:solidFill>
+                  <a:schemeClr val="tx1"/>
+                </a:solidFill>
+              </a:rPr>
+              <a:t>input</a:t>
+            </a:r>
+          </a:p>
+        </p:txBody>
+      </p:sp>
+      <p:sp>
+        <p:nvSpPr>
+          <p:cNvPr id="5" name="Triangle 4">
+            <a:extLst>
+              <a:ext uri="{FF2B5EF4-FFF2-40B4-BE49-F238E27FC236}">
+                <a16:creationId xmlns:a16="http://schemas.microsoft.com/office/drawing/2014/main" id="{790237FD-0FC8-7D6D-32D9-4D6A62DA9610}"/>
+              </a:ext>
+            </a:extLst>
+          </p:cNvPr>
+          <p:cNvSpPr/>
+          <p:nvPr/>
+        </p:nvSpPr>
+        <p:spPr>
+          <a:xfrm>
+            <a:off x="3226006" y="1158239"/>
+            <a:ext cx="1402081" cy="1132115"/>
+          </a:xfrm>
+          <a:prstGeom prst="triangle">
+            <a:avLst/>
+          </a:prstGeom>
+          <a:solidFill>
+            <a:schemeClr val="accent6">
+              <a:lumMod val="75000"/>
+            </a:schemeClr>
+          </a:solidFill>
+        </p:spPr>
+        <p:style>
+          <a:lnRef idx="2">
+            <a:schemeClr val="accent1">
+              <a:shade val="15000"/>
+            </a:schemeClr>
+          </a:lnRef>
+          <a:fillRef idx="1">
+            <a:schemeClr val="accent1"/>
+          </a:fillRef>
+          <a:effectRef idx="0">
+            <a:schemeClr val="accent1"/>
+          </a:effectRef>
+          <a:fontRef idx="minor">
+            <a:schemeClr val="lt1"/>
+          </a:fontRef>
+        </p:style>
+        <p:txBody>
+          <a:bodyPr rtlCol="0" anchor="ctr"/>
+          <a:lstStyle/>
+          <a:p>
+            <a:pPr algn="ctr"/>
+            <a:r>
+              <a:rPr lang="en-US" dirty="0">
+                <a:solidFill>
+                  <a:schemeClr val="tx1"/>
+                </a:solidFill>
+              </a:rPr>
+              <a:t>input</a:t>
+            </a:r>
+          </a:p>
+        </p:txBody>
+      </p:sp>
+      <p:sp>
+        <p:nvSpPr>
+          <p:cNvPr id="6" name="Triangle 5">
+            <a:extLst>
+              <a:ext uri="{FF2B5EF4-FFF2-40B4-BE49-F238E27FC236}">
+                <a16:creationId xmlns:a16="http://schemas.microsoft.com/office/drawing/2014/main" id="{8C2571B5-42CA-8B26-4461-06BE84F59A87}"/>
+              </a:ext>
+            </a:extLst>
+          </p:cNvPr>
+          <p:cNvSpPr/>
+          <p:nvPr/>
+        </p:nvSpPr>
+        <p:spPr>
+          <a:xfrm>
+            <a:off x="5699241" y="1166946"/>
+            <a:ext cx="1402081" cy="1132115"/>
+          </a:xfrm>
+          <a:prstGeom prst="triangle">
+            <a:avLst/>
+          </a:prstGeom>
+          <a:solidFill>
+            <a:srgbClr val="00B0F0"/>
+          </a:solidFill>
+        </p:spPr>
+        <p:style>
+          <a:lnRef idx="2">
+            <a:schemeClr val="accent1">
+              <a:shade val="15000"/>
+            </a:schemeClr>
+          </a:lnRef>
+          <a:fillRef idx="1">
+            <a:schemeClr val="accent1"/>
+          </a:fillRef>
+          <a:effectRef idx="0">
+            <a:schemeClr val="accent1"/>
+          </a:effectRef>
+          <a:fontRef idx="minor">
+            <a:schemeClr val="lt1"/>
+          </a:fontRef>
+        </p:style>
+        <p:txBody>
+          <a:bodyPr rtlCol="0" anchor="ctr"/>
+          <a:lstStyle/>
+          <a:p>
+            <a:pPr algn="ctr"/>
+            <a:r>
+              <a:rPr lang="en-US" dirty="0">
+                <a:solidFill>
+                  <a:schemeClr val="tx1"/>
+                </a:solidFill>
+              </a:rPr>
+              <a:t>input</a:t>
+            </a:r>
+          </a:p>
+        </p:txBody>
+      </p:sp>
+      <p:sp>
+        <p:nvSpPr>
+          <p:cNvPr id="8" name="TextBox 7">
+            <a:extLst>
+              <a:ext uri="{FF2B5EF4-FFF2-40B4-BE49-F238E27FC236}">
+                <a16:creationId xmlns:a16="http://schemas.microsoft.com/office/drawing/2014/main" id="{BD882FC8-3BBD-954A-51CA-325DB70F20D8}"/>
+              </a:ext>
+            </a:extLst>
+          </p:cNvPr>
+          <p:cNvSpPr txBox="1"/>
+          <p:nvPr/>
+        </p:nvSpPr>
+        <p:spPr>
+          <a:xfrm>
+            <a:off x="3287485" y="2377441"/>
+            <a:ext cx="1323183" cy="369332"/>
+          </a:xfrm>
+          <a:prstGeom prst="rect">
+            <a:avLst/>
+          </a:prstGeom>
+          <a:noFill/>
+        </p:spPr>
+        <p:txBody>
+          <a:bodyPr wrap="none" rtlCol="0">
+            <a:spAutoFit/>
+          </a:bodyPr>
+          <a:lstStyle/>
+          <a:p>
+            <a:r>
+              <a:rPr lang="en-US" dirty="0"/>
+              <a:t>Foreground</a:t>
+            </a:r>
+          </a:p>
+        </p:txBody>
+      </p:sp>
+      <p:sp>
+        <p:nvSpPr>
+          <p:cNvPr id="9" name="TextBox 8">
+            <a:extLst>
+              <a:ext uri="{FF2B5EF4-FFF2-40B4-BE49-F238E27FC236}">
+                <a16:creationId xmlns:a16="http://schemas.microsoft.com/office/drawing/2014/main" id="{95C19456-9CE1-DCC8-335E-69A67896D65A}"/>
+              </a:ext>
+            </a:extLst>
+          </p:cNvPr>
+          <p:cNvSpPr txBox="1"/>
+          <p:nvPr/>
+        </p:nvSpPr>
+        <p:spPr>
+          <a:xfrm>
+            <a:off x="731520" y="2377441"/>
+            <a:ext cx="1376018" cy="369332"/>
+          </a:xfrm>
+          <a:prstGeom prst="rect">
+            <a:avLst/>
+          </a:prstGeom>
+          <a:noFill/>
+        </p:spPr>
+        <p:txBody>
+          <a:bodyPr wrap="none" rtlCol="0">
+            <a:spAutoFit/>
+          </a:bodyPr>
+          <a:lstStyle/>
+          <a:p>
+            <a:r>
+              <a:rPr lang="en-US" dirty="0"/>
+              <a:t>Background</a:t>
+            </a:r>
+          </a:p>
+        </p:txBody>
+      </p:sp>
+      <p:sp>
+        <p:nvSpPr>
+          <p:cNvPr id="10" name="TextBox 9">
+            <a:extLst>
+              <a:ext uri="{FF2B5EF4-FFF2-40B4-BE49-F238E27FC236}">
+                <a16:creationId xmlns:a16="http://schemas.microsoft.com/office/drawing/2014/main" id="{55473D35-26CB-0FF9-C340-BB15C70FFE5B}"/>
+              </a:ext>
+            </a:extLst>
+          </p:cNvPr>
+          <p:cNvSpPr txBox="1"/>
+          <p:nvPr/>
+        </p:nvSpPr>
+        <p:spPr>
+          <a:xfrm>
+            <a:off x="5699241" y="2372305"/>
+            <a:ext cx="1281120" cy="369332"/>
+          </a:xfrm>
+          <a:prstGeom prst="rect">
+            <a:avLst/>
+          </a:prstGeom>
+          <a:noFill/>
+        </p:spPr>
+        <p:txBody>
+          <a:bodyPr wrap="none" rtlCol="0">
+            <a:spAutoFit/>
+          </a:bodyPr>
+          <a:lstStyle/>
+          <a:p>
+            <a:r>
+              <a:rPr lang="en-US" dirty="0"/>
+              <a:t>Mask Input</a:t>
+            </a:r>
+          </a:p>
+        </p:txBody>
+      </p:sp>
+      <p:sp>
+        <p:nvSpPr>
+          <p:cNvPr id="11" name="TextBox 10">
+            <a:extLst>
+              <a:ext uri="{FF2B5EF4-FFF2-40B4-BE49-F238E27FC236}">
+                <a16:creationId xmlns:a16="http://schemas.microsoft.com/office/drawing/2014/main" id="{CDD75DDB-4146-36EC-2751-891CDF729FA9}"/>
+              </a:ext>
+            </a:extLst>
+          </p:cNvPr>
+          <p:cNvSpPr txBox="1"/>
+          <p:nvPr/>
+        </p:nvSpPr>
+        <p:spPr>
+          <a:xfrm>
+            <a:off x="2107538" y="330925"/>
+            <a:ext cx="2746970" cy="646331"/>
+          </a:xfrm>
+          <a:prstGeom prst="rect">
+            <a:avLst/>
+          </a:prstGeom>
+          <a:noFill/>
+        </p:spPr>
+        <p:txBody>
+          <a:bodyPr wrap="square" rtlCol="0">
+            <a:spAutoFit/>
+          </a:bodyPr>
+          <a:lstStyle/>
+          <a:p>
+            <a:pPr algn="ctr"/>
+            <a:r>
+              <a:rPr lang="en-US" sz="3600" b="1" dirty="0"/>
+              <a:t>Inputs</a:t>
+            </a:r>
+          </a:p>
+        </p:txBody>
+      </p:sp>
+      <p:sp>
+        <p:nvSpPr>
+          <p:cNvPr id="12" name="Rectangle 11">
+            <a:extLst>
+              <a:ext uri="{FF2B5EF4-FFF2-40B4-BE49-F238E27FC236}">
+                <a16:creationId xmlns:a16="http://schemas.microsoft.com/office/drawing/2014/main" id="{0A39374D-EF0B-523C-991F-3974919041C2}"/>
+              </a:ext>
+            </a:extLst>
+          </p:cNvPr>
+          <p:cNvSpPr/>
+          <p:nvPr/>
+        </p:nvSpPr>
+        <p:spPr>
+          <a:xfrm>
+            <a:off x="10119360" y="1271450"/>
+            <a:ext cx="1341120" cy="1219202"/>
+          </a:xfrm>
+          <a:prstGeom prst="rect">
+            <a:avLst/>
+          </a:prstGeom>
+          <a:solidFill>
+            <a:schemeClr val="bg2"/>
+          </a:solidFill>
+        </p:spPr>
+        <p:style>
+          <a:lnRef idx="2">
+            <a:schemeClr val="accent1">
+              <a:shade val="15000"/>
+            </a:schemeClr>
+          </a:lnRef>
+          <a:fillRef idx="1">
+            <a:schemeClr val="accent1"/>
+          </a:fillRef>
+          <a:effectRef idx="0">
+            <a:schemeClr val="accent1"/>
+          </a:effectRef>
+          <a:fontRef idx="minor">
+            <a:schemeClr val="lt1"/>
+          </a:fontRef>
+        </p:style>
+        <p:txBody>
+          <a:bodyPr rtlCol="0" anchor="ctr"/>
+          <a:lstStyle/>
+          <a:p>
+            <a:pPr algn="ctr"/>
+            <a:endParaRPr lang="en-US"/>
+          </a:p>
+        </p:txBody>
+      </p:sp>
+      <p:sp>
+        <p:nvSpPr>
+          <p:cNvPr id="13" name="TextBox 12">
+            <a:extLst>
+              <a:ext uri="{FF2B5EF4-FFF2-40B4-BE49-F238E27FC236}">
+                <a16:creationId xmlns:a16="http://schemas.microsoft.com/office/drawing/2014/main" id="{D5E5B62B-9A87-0290-0EC8-CAB604EDAD98}"/>
+              </a:ext>
+            </a:extLst>
+          </p:cNvPr>
+          <p:cNvSpPr txBox="1"/>
+          <p:nvPr/>
+        </p:nvSpPr>
+        <p:spPr>
+          <a:xfrm>
+            <a:off x="9240378" y="446032"/>
+            <a:ext cx="2746970" cy="646331"/>
+          </a:xfrm>
+          <a:prstGeom prst="rect">
+            <a:avLst/>
+          </a:prstGeom>
+          <a:noFill/>
+        </p:spPr>
+        <p:txBody>
+          <a:bodyPr wrap="square" rtlCol="0">
+            <a:spAutoFit/>
+          </a:bodyPr>
+          <a:lstStyle/>
+          <a:p>
+            <a:pPr algn="ctr"/>
+            <a:r>
+              <a:rPr lang="en-US" sz="3600" b="1" dirty="0"/>
+              <a:t>Outputs</a:t>
+            </a:r>
+          </a:p>
+        </p:txBody>
+      </p:sp>
     </p:spTree>
     <p:extLst>
       <p:ext uri="{BB962C8B-B14F-4D97-AF65-F5344CB8AC3E}">
-        <p14:creationId xmlns:p14="http://schemas.microsoft.com/office/powerpoint/2010/main" val="2835851494"/>
+        <p14:creationId xmlns:p14="http://schemas.microsoft.com/office/powerpoint/2010/main" val="3844184568"/>
       </p:ext>
     </p:extLst>
   </p:cSld>
@@ -3619,7 +5725,7 @@
         <p:cNvPr id="1" name="">
           <a:extLst>
             <a:ext uri="{FF2B5EF4-FFF2-40B4-BE49-F238E27FC236}">
-              <a16:creationId xmlns:a16="http://schemas.microsoft.com/office/drawing/2014/main" id="{438B413C-1C59-40CC-D486-75C3E8FC9622}"/>
+              <a16:creationId xmlns:a16="http://schemas.microsoft.com/office/drawing/2014/main" id="{3CA6C7E8-2098-3136-49A0-2E7A74F42CA7}"/>
             </a:ext>
           </a:extLst>
         </p:cNvPr>
@@ -3639,7 +5745,7 @@
           <p:cNvPr id="21" name="Rectangle 20">
             <a:extLst>
               <a:ext uri="{FF2B5EF4-FFF2-40B4-BE49-F238E27FC236}">
-                <a16:creationId xmlns:a16="http://schemas.microsoft.com/office/drawing/2014/main" id="{D558573D-4122-BC38-85E6-BF90579C4EE6}"/>
+                <a16:creationId xmlns:a16="http://schemas.microsoft.com/office/drawing/2014/main" id="{8444C2B8-AA77-B6D7-DCC8-B4513FD57AC3}"/>
               </a:ext>
               <a:ext uri="{C183D7F6-B498-43B3-948B-1728B52AA6E4}">
                 <adec:decorative xmlns:adec="http://schemas.microsoft.com/office/drawing/2017/decorative" val="1"/>
@@ -3706,10 +5812,352 @@
           </a:p>
         </p:txBody>
       </p:sp>
+      <p:sp>
+        <p:nvSpPr>
+          <p:cNvPr id="2" name="TextBox 1">
+            <a:extLst>
+              <a:ext uri="{FF2B5EF4-FFF2-40B4-BE49-F238E27FC236}">
+                <a16:creationId xmlns:a16="http://schemas.microsoft.com/office/drawing/2014/main" id="{FB36A35D-4C4B-BA14-41D7-8F41ECEE534F}"/>
+              </a:ext>
+            </a:extLst>
+          </p:cNvPr>
+          <p:cNvSpPr txBox="1"/>
+          <p:nvPr/>
+        </p:nvSpPr>
+        <p:spPr>
+          <a:xfrm>
+            <a:off x="4075612" y="409303"/>
+            <a:ext cx="3084562" cy="707886"/>
+          </a:xfrm>
+          <a:prstGeom prst="rect">
+            <a:avLst/>
+          </a:prstGeom>
+          <a:noFill/>
+        </p:spPr>
+        <p:txBody>
+          <a:bodyPr wrap="none" rtlCol="0">
+            <a:spAutoFit/>
+          </a:bodyPr>
+          <a:lstStyle/>
+          <a:p>
+            <a:r>
+              <a:rPr lang="en-US" sz="4000" b="1" dirty="0">
+                <a:solidFill>
+                  <a:schemeClr val="bg1"/>
+                </a:solidFill>
+              </a:rPr>
+              <a:t>Polygon Tool</a:t>
+            </a:r>
+          </a:p>
+        </p:txBody>
+      </p:sp>
+      <p:sp>
+        <p:nvSpPr>
+          <p:cNvPr id="4" name="TextBox 3">
+            <a:extLst>
+              <a:ext uri="{FF2B5EF4-FFF2-40B4-BE49-F238E27FC236}">
+                <a16:creationId xmlns:a16="http://schemas.microsoft.com/office/drawing/2014/main" id="{597E33C9-925C-9188-3BEF-52C93607B082}"/>
+              </a:ext>
+            </a:extLst>
+          </p:cNvPr>
+          <p:cNvSpPr txBox="1"/>
+          <p:nvPr/>
+        </p:nvSpPr>
+        <p:spPr>
+          <a:xfrm>
+            <a:off x="1280159" y="1346367"/>
+            <a:ext cx="9187544" cy="646331"/>
+          </a:xfrm>
+          <a:prstGeom prst="rect">
+            <a:avLst/>
+          </a:prstGeom>
+          <a:noFill/>
+        </p:spPr>
+        <p:txBody>
+          <a:bodyPr wrap="square" rtlCol="0">
+            <a:spAutoFit/>
+          </a:bodyPr>
+          <a:lstStyle/>
+          <a:p>
+            <a:r>
+              <a:rPr lang="en-US" b="1" dirty="0">
+                <a:solidFill>
+                  <a:srgbClr val="FFC000"/>
+                </a:solidFill>
+              </a:rPr>
+              <a:t>When you are in Double Poly:</a:t>
+            </a:r>
+          </a:p>
+          <a:p>
+            <a:r>
+              <a:rPr lang="en-US" dirty="0">
+                <a:solidFill>
+                  <a:schemeClr val="bg1"/>
+                </a:solidFill>
+              </a:rPr>
+              <a:t>Press Tab to Switch between Edge Grabbing and Edge Smoothing</a:t>
+            </a:r>
+          </a:p>
+        </p:txBody>
+      </p:sp>
+      <p:sp>
+        <p:nvSpPr>
+          <p:cNvPr id="5" name="TextBox 4">
+            <a:extLst>
+              <a:ext uri="{FF2B5EF4-FFF2-40B4-BE49-F238E27FC236}">
+                <a16:creationId xmlns:a16="http://schemas.microsoft.com/office/drawing/2014/main" id="{D30E7A36-2BD4-422D-531A-1A2A2135C6F7}"/>
+              </a:ext>
+            </a:extLst>
+          </p:cNvPr>
+          <p:cNvSpPr txBox="1"/>
+          <p:nvPr/>
+        </p:nvSpPr>
+        <p:spPr>
+          <a:xfrm>
+            <a:off x="3740173" y="2559223"/>
+            <a:ext cx="4267515" cy="707886"/>
+          </a:xfrm>
+          <a:prstGeom prst="rect">
+            <a:avLst/>
+          </a:prstGeom>
+          <a:noFill/>
+        </p:spPr>
+        <p:txBody>
+          <a:bodyPr wrap="none" rtlCol="0">
+            <a:spAutoFit/>
+          </a:bodyPr>
+          <a:lstStyle/>
+          <a:p>
+            <a:r>
+              <a:rPr lang="en-US" sz="4000" b="1" dirty="0">
+                <a:solidFill>
+                  <a:schemeClr val="bg1"/>
+                </a:solidFill>
+              </a:rPr>
+              <a:t>Multi Merge Node</a:t>
+            </a:r>
+          </a:p>
+        </p:txBody>
+      </p:sp>
+      <p:graphicFrame>
+        <p:nvGraphicFramePr>
+          <p:cNvPr id="6" name="Table 5">
+            <a:extLst>
+              <a:ext uri="{FF2B5EF4-FFF2-40B4-BE49-F238E27FC236}">
+                <a16:creationId xmlns:a16="http://schemas.microsoft.com/office/drawing/2014/main" id="{53C53471-62BE-5092-CAA3-FC28A7F2FF8A}"/>
+              </a:ext>
+            </a:extLst>
+          </p:cNvPr>
+          <p:cNvGraphicFramePr>
+            <a:graphicFrameLocks noGrp="1"/>
+          </p:cNvGraphicFramePr>
+          <p:nvPr>
+            <p:extLst>
+              <p:ext uri="{D42A27DB-BD31-4B8C-83A1-F6EECF244321}">
+                <p14:modId xmlns:p14="http://schemas.microsoft.com/office/powerpoint/2010/main" val="2302951817"/>
+              </p:ext>
+            </p:extLst>
+          </p:nvPr>
+        </p:nvGraphicFramePr>
+        <p:xfrm>
+          <a:off x="677090" y="3833634"/>
+          <a:ext cx="10837820" cy="1863135"/>
+        </p:xfrm>
+        <a:graphic>
+          <a:graphicData uri="http://schemas.openxmlformats.org/drawingml/2006/table">
+            <a:tbl>
+              <a:tblPr firstRow="1" bandRow="1">
+                <a:tableStyleId>{5C22544A-7EE6-4342-B048-85BDC9FD1C3A}</a:tableStyleId>
+              </a:tblPr>
+              <a:tblGrid>
+                <a:gridCol w="5418910">
+                  <a:extLst>
+                    <a:ext uri="{9D8B030D-6E8A-4147-A177-3AD203B41FA5}">
+                      <a16:colId xmlns:a16="http://schemas.microsoft.com/office/drawing/2014/main" val="1154084783"/>
+                    </a:ext>
+                  </a:extLst>
+                </a:gridCol>
+                <a:gridCol w="5418910">
+                  <a:extLst>
+                    <a:ext uri="{9D8B030D-6E8A-4147-A177-3AD203B41FA5}">
+                      <a16:colId xmlns:a16="http://schemas.microsoft.com/office/drawing/2014/main" val="1334558778"/>
+                    </a:ext>
+                  </a:extLst>
+                </a:gridCol>
+              </a:tblGrid>
+              <a:tr h="372627">
+                <a:tc>
+                  <a:txBody>
+                    <a:bodyPr/>
+                    <a:lstStyle/>
+                    <a:p>
+                      <a:r>
+                        <a:rPr lang="en-US" dirty="0"/>
+                        <a:t>Shortcuts</a:t>
+                      </a:r>
+                    </a:p>
+                  </a:txBody>
+                  <a:tcPr/>
+                </a:tc>
+                <a:tc>
+                  <a:txBody>
+                    <a:bodyPr/>
+                    <a:lstStyle/>
+                    <a:p>
+                      <a:r>
+                        <a:rPr lang="en-US" dirty="0"/>
+                        <a:t>Action</a:t>
+                      </a:r>
+                    </a:p>
+                  </a:txBody>
+                  <a:tcPr/>
+                </a:tc>
+                <a:extLst>
+                  <a:ext uri="{0D108BD9-81ED-4DB2-BD59-A6C34878D82A}">
+                    <a16:rowId xmlns:a16="http://schemas.microsoft.com/office/drawing/2014/main" val="1839680496"/>
+                  </a:ext>
+                </a:extLst>
+              </a:tr>
+              <a:tr h="372627">
+                <a:tc>
+                  <a:txBody>
+                    <a:bodyPr/>
+                    <a:lstStyle/>
+                    <a:p>
+                      <a:r>
+                        <a:rPr lang="en-US" dirty="0"/>
+                        <a:t>Hold Space &amp; Click and Drag Node</a:t>
+                      </a:r>
+                    </a:p>
+                  </a:txBody>
+                  <a:tcPr/>
+                </a:tc>
+                <a:tc>
+                  <a:txBody>
+                    <a:bodyPr/>
+                    <a:lstStyle/>
+                    <a:p>
+                      <a:r>
+                        <a:rPr lang="en-US" dirty="0"/>
+                        <a:t>To Release Nodes From Pipeline</a:t>
+                      </a:r>
+                    </a:p>
+                  </a:txBody>
+                  <a:tcPr/>
+                </a:tc>
+                <a:extLst>
+                  <a:ext uri="{0D108BD9-81ED-4DB2-BD59-A6C34878D82A}">
+                    <a16:rowId xmlns:a16="http://schemas.microsoft.com/office/drawing/2014/main" val="555523895"/>
+                  </a:ext>
+                </a:extLst>
+              </a:tr>
+              <a:tr h="372627">
+                <a:tc>
+                  <a:txBody>
+                    <a:bodyPr/>
+                    <a:lstStyle/>
+                    <a:p>
+                      <a:r>
+                        <a:rPr lang="en-US" dirty="0"/>
+                        <a:t>Shift + Space</a:t>
+                      </a:r>
+                    </a:p>
+                  </a:txBody>
+                  <a:tcPr/>
+                </a:tc>
+                <a:tc>
+                  <a:txBody>
+                    <a:bodyPr/>
+                    <a:lstStyle/>
+                    <a:p>
+                      <a:r>
+                        <a:rPr lang="en-US" dirty="0"/>
+                        <a:t>To Open Select Tool</a:t>
+                      </a:r>
+                    </a:p>
+                  </a:txBody>
+                  <a:tcPr/>
+                </a:tc>
+                <a:extLst>
+                  <a:ext uri="{0D108BD9-81ED-4DB2-BD59-A6C34878D82A}">
+                    <a16:rowId xmlns:a16="http://schemas.microsoft.com/office/drawing/2014/main" val="891148819"/>
+                  </a:ext>
+                </a:extLst>
+              </a:tr>
+              <a:tr h="372627">
+                <a:tc>
+                  <a:txBody>
+                    <a:bodyPr/>
+                    <a:lstStyle/>
+                    <a:p>
+                      <a:r>
+                        <a:rPr lang="en-US" dirty="0"/>
+                        <a:t>Rename Nodes</a:t>
+                      </a:r>
+                    </a:p>
+                  </a:txBody>
+                  <a:tcPr/>
+                </a:tc>
+                <a:tc>
+                  <a:txBody>
+                    <a:bodyPr/>
+                    <a:lstStyle/>
+                    <a:p>
+                      <a:r>
+                        <a:rPr lang="en-US" dirty="0"/>
+                        <a:t>F2</a:t>
+                      </a:r>
+                    </a:p>
+                  </a:txBody>
+                  <a:tcPr/>
+                </a:tc>
+                <a:extLst>
+                  <a:ext uri="{0D108BD9-81ED-4DB2-BD59-A6C34878D82A}">
+                    <a16:rowId xmlns:a16="http://schemas.microsoft.com/office/drawing/2014/main" val="804226767"/>
+                  </a:ext>
+                </a:extLst>
+              </a:tr>
+              <a:tr h="372627">
+                <a:tc>
+                  <a:txBody>
+                    <a:bodyPr/>
+                    <a:lstStyle/>
+                    <a:p>
+                      <a:r>
+                        <a:rPr lang="en-US" dirty="0"/>
+                        <a:t>Ctrl + T</a:t>
+                      </a:r>
+                    </a:p>
+                  </a:txBody>
+                  <a:tcPr/>
+                </a:tc>
+                <a:tc>
+                  <a:txBody>
+                    <a:bodyPr/>
+                    <a:lstStyle/>
+                    <a:p>
+                      <a:r>
+                        <a:rPr lang="en-US" dirty="0"/>
+                        <a:t>Swap Nodes Input (Ex. BG to FG)</a:t>
+                      </a:r>
+                    </a:p>
+                  </a:txBody>
+                  <a:tcPr/>
+                </a:tc>
+                <a:extLst>
+                  <a:ext uri="{0D108BD9-81ED-4DB2-BD59-A6C34878D82A}">
+                    <a16:rowId xmlns:a16="http://schemas.microsoft.com/office/drawing/2014/main" val="1604607525"/>
+                  </a:ext>
+                </a:extLst>
+              </a:tr>
+            </a:tbl>
+          </a:graphicData>
+        </a:graphic>
+      </p:graphicFrame>
     </p:spTree>
     <p:extLst>
       <p:ext uri="{BB962C8B-B14F-4D97-AF65-F5344CB8AC3E}">
-        <p14:creationId xmlns:p14="http://schemas.microsoft.com/office/powerpoint/2010/main" val="2427883118"/>
+        <p14:creationId xmlns:p14="http://schemas.microsoft.com/office/powerpoint/2010/main" val="2835851494"/>
       </p:ext>
     </p:extLst>
   </p:cSld>
@@ -3735,7 +6183,7 @@
         <p:cNvPr id="1" name="">
           <a:extLst>
             <a:ext uri="{FF2B5EF4-FFF2-40B4-BE49-F238E27FC236}">
-              <a16:creationId xmlns:a16="http://schemas.microsoft.com/office/drawing/2014/main" id="{9F26225E-1BFF-CEF3-C104-22462D7CEE08}"/>
+              <a16:creationId xmlns:a16="http://schemas.microsoft.com/office/drawing/2014/main" id="{56B0AE30-6344-2A58-798E-400AA34999EB}"/>
             </a:ext>
           </a:extLst>
         </p:cNvPr>
@@ -3755,7 +6203,7 @@
           <p:cNvPr id="21" name="Rectangle 20">
             <a:extLst>
               <a:ext uri="{FF2B5EF4-FFF2-40B4-BE49-F238E27FC236}">
-                <a16:creationId xmlns:a16="http://schemas.microsoft.com/office/drawing/2014/main" id="{A3407102-AFBC-A374-4A12-DDD7FB69C4E7}"/>
+                <a16:creationId xmlns:a16="http://schemas.microsoft.com/office/drawing/2014/main" id="{17C983B2-0233-8300-7DC4-C7B69DC3BA93}"/>
               </a:ext>
               <a:ext uri="{C183D7F6-B498-43B3-948B-1728B52AA6E4}">
                 <adec:decorative xmlns:adec="http://schemas.microsoft.com/office/drawing/2017/decorative" val="1"/>
@@ -3822,10 +6270,396 @@
           </a:p>
         </p:txBody>
       </p:sp>
+      <p:sp>
+        <p:nvSpPr>
+          <p:cNvPr id="3" name="TextBox 2">
+            <a:extLst>
+              <a:ext uri="{FF2B5EF4-FFF2-40B4-BE49-F238E27FC236}">
+                <a16:creationId xmlns:a16="http://schemas.microsoft.com/office/drawing/2014/main" id="{0B8B68E4-9BE0-9A05-E720-7AA33CC15CCA}"/>
+              </a:ext>
+            </a:extLst>
+          </p:cNvPr>
+          <p:cNvSpPr txBox="1"/>
+          <p:nvPr/>
+        </p:nvSpPr>
+        <p:spPr>
+          <a:xfrm>
+            <a:off x="3141908" y="294055"/>
+            <a:ext cx="6463646" cy="646331"/>
+          </a:xfrm>
+          <a:prstGeom prst="rect">
+            <a:avLst/>
+          </a:prstGeom>
+          <a:noFill/>
+        </p:spPr>
+        <p:txBody>
+          <a:bodyPr wrap="square" rtlCol="0">
+            <a:spAutoFit/>
+          </a:bodyPr>
+          <a:lstStyle/>
+          <a:p>
+            <a:pPr algn="ctr"/>
+            <a:r>
+              <a:rPr lang="en-US" sz="3600" b="1" dirty="0"/>
+              <a:t>Edit Shortcuts (Transition)</a:t>
+            </a:r>
+          </a:p>
+        </p:txBody>
+      </p:sp>
+      <p:graphicFrame>
+        <p:nvGraphicFramePr>
+          <p:cNvPr id="4" name="Table 3">
+            <a:extLst>
+              <a:ext uri="{FF2B5EF4-FFF2-40B4-BE49-F238E27FC236}">
+                <a16:creationId xmlns:a16="http://schemas.microsoft.com/office/drawing/2014/main" id="{7D5B2A01-F3B4-9727-9E2E-8D3141073DA1}"/>
+              </a:ext>
+            </a:extLst>
+          </p:cNvPr>
+          <p:cNvGraphicFramePr>
+            <a:graphicFrameLocks noGrp="1"/>
+          </p:cNvGraphicFramePr>
+          <p:nvPr>
+            <p:extLst>
+              <p:ext uri="{D42A27DB-BD31-4B8C-83A1-F6EECF244321}">
+                <p14:modId xmlns:p14="http://schemas.microsoft.com/office/powerpoint/2010/main" val="2369231396"/>
+              </p:ext>
+            </p:extLst>
+          </p:nvPr>
+        </p:nvGraphicFramePr>
+        <p:xfrm>
+          <a:off x="861204" y="1234441"/>
+          <a:ext cx="11025054" cy="2468880"/>
+        </p:xfrm>
+        <a:graphic>
+          <a:graphicData uri="http://schemas.openxmlformats.org/drawingml/2006/table">
+            <a:tbl>
+              <a:tblPr firstRow="1" bandRow="1">
+                <a:tableStyleId>{5C22544A-7EE6-4342-B048-85BDC9FD1C3A}</a:tableStyleId>
+              </a:tblPr>
+              <a:tblGrid>
+                <a:gridCol w="5512527">
+                  <a:extLst>
+                    <a:ext uri="{9D8B030D-6E8A-4147-A177-3AD203B41FA5}">
+                      <a16:colId xmlns:a16="http://schemas.microsoft.com/office/drawing/2014/main" val="1154084783"/>
+                    </a:ext>
+                  </a:extLst>
+                </a:gridCol>
+                <a:gridCol w="5512527">
+                  <a:extLst>
+                    <a:ext uri="{9D8B030D-6E8A-4147-A177-3AD203B41FA5}">
+                      <a16:colId xmlns:a16="http://schemas.microsoft.com/office/drawing/2014/main" val="1334558778"/>
+                    </a:ext>
+                  </a:extLst>
+                </a:gridCol>
+              </a:tblGrid>
+              <a:tr h="254063">
+                <a:tc>
+                  <a:txBody>
+                    <a:bodyPr/>
+                    <a:lstStyle/>
+                    <a:p>
+                      <a:r>
+                        <a:rPr lang="en-US" dirty="0"/>
+                        <a:t>Shortcuts</a:t>
+                      </a:r>
+                    </a:p>
+                  </a:txBody>
+                  <a:tcPr/>
+                </a:tc>
+                <a:tc>
+                  <a:txBody>
+                    <a:bodyPr/>
+                    <a:lstStyle/>
+                    <a:p>
+                      <a:r>
+                        <a:rPr lang="en-US" dirty="0"/>
+                        <a:t>Action</a:t>
+                      </a:r>
+                    </a:p>
+                  </a:txBody>
+                  <a:tcPr/>
+                </a:tc>
+                <a:extLst>
+                  <a:ext uri="{0D108BD9-81ED-4DB2-BD59-A6C34878D82A}">
+                    <a16:rowId xmlns:a16="http://schemas.microsoft.com/office/drawing/2014/main" val="1839680496"/>
+                  </a:ext>
+                </a:extLst>
+              </a:tr>
+              <a:tr h="254063">
+                <a:tc>
+                  <a:txBody>
+                    <a:bodyPr/>
+                    <a:lstStyle/>
+                    <a:p>
+                      <a:r>
+                        <a:rPr lang="en-US" dirty="0"/>
+                        <a:t>Shift + [</a:t>
+                      </a:r>
+                    </a:p>
+                  </a:txBody>
+                  <a:tcPr/>
+                </a:tc>
+                <a:tc>
+                  <a:txBody>
+                    <a:bodyPr/>
+                    <a:lstStyle/>
+                    <a:p>
+                      <a:r>
+                        <a:rPr lang="en-US" dirty="0"/>
+                        <a:t>After Entering Manual Time +03:00 Will Trim 3 Seconds</a:t>
+                      </a:r>
+                    </a:p>
+                  </a:txBody>
+                  <a:tcPr/>
+                </a:tc>
+                <a:extLst>
+                  <a:ext uri="{0D108BD9-81ED-4DB2-BD59-A6C34878D82A}">
+                    <a16:rowId xmlns:a16="http://schemas.microsoft.com/office/drawing/2014/main" val="2615268130"/>
+                  </a:ext>
+                </a:extLst>
+              </a:tr>
+              <a:tr h="145153">
+                <a:tc>
+                  <a:txBody>
+                    <a:bodyPr/>
+                    <a:lstStyle/>
+                    <a:p>
+                      <a:pPr marL="0" marR="0" lvl="0" indent="0" algn="l" defTabSz="914400" rtl="0" eaLnBrk="1" fontAlgn="auto" latinLnBrk="0" hangingPunct="1">
+                        <a:lnSpc>
+                          <a:spcPct val="100000"/>
+                        </a:lnSpc>
+                        <a:spcBef>
+                          <a:spcPts val="0"/>
+                        </a:spcBef>
+                        <a:spcAft>
+                          <a:spcPts val="0"/>
+                        </a:spcAft>
+                        <a:buClrTx/>
+                        <a:buSzTx/>
+                        <a:buFontTx/>
+                        <a:buNone/>
+                        <a:tabLst/>
+                        <a:defRPr/>
+                      </a:pPr>
+                      <a:r>
+                        <a:rPr lang="en-US" dirty="0"/>
+                        <a:t>Shift + ]</a:t>
+                      </a:r>
+                    </a:p>
+                  </a:txBody>
+                  <a:tcPr/>
+                </a:tc>
+                <a:tc>
+                  <a:txBody>
+                    <a:bodyPr/>
+                    <a:lstStyle/>
+                    <a:p>
+                      <a:pPr marL="0" marR="0" lvl="0" indent="0" algn="l" defTabSz="914400" rtl="0" eaLnBrk="1" fontAlgn="auto" latinLnBrk="0" hangingPunct="1">
+                        <a:lnSpc>
+                          <a:spcPct val="100000"/>
+                        </a:lnSpc>
+                        <a:spcBef>
+                          <a:spcPts val="0"/>
+                        </a:spcBef>
+                        <a:spcAft>
+                          <a:spcPts val="0"/>
+                        </a:spcAft>
+                        <a:buClrTx/>
+                        <a:buSzTx/>
+                        <a:buFontTx/>
+                        <a:buNone/>
+                        <a:tabLst/>
+                        <a:defRPr/>
+                      </a:pPr>
+                      <a:r>
+                        <a:rPr lang="en-US" dirty="0"/>
+                        <a:t>After Entering Manual Time -03:00 Will Trim 3 Seconds</a:t>
+                      </a:r>
+                    </a:p>
+                  </a:txBody>
+                  <a:tcPr/>
+                </a:tc>
+                <a:extLst>
+                  <a:ext uri="{0D108BD9-81ED-4DB2-BD59-A6C34878D82A}">
+                    <a16:rowId xmlns:a16="http://schemas.microsoft.com/office/drawing/2014/main" val="1867109100"/>
+                  </a:ext>
+                </a:extLst>
+              </a:tr>
+              <a:tr h="254063">
+                <a:tc>
+                  <a:txBody>
+                    <a:bodyPr/>
+                    <a:lstStyle/>
+                    <a:p>
+                      <a:r>
+                        <a:rPr lang="en-US" dirty="0"/>
+                        <a:t>Opt + T</a:t>
+                      </a:r>
+                    </a:p>
+                  </a:txBody>
+                  <a:tcPr/>
+                </a:tc>
+                <a:tc>
+                  <a:txBody>
+                    <a:bodyPr/>
+                    <a:lstStyle/>
+                    <a:p>
+                      <a:r>
+                        <a:rPr lang="en-US" dirty="0"/>
+                        <a:t>To Apply Video Default Transition </a:t>
+                      </a:r>
+                    </a:p>
+                  </a:txBody>
+                  <a:tcPr/>
+                </a:tc>
+                <a:extLst>
+                  <a:ext uri="{0D108BD9-81ED-4DB2-BD59-A6C34878D82A}">
+                    <a16:rowId xmlns:a16="http://schemas.microsoft.com/office/drawing/2014/main" val="2318777967"/>
+                  </a:ext>
+                </a:extLst>
+              </a:tr>
+              <a:tr h="254063">
+                <a:tc>
+                  <a:txBody>
+                    <a:bodyPr/>
+                    <a:lstStyle/>
+                    <a:p>
+                      <a:pPr marL="0" marR="0" lvl="0" indent="0" algn="l" defTabSz="914400" rtl="0" eaLnBrk="1" fontAlgn="auto" latinLnBrk="0" hangingPunct="1">
+                        <a:lnSpc>
+                          <a:spcPct val="100000"/>
+                        </a:lnSpc>
+                        <a:spcBef>
+                          <a:spcPts val="0"/>
+                        </a:spcBef>
+                        <a:spcAft>
+                          <a:spcPts val="0"/>
+                        </a:spcAft>
+                        <a:buClrTx/>
+                        <a:buSzTx/>
+                        <a:buFontTx/>
+                        <a:buNone/>
+                        <a:tabLst/>
+                        <a:defRPr/>
+                      </a:pPr>
+                      <a:r>
+                        <a:rPr lang="en-US" dirty="0"/>
+                        <a:t>Shift + T</a:t>
+                      </a:r>
+                    </a:p>
+                  </a:txBody>
+                  <a:tcPr/>
+                </a:tc>
+                <a:tc>
+                  <a:txBody>
+                    <a:bodyPr/>
+                    <a:lstStyle/>
+                    <a:p>
+                      <a:pPr marL="0" marR="0" lvl="0" indent="0" algn="l" defTabSz="914400" rtl="0" eaLnBrk="1" fontAlgn="auto" latinLnBrk="0" hangingPunct="1">
+                        <a:lnSpc>
+                          <a:spcPct val="100000"/>
+                        </a:lnSpc>
+                        <a:spcBef>
+                          <a:spcPts val="0"/>
+                        </a:spcBef>
+                        <a:spcAft>
+                          <a:spcPts val="0"/>
+                        </a:spcAft>
+                        <a:buClrTx/>
+                        <a:buSzTx/>
+                        <a:buFontTx/>
+                        <a:buNone/>
+                        <a:tabLst/>
+                        <a:defRPr/>
+                      </a:pPr>
+                      <a:r>
+                        <a:rPr lang="en-US" dirty="0"/>
+                        <a:t>To Apply Audio Default Transition </a:t>
+                      </a:r>
+                    </a:p>
+                  </a:txBody>
+                  <a:tcPr/>
+                </a:tc>
+                <a:extLst>
+                  <a:ext uri="{0D108BD9-81ED-4DB2-BD59-A6C34878D82A}">
+                    <a16:rowId xmlns:a16="http://schemas.microsoft.com/office/drawing/2014/main" val="1102483375"/>
+                  </a:ext>
+                </a:extLst>
+              </a:tr>
+              <a:tr h="254063">
+                <a:tc>
+                  <a:txBody>
+                    <a:bodyPr/>
+                    <a:lstStyle/>
+                    <a:p>
+                      <a:pPr marL="0" marR="0" lvl="0" indent="0" algn="l" defTabSz="914400" rtl="0" eaLnBrk="1" fontAlgn="auto" latinLnBrk="0" hangingPunct="1">
+                        <a:lnSpc>
+                          <a:spcPct val="100000"/>
+                        </a:lnSpc>
+                        <a:spcBef>
+                          <a:spcPts val="0"/>
+                        </a:spcBef>
+                        <a:spcAft>
+                          <a:spcPts val="0"/>
+                        </a:spcAft>
+                        <a:buClrTx/>
+                        <a:buSzTx/>
+                        <a:buFontTx/>
+                        <a:buNone/>
+                        <a:tabLst/>
+                        <a:defRPr/>
+                      </a:pPr>
+                      <a:r>
+                        <a:rPr lang="en-US" dirty="0"/>
+                        <a:t>Cmd + T</a:t>
+                      </a:r>
+                    </a:p>
+                  </a:txBody>
+                  <a:tcPr/>
+                </a:tc>
+                <a:tc>
+                  <a:txBody>
+                    <a:bodyPr/>
+                    <a:lstStyle/>
+                    <a:p>
+                      <a:pPr marL="0" marR="0" lvl="0" indent="0" algn="l" defTabSz="914400" rtl="0" eaLnBrk="1" fontAlgn="auto" latinLnBrk="0" hangingPunct="1">
+                        <a:lnSpc>
+                          <a:spcPct val="100000"/>
+                        </a:lnSpc>
+                        <a:spcBef>
+                          <a:spcPts val="0"/>
+                        </a:spcBef>
+                        <a:spcAft>
+                          <a:spcPts val="0"/>
+                        </a:spcAft>
+                        <a:buClrTx/>
+                        <a:buSzTx/>
+                        <a:buFontTx/>
+                        <a:buNone/>
+                        <a:tabLst/>
+                        <a:defRPr/>
+                      </a:pPr>
+                      <a:r>
+                        <a:rPr lang="en-US" dirty="0"/>
+                        <a:t>To Apply Audio &amp; Video Both Default Transition </a:t>
+                      </a:r>
+                    </a:p>
+                  </a:txBody>
+                  <a:tcPr/>
+                </a:tc>
+                <a:extLst>
+                  <a:ext uri="{0D108BD9-81ED-4DB2-BD59-A6C34878D82A}">
+                    <a16:rowId xmlns:a16="http://schemas.microsoft.com/office/drawing/2014/main" val="1406528066"/>
+                  </a:ext>
+                </a:extLst>
+              </a:tr>
+            </a:tbl>
+          </a:graphicData>
+        </a:graphic>
+      </p:graphicFrame>
     </p:spTree>
     <p:extLst>
       <p:ext uri="{BB962C8B-B14F-4D97-AF65-F5344CB8AC3E}">
-        <p14:creationId xmlns:p14="http://schemas.microsoft.com/office/powerpoint/2010/main" val="3629928019"/>
+        <p14:creationId xmlns:p14="http://schemas.microsoft.com/office/powerpoint/2010/main" val="184175803"/>
       </p:ext>
     </p:extLst>
   </p:cSld>
@@ -3835,7 +6669,7 @@
 </p:sld>
 </file>
 
-<file path=ppt/slides/slide2.xml><?xml version="1.0" encoding="utf-8"?>
+<file path=ppt/slides/slide13.xml><?xml version="1.0" encoding="utf-8"?>
 <p:sld xmlns:a="http://schemas.openxmlformats.org/drawingml/2006/main" xmlns:r="http://schemas.openxmlformats.org/officeDocument/2006/relationships" xmlns:p="http://schemas.openxmlformats.org/presentationml/2006/main">
   <p:cSld>
     <p:bg>
@@ -3851,7 +6685,7 @@
         <p:cNvPr id="1" name="">
           <a:extLst>
             <a:ext uri="{FF2B5EF4-FFF2-40B4-BE49-F238E27FC236}">
-              <a16:creationId xmlns:a16="http://schemas.microsoft.com/office/drawing/2014/main" id="{2DCACF2A-E0C8-B9EA-2B41-B333AE60B9BC}"/>
+              <a16:creationId xmlns:a16="http://schemas.microsoft.com/office/drawing/2014/main" id="{A096898B-597B-6035-8DD9-664C56BC1E93}"/>
             </a:ext>
           </a:extLst>
         </p:cNvPr>
@@ -3871,7 +6705,7 @@
           <p:cNvPr id="21" name="Rectangle 20">
             <a:extLst>
               <a:ext uri="{FF2B5EF4-FFF2-40B4-BE49-F238E27FC236}">
-                <a16:creationId xmlns:a16="http://schemas.microsoft.com/office/drawing/2014/main" id="{FAEDF8A2-4EB8-35CC-D325-F436D106491F}"/>
+                <a16:creationId xmlns:a16="http://schemas.microsoft.com/office/drawing/2014/main" id="{334D8F38-A33F-B22A-6387-15C489C7181B}"/>
               </a:ext>
               <a:ext uri="{C183D7F6-B498-43B3-948B-1728B52AA6E4}">
                 <adec:decorative xmlns:adec="http://schemas.microsoft.com/office/drawing/2017/decorative" val="1"/>
@@ -3938,39 +6772,310 @@
           </a:p>
         </p:txBody>
       </p:sp>
-      <p:pic>
-        <p:nvPicPr>
-          <p:cNvPr id="3" name="Picture 2" descr="A screenshot of a cell phone&#10;&#10;Description automatically generated">
-            <a:extLst>
-              <a:ext uri="{FF2B5EF4-FFF2-40B4-BE49-F238E27FC236}">
-                <a16:creationId xmlns:a16="http://schemas.microsoft.com/office/drawing/2014/main" id="{5DC6499C-8FB9-EFA4-F10E-CF71DF9873AA}"/>
-              </a:ext>
-            </a:extLst>
-          </p:cNvPr>
-          <p:cNvPicPr>
-            <a:picLocks noChangeAspect="1"/>
-          </p:cNvPicPr>
+      <p:sp>
+        <p:nvSpPr>
+          <p:cNvPr id="3" name="TextBox 2">
+            <a:extLst>
+              <a:ext uri="{FF2B5EF4-FFF2-40B4-BE49-F238E27FC236}">
+                <a16:creationId xmlns:a16="http://schemas.microsoft.com/office/drawing/2014/main" id="{084CE6D6-B869-50E1-0B9D-3E92BC4DFC33}"/>
+              </a:ext>
+            </a:extLst>
+          </p:cNvPr>
+          <p:cNvSpPr txBox="1"/>
           <p:nvPr/>
-        </p:nvPicPr>
-        <p:blipFill>
-          <a:blip r:embed="rId2"/>
-          <a:srcRect r="4064" b="-1"/>
-          <a:stretch/>
-        </p:blipFill>
+        </p:nvSpPr>
         <p:spPr>
           <a:xfrm>
-            <a:off x="307775" y="261437"/>
-            <a:ext cx="11576450" cy="6335126"/>
+            <a:off x="1053737" y="299552"/>
+            <a:ext cx="9727474" cy="646331"/>
           </a:xfrm>
           <a:prstGeom prst="rect">
             <a:avLst/>
           </a:prstGeom>
+          <a:noFill/>
         </p:spPr>
-      </p:pic>
+        <p:txBody>
+          <a:bodyPr wrap="square" rtlCol="0">
+            <a:spAutoFit/>
+          </a:bodyPr>
+          <a:lstStyle/>
+          <a:p>
+            <a:pPr algn="ctr"/>
+            <a:r>
+              <a:rPr lang="en-US" sz="3600" b="1" dirty="0"/>
+              <a:t>Shortcuts Creative Videos Tips</a:t>
+            </a:r>
+          </a:p>
+        </p:txBody>
+      </p:sp>
+      <p:graphicFrame>
+        <p:nvGraphicFramePr>
+          <p:cNvPr id="4" name="Table 3">
+            <a:extLst>
+              <a:ext uri="{FF2B5EF4-FFF2-40B4-BE49-F238E27FC236}">
+                <a16:creationId xmlns:a16="http://schemas.microsoft.com/office/drawing/2014/main" id="{400719C4-1452-5B54-FE19-7AE52A7DBE83}"/>
+              </a:ext>
+            </a:extLst>
+          </p:cNvPr>
+          <p:cNvGraphicFramePr>
+            <a:graphicFrameLocks noGrp="1"/>
+          </p:cNvGraphicFramePr>
+          <p:nvPr>
+            <p:extLst>
+              <p:ext uri="{D42A27DB-BD31-4B8C-83A1-F6EECF244321}">
+                <p14:modId xmlns:p14="http://schemas.microsoft.com/office/powerpoint/2010/main" val="3300028763"/>
+              </p:ext>
+            </p:extLst>
+          </p:nvPr>
+        </p:nvGraphicFramePr>
+        <p:xfrm>
+          <a:off x="661851" y="1071153"/>
+          <a:ext cx="10607040" cy="3288940"/>
+        </p:xfrm>
+        <a:graphic>
+          <a:graphicData uri="http://schemas.openxmlformats.org/drawingml/2006/table">
+            <a:tbl>
+              <a:tblPr firstRow="1" bandRow="1">
+                <a:tableStyleId>{5C22544A-7EE6-4342-B048-85BDC9FD1C3A}</a:tableStyleId>
+              </a:tblPr>
+              <a:tblGrid>
+                <a:gridCol w="5303520">
+                  <a:extLst>
+                    <a:ext uri="{9D8B030D-6E8A-4147-A177-3AD203B41FA5}">
+                      <a16:colId xmlns:a16="http://schemas.microsoft.com/office/drawing/2014/main" val="1154084783"/>
+                    </a:ext>
+                  </a:extLst>
+                </a:gridCol>
+                <a:gridCol w="5303520">
+                  <a:extLst>
+                    <a:ext uri="{9D8B030D-6E8A-4147-A177-3AD203B41FA5}">
+                      <a16:colId xmlns:a16="http://schemas.microsoft.com/office/drawing/2014/main" val="1334558778"/>
+                    </a:ext>
+                  </a:extLst>
+                </a:gridCol>
+              </a:tblGrid>
+              <a:tr h="529772">
+                <a:tc>
+                  <a:txBody>
+                    <a:bodyPr/>
+                    <a:lstStyle/>
+                    <a:p>
+                      <a:r>
+                        <a:rPr lang="en-US" dirty="0"/>
+                        <a:t>Shortcuts</a:t>
+                      </a:r>
+                    </a:p>
+                  </a:txBody>
+                  <a:tcPr/>
+                </a:tc>
+                <a:tc>
+                  <a:txBody>
+                    <a:bodyPr/>
+                    <a:lstStyle/>
+                    <a:p>
+                      <a:r>
+                        <a:rPr lang="en-US" dirty="0"/>
+                        <a:t>Action</a:t>
+                      </a:r>
+                    </a:p>
+                  </a:txBody>
+                  <a:tcPr/>
+                </a:tc>
+                <a:extLst>
+                  <a:ext uri="{0D108BD9-81ED-4DB2-BD59-A6C34878D82A}">
+                    <a16:rowId xmlns:a16="http://schemas.microsoft.com/office/drawing/2014/main" val="1839680496"/>
+                  </a:ext>
+                </a:extLst>
+              </a:tr>
+              <a:tr h="529772">
+                <a:tc>
+                  <a:txBody>
+                    <a:bodyPr/>
+                    <a:lstStyle/>
+                    <a:p>
+                      <a:r>
+                        <a:rPr lang="en-US" dirty="0"/>
+                        <a:t>V</a:t>
+                      </a:r>
+                    </a:p>
+                  </a:txBody>
+                  <a:tcPr/>
+                </a:tc>
+                <a:tc>
+                  <a:txBody>
+                    <a:bodyPr/>
+                    <a:lstStyle/>
+                    <a:p>
+                      <a:r>
+                        <a:rPr lang="en-US" dirty="0"/>
+                        <a:t>To Select Clip From Beginning</a:t>
+                      </a:r>
+                    </a:p>
+                  </a:txBody>
+                  <a:tcPr/>
+                </a:tc>
+                <a:extLst>
+                  <a:ext uri="{0D108BD9-81ED-4DB2-BD59-A6C34878D82A}">
+                    <a16:rowId xmlns:a16="http://schemas.microsoft.com/office/drawing/2014/main" val="555523895"/>
+                  </a:ext>
+                </a:extLst>
+              </a:tr>
+              <a:tr h="529772">
+                <a:tc>
+                  <a:txBody>
+                    <a:bodyPr/>
+                    <a:lstStyle/>
+                    <a:p>
+                      <a:r>
+                        <a:rPr lang="en-US" dirty="0"/>
+                        <a:t>Cmd + L</a:t>
+                      </a:r>
+                    </a:p>
+                  </a:txBody>
+                  <a:tcPr/>
+                </a:tc>
+                <a:tc>
+                  <a:txBody>
+                    <a:bodyPr/>
+                    <a:lstStyle/>
+                    <a:p>
+                      <a:r>
+                        <a:rPr lang="en-US" dirty="0"/>
+                        <a:t>Roll Edit (Dual rolling Trim)</a:t>
+                      </a:r>
+                    </a:p>
+                  </a:txBody>
+                  <a:tcPr/>
+                </a:tc>
+                <a:extLst>
+                  <a:ext uri="{0D108BD9-81ED-4DB2-BD59-A6C34878D82A}">
+                    <a16:rowId xmlns:a16="http://schemas.microsoft.com/office/drawing/2014/main" val="891148819"/>
+                  </a:ext>
+                </a:extLst>
+              </a:tr>
+              <a:tr h="529772">
+                <a:tc>
+                  <a:txBody>
+                    <a:bodyPr/>
+                    <a:lstStyle/>
+                    <a:p>
+                      <a:pPr marL="0" marR="0" lvl="0" indent="0" algn="l" defTabSz="914400" rtl="0" eaLnBrk="1" fontAlgn="auto" latinLnBrk="0" hangingPunct="1">
+                        <a:lnSpc>
+                          <a:spcPct val="100000"/>
+                        </a:lnSpc>
+                        <a:spcBef>
+                          <a:spcPts val="0"/>
+                        </a:spcBef>
+                        <a:spcAft>
+                          <a:spcPts val="0"/>
+                        </a:spcAft>
+                        <a:buClrTx/>
+                        <a:buSzTx/>
+                        <a:buFontTx/>
+                        <a:buNone/>
+                        <a:tabLst/>
+                        <a:defRPr/>
+                      </a:pPr>
+                      <a:r>
+                        <a:rPr lang="en-US" dirty="0"/>
+                        <a:t>Cmd + J</a:t>
+                      </a:r>
+                    </a:p>
+                    <a:p>
+                      <a:endParaRPr lang="en-US" dirty="0"/>
+                    </a:p>
+                  </a:txBody>
+                  <a:tcPr/>
+                </a:tc>
+                <a:tc>
+                  <a:txBody>
+                    <a:bodyPr/>
+                    <a:lstStyle/>
+                    <a:p>
+                      <a:endParaRPr lang="en-US" dirty="0"/>
+                    </a:p>
+                  </a:txBody>
+                  <a:tcPr/>
+                </a:tc>
+                <a:extLst>
+                  <a:ext uri="{0D108BD9-81ED-4DB2-BD59-A6C34878D82A}">
+                    <a16:rowId xmlns:a16="http://schemas.microsoft.com/office/drawing/2014/main" val="804226767"/>
+                  </a:ext>
+                </a:extLst>
+              </a:tr>
+              <a:tr h="529772">
+                <a:tc>
+                  <a:txBody>
+                    <a:bodyPr/>
+                    <a:lstStyle/>
+                    <a:p>
+                      <a:r>
+                        <a:rPr lang="en-US" dirty="0"/>
+                        <a:t>K</a:t>
+                      </a:r>
+                    </a:p>
+                  </a:txBody>
+                  <a:tcPr/>
+                </a:tc>
+                <a:tc>
+                  <a:txBody>
+                    <a:bodyPr/>
+                    <a:lstStyle/>
+                    <a:p>
+                      <a:r>
+                        <a:rPr lang="en-US" dirty="0"/>
+                        <a:t>To Stop </a:t>
+                      </a:r>
+                      <a:r>
+                        <a:rPr lang="en-US" dirty="0" err="1"/>
+                        <a:t>Triming</a:t>
+                      </a:r>
+                      <a:endParaRPr lang="en-US" dirty="0"/>
+                    </a:p>
+                  </a:txBody>
+                  <a:tcPr/>
+                </a:tc>
+                <a:extLst>
+                  <a:ext uri="{0D108BD9-81ED-4DB2-BD59-A6C34878D82A}">
+                    <a16:rowId xmlns:a16="http://schemas.microsoft.com/office/drawing/2014/main" val="1604607525"/>
+                  </a:ext>
+                </a:extLst>
+              </a:tr>
+              <a:tr h="529772">
+                <a:tc>
+                  <a:txBody>
+                    <a:bodyPr/>
+                    <a:lstStyle/>
+                    <a:p>
+                      <a:endParaRPr lang="en-US" dirty="0"/>
+                    </a:p>
+                  </a:txBody>
+                  <a:tcPr/>
+                </a:tc>
+                <a:tc>
+                  <a:txBody>
+                    <a:bodyPr/>
+                    <a:lstStyle/>
+                    <a:p>
+                      <a:endParaRPr lang="en-US" dirty="0"/>
+                    </a:p>
+                  </a:txBody>
+                  <a:tcPr/>
+                </a:tc>
+                <a:extLst>
+                  <a:ext uri="{0D108BD9-81ED-4DB2-BD59-A6C34878D82A}">
+                    <a16:rowId xmlns:a16="http://schemas.microsoft.com/office/drawing/2014/main" val="2615268130"/>
+                  </a:ext>
+                </a:extLst>
+              </a:tr>
+            </a:tbl>
+          </a:graphicData>
+        </a:graphic>
+      </p:graphicFrame>
     </p:spTree>
     <p:extLst>
       <p:ext uri="{BB962C8B-B14F-4D97-AF65-F5344CB8AC3E}">
-        <p14:creationId xmlns:p14="http://schemas.microsoft.com/office/powerpoint/2010/main" val="2521600531"/>
+        <p14:creationId xmlns:p14="http://schemas.microsoft.com/office/powerpoint/2010/main" val="3986882320"/>
       </p:ext>
     </p:extLst>
   </p:cSld>
@@ -3980,7 +7085,7 @@
 </p:sld>
 </file>
 
-<file path=ppt/slides/slide3.xml><?xml version="1.0" encoding="utf-8"?>
+<file path=ppt/slides/slide14.xml><?xml version="1.0" encoding="utf-8"?>
 <p:sld xmlns:a="http://schemas.openxmlformats.org/drawingml/2006/main" xmlns:r="http://schemas.openxmlformats.org/officeDocument/2006/relationships" xmlns:p="http://schemas.openxmlformats.org/presentationml/2006/main">
   <p:cSld>
     <p:bg>
@@ -3996,7 +7101,7 @@
         <p:cNvPr id="1" name="">
           <a:extLst>
             <a:ext uri="{FF2B5EF4-FFF2-40B4-BE49-F238E27FC236}">
-              <a16:creationId xmlns:a16="http://schemas.microsoft.com/office/drawing/2014/main" id="{97347EA0-555C-C0F5-6F51-4608CAE561EE}"/>
+              <a16:creationId xmlns:a16="http://schemas.microsoft.com/office/drawing/2014/main" id="{438B413C-1C59-40CC-D486-75C3E8FC9622}"/>
             </a:ext>
           </a:extLst>
         </p:cNvPr>
@@ -4016,7 +7121,7 @@
           <p:cNvPr id="21" name="Rectangle 20">
             <a:extLst>
               <a:ext uri="{FF2B5EF4-FFF2-40B4-BE49-F238E27FC236}">
-                <a16:creationId xmlns:a16="http://schemas.microsoft.com/office/drawing/2014/main" id="{1A8CD17B-46DD-E362-C6B5-5237C04DEFCF}"/>
+                <a16:creationId xmlns:a16="http://schemas.microsoft.com/office/drawing/2014/main" id="{D558573D-4122-BC38-85E6-BF90579C4EE6}"/>
               </a:ext>
               <a:ext uri="{C183D7F6-B498-43B3-948B-1728B52AA6E4}">
                 <adec:decorative xmlns:adec="http://schemas.microsoft.com/office/drawing/2017/decorative" val="1"/>
@@ -4083,12 +7188,632 @@
           </a:p>
         </p:txBody>
       </p:sp>
+      <p:sp>
+        <p:nvSpPr>
+          <p:cNvPr id="2" name="TextBox 1">
+            <a:extLst>
+              <a:ext uri="{FF2B5EF4-FFF2-40B4-BE49-F238E27FC236}">
+                <a16:creationId xmlns:a16="http://schemas.microsoft.com/office/drawing/2014/main" id="{D605B805-7C32-C71C-DE4C-40B6D4605CD9}"/>
+              </a:ext>
+            </a:extLst>
+          </p:cNvPr>
+          <p:cNvSpPr txBox="1"/>
+          <p:nvPr/>
+        </p:nvSpPr>
+        <p:spPr>
+          <a:xfrm>
+            <a:off x="1036320" y="0"/>
+            <a:ext cx="9727474" cy="646331"/>
+          </a:xfrm>
+          <a:prstGeom prst="rect">
+            <a:avLst/>
+          </a:prstGeom>
+          <a:noFill/>
+        </p:spPr>
+        <p:txBody>
+          <a:bodyPr wrap="square" rtlCol="0">
+            <a:spAutoFit/>
+          </a:bodyPr>
+          <a:lstStyle/>
+          <a:p>
+            <a:pPr algn="ctr"/>
+            <a:r>
+              <a:rPr lang="en-US" sz="3600" b="1" dirty="0"/>
+              <a:t>Add &amp; Animate Text</a:t>
+            </a:r>
+          </a:p>
+        </p:txBody>
+      </p:sp>
+      <p:graphicFrame>
+        <p:nvGraphicFramePr>
+          <p:cNvPr id="3" name="Table 2">
+            <a:extLst>
+              <a:ext uri="{FF2B5EF4-FFF2-40B4-BE49-F238E27FC236}">
+                <a16:creationId xmlns:a16="http://schemas.microsoft.com/office/drawing/2014/main" id="{2E522E78-9008-3706-97BE-E3E422FB83A3}"/>
+              </a:ext>
+            </a:extLst>
+          </p:cNvPr>
+          <p:cNvGraphicFramePr>
+            <a:graphicFrameLocks noGrp="1"/>
+          </p:cNvGraphicFramePr>
+          <p:nvPr>
+            <p:extLst>
+              <p:ext uri="{D42A27DB-BD31-4B8C-83A1-F6EECF244321}">
+                <p14:modId xmlns:p14="http://schemas.microsoft.com/office/powerpoint/2010/main" val="1567110678"/>
+              </p:ext>
+            </p:extLst>
+          </p:nvPr>
+        </p:nvGraphicFramePr>
+        <p:xfrm>
+          <a:off x="583473" y="646331"/>
+          <a:ext cx="11025054" cy="2194560"/>
+        </p:xfrm>
+        <a:graphic>
+          <a:graphicData uri="http://schemas.openxmlformats.org/drawingml/2006/table">
+            <a:tbl>
+              <a:tblPr firstRow="1" bandRow="1">
+                <a:tableStyleId>{5C22544A-7EE6-4342-B048-85BDC9FD1C3A}</a:tableStyleId>
+              </a:tblPr>
+              <a:tblGrid>
+                <a:gridCol w="5512527">
+                  <a:extLst>
+                    <a:ext uri="{9D8B030D-6E8A-4147-A177-3AD203B41FA5}">
+                      <a16:colId xmlns:a16="http://schemas.microsoft.com/office/drawing/2014/main" val="1154084783"/>
+                    </a:ext>
+                  </a:extLst>
+                </a:gridCol>
+                <a:gridCol w="5512527">
+                  <a:extLst>
+                    <a:ext uri="{9D8B030D-6E8A-4147-A177-3AD203B41FA5}">
+                      <a16:colId xmlns:a16="http://schemas.microsoft.com/office/drawing/2014/main" val="1334558778"/>
+                    </a:ext>
+                  </a:extLst>
+                </a:gridCol>
+              </a:tblGrid>
+              <a:tr h="254063">
+                <a:tc>
+                  <a:txBody>
+                    <a:bodyPr/>
+                    <a:lstStyle/>
+                    <a:p>
+                      <a:r>
+                        <a:rPr lang="en-US" dirty="0"/>
+                        <a:t>Shortcuts</a:t>
+                      </a:r>
+                    </a:p>
+                  </a:txBody>
+                  <a:tcPr/>
+                </a:tc>
+                <a:tc>
+                  <a:txBody>
+                    <a:bodyPr/>
+                    <a:lstStyle/>
+                    <a:p>
+                      <a:r>
+                        <a:rPr lang="en-US" dirty="0"/>
+                        <a:t>Action</a:t>
+                      </a:r>
+                    </a:p>
+                  </a:txBody>
+                  <a:tcPr/>
+                </a:tc>
+                <a:extLst>
+                  <a:ext uri="{0D108BD9-81ED-4DB2-BD59-A6C34878D82A}">
+                    <a16:rowId xmlns:a16="http://schemas.microsoft.com/office/drawing/2014/main" val="1839680496"/>
+                  </a:ext>
+                </a:extLst>
+              </a:tr>
+              <a:tr h="254063">
+                <a:tc>
+                  <a:txBody>
+                    <a:bodyPr/>
+                    <a:lstStyle/>
+                    <a:p>
+                      <a:endParaRPr lang="en-US" dirty="0"/>
+                    </a:p>
+                  </a:txBody>
+                  <a:tcPr/>
+                </a:tc>
+                <a:tc>
+                  <a:txBody>
+                    <a:bodyPr/>
+                    <a:lstStyle/>
+                    <a:p>
+                      <a:endParaRPr lang="en-US" dirty="0"/>
+                    </a:p>
+                  </a:txBody>
+                  <a:tcPr/>
+                </a:tc>
+                <a:extLst>
+                  <a:ext uri="{0D108BD9-81ED-4DB2-BD59-A6C34878D82A}">
+                    <a16:rowId xmlns:a16="http://schemas.microsoft.com/office/drawing/2014/main" val="2615268130"/>
+                  </a:ext>
+                </a:extLst>
+              </a:tr>
+              <a:tr h="145153">
+                <a:tc>
+                  <a:txBody>
+                    <a:bodyPr/>
+                    <a:lstStyle/>
+                    <a:p>
+                      <a:pPr marL="0" marR="0" lvl="0" indent="0" algn="l" defTabSz="914400" rtl="0" eaLnBrk="1" fontAlgn="auto" latinLnBrk="0" hangingPunct="1">
+                        <a:lnSpc>
+                          <a:spcPct val="100000"/>
+                        </a:lnSpc>
+                        <a:spcBef>
+                          <a:spcPts val="0"/>
+                        </a:spcBef>
+                        <a:spcAft>
+                          <a:spcPts val="0"/>
+                        </a:spcAft>
+                        <a:buClrTx/>
+                        <a:buSzTx/>
+                        <a:buFontTx/>
+                        <a:buNone/>
+                        <a:tabLst/>
+                        <a:defRPr/>
+                      </a:pPr>
+                      <a:endParaRPr lang="en-US" dirty="0"/>
+                    </a:p>
+                  </a:txBody>
+                  <a:tcPr/>
+                </a:tc>
+                <a:tc>
+                  <a:txBody>
+                    <a:bodyPr/>
+                    <a:lstStyle/>
+                    <a:p>
+                      <a:pPr marL="0" marR="0" lvl="0" indent="0" algn="l" defTabSz="914400" rtl="0" eaLnBrk="1" fontAlgn="auto" latinLnBrk="0" hangingPunct="1">
+                        <a:lnSpc>
+                          <a:spcPct val="100000"/>
+                        </a:lnSpc>
+                        <a:spcBef>
+                          <a:spcPts val="0"/>
+                        </a:spcBef>
+                        <a:spcAft>
+                          <a:spcPts val="0"/>
+                        </a:spcAft>
+                        <a:buClrTx/>
+                        <a:buSzTx/>
+                        <a:buFontTx/>
+                        <a:buNone/>
+                        <a:tabLst/>
+                        <a:defRPr/>
+                      </a:pPr>
+                      <a:endParaRPr lang="en-US" dirty="0"/>
+                    </a:p>
+                  </a:txBody>
+                  <a:tcPr/>
+                </a:tc>
+                <a:extLst>
+                  <a:ext uri="{0D108BD9-81ED-4DB2-BD59-A6C34878D82A}">
+                    <a16:rowId xmlns:a16="http://schemas.microsoft.com/office/drawing/2014/main" val="1867109100"/>
+                  </a:ext>
+                </a:extLst>
+              </a:tr>
+              <a:tr h="254063">
+                <a:tc>
+                  <a:txBody>
+                    <a:bodyPr/>
+                    <a:lstStyle/>
+                    <a:p>
+                      <a:endParaRPr lang="en-US" dirty="0"/>
+                    </a:p>
+                  </a:txBody>
+                  <a:tcPr/>
+                </a:tc>
+                <a:tc>
+                  <a:txBody>
+                    <a:bodyPr/>
+                    <a:lstStyle/>
+                    <a:p>
+                      <a:endParaRPr lang="en-US" dirty="0"/>
+                    </a:p>
+                  </a:txBody>
+                  <a:tcPr/>
+                </a:tc>
+                <a:extLst>
+                  <a:ext uri="{0D108BD9-81ED-4DB2-BD59-A6C34878D82A}">
+                    <a16:rowId xmlns:a16="http://schemas.microsoft.com/office/drawing/2014/main" val="2318777967"/>
+                  </a:ext>
+                </a:extLst>
+              </a:tr>
+              <a:tr h="254063">
+                <a:tc>
+                  <a:txBody>
+                    <a:bodyPr/>
+                    <a:lstStyle/>
+                    <a:p>
+                      <a:pPr marL="0" marR="0" lvl="0" indent="0" algn="l" defTabSz="914400" rtl="0" eaLnBrk="1" fontAlgn="auto" latinLnBrk="0" hangingPunct="1">
+                        <a:lnSpc>
+                          <a:spcPct val="100000"/>
+                        </a:lnSpc>
+                        <a:spcBef>
+                          <a:spcPts val="0"/>
+                        </a:spcBef>
+                        <a:spcAft>
+                          <a:spcPts val="0"/>
+                        </a:spcAft>
+                        <a:buClrTx/>
+                        <a:buSzTx/>
+                        <a:buFontTx/>
+                        <a:buNone/>
+                        <a:tabLst/>
+                        <a:defRPr/>
+                      </a:pPr>
+                      <a:endParaRPr lang="en-US" dirty="0"/>
+                    </a:p>
+                  </a:txBody>
+                  <a:tcPr/>
+                </a:tc>
+                <a:tc>
+                  <a:txBody>
+                    <a:bodyPr/>
+                    <a:lstStyle/>
+                    <a:p>
+                      <a:pPr marL="0" marR="0" lvl="0" indent="0" algn="l" defTabSz="914400" rtl="0" eaLnBrk="1" fontAlgn="auto" latinLnBrk="0" hangingPunct="1">
+                        <a:lnSpc>
+                          <a:spcPct val="100000"/>
+                        </a:lnSpc>
+                        <a:spcBef>
+                          <a:spcPts val="0"/>
+                        </a:spcBef>
+                        <a:spcAft>
+                          <a:spcPts val="0"/>
+                        </a:spcAft>
+                        <a:buClrTx/>
+                        <a:buSzTx/>
+                        <a:buFontTx/>
+                        <a:buNone/>
+                        <a:tabLst/>
+                        <a:defRPr/>
+                      </a:pPr>
+                      <a:endParaRPr lang="en-US" dirty="0"/>
+                    </a:p>
+                  </a:txBody>
+                  <a:tcPr/>
+                </a:tc>
+                <a:extLst>
+                  <a:ext uri="{0D108BD9-81ED-4DB2-BD59-A6C34878D82A}">
+                    <a16:rowId xmlns:a16="http://schemas.microsoft.com/office/drawing/2014/main" val="1102483375"/>
+                  </a:ext>
+                </a:extLst>
+              </a:tr>
+              <a:tr h="254063">
+                <a:tc>
+                  <a:txBody>
+                    <a:bodyPr/>
+                    <a:lstStyle/>
+                    <a:p>
+                      <a:pPr marL="0" marR="0" lvl="0" indent="0" algn="l" defTabSz="914400" rtl="0" eaLnBrk="1" fontAlgn="auto" latinLnBrk="0" hangingPunct="1">
+                        <a:lnSpc>
+                          <a:spcPct val="100000"/>
+                        </a:lnSpc>
+                        <a:spcBef>
+                          <a:spcPts val="0"/>
+                        </a:spcBef>
+                        <a:spcAft>
+                          <a:spcPts val="0"/>
+                        </a:spcAft>
+                        <a:buClrTx/>
+                        <a:buSzTx/>
+                        <a:buFontTx/>
+                        <a:buNone/>
+                        <a:tabLst/>
+                        <a:defRPr/>
+                      </a:pPr>
+                      <a:endParaRPr lang="en-US" dirty="0"/>
+                    </a:p>
+                  </a:txBody>
+                  <a:tcPr/>
+                </a:tc>
+                <a:tc>
+                  <a:txBody>
+                    <a:bodyPr/>
+                    <a:lstStyle/>
+                    <a:p>
+                      <a:pPr marL="0" marR="0" lvl="0" indent="0" algn="l" defTabSz="914400" rtl="0" eaLnBrk="1" fontAlgn="auto" latinLnBrk="0" hangingPunct="1">
+                        <a:lnSpc>
+                          <a:spcPct val="100000"/>
+                        </a:lnSpc>
+                        <a:spcBef>
+                          <a:spcPts val="0"/>
+                        </a:spcBef>
+                        <a:spcAft>
+                          <a:spcPts val="0"/>
+                        </a:spcAft>
+                        <a:buClrTx/>
+                        <a:buSzTx/>
+                        <a:buFontTx/>
+                        <a:buNone/>
+                        <a:tabLst/>
+                        <a:defRPr/>
+                      </a:pPr>
+                      <a:endParaRPr lang="en-US" dirty="0"/>
+                    </a:p>
+                  </a:txBody>
+                  <a:tcPr/>
+                </a:tc>
+                <a:extLst>
+                  <a:ext uri="{0D108BD9-81ED-4DB2-BD59-A6C34878D82A}">
+                    <a16:rowId xmlns:a16="http://schemas.microsoft.com/office/drawing/2014/main" val="1406528066"/>
+                  </a:ext>
+                </a:extLst>
+              </a:tr>
+            </a:tbl>
+          </a:graphicData>
+        </a:graphic>
+      </p:graphicFrame>
+      <p:sp>
+        <p:nvSpPr>
+          <p:cNvPr id="4" name="TextBox 3">
+            <a:extLst>
+              <a:ext uri="{FF2B5EF4-FFF2-40B4-BE49-F238E27FC236}">
+                <a16:creationId xmlns:a16="http://schemas.microsoft.com/office/drawing/2014/main" id="{7F7D528E-EFB7-66BB-0AFF-0303D3353D75}"/>
+              </a:ext>
+            </a:extLst>
+          </p:cNvPr>
+          <p:cNvSpPr txBox="1"/>
+          <p:nvPr/>
+        </p:nvSpPr>
+        <p:spPr>
+          <a:xfrm>
+            <a:off x="11652069" y="6426926"/>
+            <a:ext cx="184731" cy="369332"/>
+          </a:xfrm>
+          <a:prstGeom prst="rect">
+            <a:avLst/>
+          </a:prstGeom>
+          <a:noFill/>
+        </p:spPr>
+        <p:txBody>
+          <a:bodyPr wrap="none" rtlCol="0">
+            <a:spAutoFit/>
+          </a:bodyPr>
+          <a:lstStyle/>
+          <a:p>
+            <a:endParaRPr lang="en-US"/>
+          </a:p>
+        </p:txBody>
+      </p:sp>
+    </p:spTree>
+    <p:extLst>
+      <p:ext uri="{BB962C8B-B14F-4D97-AF65-F5344CB8AC3E}">
+        <p14:creationId xmlns:p14="http://schemas.microsoft.com/office/powerpoint/2010/main" val="2427883118"/>
+      </p:ext>
+    </p:extLst>
+  </p:cSld>
+  <p:clrMapOvr>
+    <a:masterClrMapping/>
+  </p:clrMapOvr>
+</p:sld>
+</file>
+
+<file path=ppt/slides/slide15.xml><?xml version="1.0" encoding="utf-8"?>
+<p:sld xmlns:a="http://schemas.openxmlformats.org/drawingml/2006/main" xmlns:r="http://schemas.openxmlformats.org/officeDocument/2006/relationships" xmlns:p="http://schemas.openxmlformats.org/presentationml/2006/main">
+  <p:cSld>
+    <p:bg>
+      <p:bgPr>
+        <a:solidFill>
+          <a:schemeClr val="bg1"/>
+        </a:solidFill>
+        <a:effectLst/>
+      </p:bgPr>
+    </p:bg>
+    <p:spTree>
+      <p:nvGrpSpPr>
+        <p:cNvPr id="1" name="">
+          <a:extLst>
+            <a:ext uri="{FF2B5EF4-FFF2-40B4-BE49-F238E27FC236}">
+              <a16:creationId xmlns:a16="http://schemas.microsoft.com/office/drawing/2014/main" id="{9F26225E-1BFF-CEF3-C104-22462D7CEE08}"/>
+            </a:ext>
+          </a:extLst>
+        </p:cNvPr>
+        <p:cNvGrpSpPr/>
+        <p:nvPr/>
+      </p:nvGrpSpPr>
+      <p:grpSpPr>
+        <a:xfrm>
+          <a:off x="0" y="0"/>
+          <a:ext cx="0" cy="0"/>
+          <a:chOff x="0" y="0"/>
+          <a:chExt cx="0" cy="0"/>
+        </a:xfrm>
+      </p:grpSpPr>
+      <p:sp>
+        <p:nvSpPr>
+          <p:cNvPr id="21" name="Rectangle 20">
+            <a:extLst>
+              <a:ext uri="{FF2B5EF4-FFF2-40B4-BE49-F238E27FC236}">
+                <a16:creationId xmlns:a16="http://schemas.microsoft.com/office/drawing/2014/main" id="{A3407102-AFBC-A374-4A12-DDD7FB69C4E7}"/>
+              </a:ext>
+              <a:ext uri="{C183D7F6-B498-43B3-948B-1728B52AA6E4}">
+                <adec:decorative xmlns:adec="http://schemas.microsoft.com/office/drawing/2017/decorative" val="1"/>
+              </a:ext>
+            </a:extLst>
+          </p:cNvPr>
+          <p:cNvSpPr>
+            <a:spLocks noGrp="1" noRot="1" noChangeAspect="1" noMove="1" noResize="1" noEditPoints="1" noAdjustHandles="1" noChangeArrowheads="1" noChangeShapeType="1" noTextEdit="1"/>
+          </p:cNvSpPr>
+          <p:nvPr>
+            <p:extLst>
+              <p:ext uri="{386F3935-93C4-4BCD-93E2-E3B085C9AB24}">
+                <p16:designElem xmlns:p16="http://schemas.microsoft.com/office/powerpoint/2015/main" val="1"/>
+              </p:ext>
+            </p:extLst>
+          </p:nvPr>
+        </p:nvSpPr>
+        <p:spPr>
+          <a:xfrm>
+            <a:off x="0" y="0"/>
+            <a:ext cx="12192000" cy="6858000"/>
+          </a:xfrm>
+          <a:prstGeom prst="rect">
+            <a:avLst/>
+          </a:prstGeom>
+          <a:gradFill flip="none" rotWithShape="1">
+            <a:gsLst>
+              <a:gs pos="0">
+                <a:schemeClr val="accent1"/>
+              </a:gs>
+              <a:gs pos="100000">
+                <a:schemeClr val="accent2"/>
+              </a:gs>
+            </a:gsLst>
+            <a:lin ang="2700000" scaled="1"/>
+            <a:tileRect/>
+          </a:gradFill>
+          <a:ln>
+            <a:noFill/>
+          </a:ln>
+        </p:spPr>
+        <p:style>
+          <a:lnRef idx="2">
+            <a:schemeClr val="accent1">
+              <a:shade val="50000"/>
+            </a:schemeClr>
+          </a:lnRef>
+          <a:fillRef idx="1">
+            <a:schemeClr val="accent1"/>
+          </a:fillRef>
+          <a:effectRef idx="0">
+            <a:schemeClr val="accent1"/>
+          </a:effectRef>
+          <a:fontRef idx="minor">
+            <a:schemeClr val="lt1"/>
+          </a:fontRef>
+        </p:style>
+        <p:txBody>
+          <a:bodyPr rtlCol="0" anchor="ctr"/>
+          <a:lstStyle/>
+          <a:p>
+            <a:pPr algn="ctr"/>
+            <a:endParaRPr lang="en-US"/>
+          </a:p>
+        </p:txBody>
+      </p:sp>
+    </p:spTree>
+    <p:extLst>
+      <p:ext uri="{BB962C8B-B14F-4D97-AF65-F5344CB8AC3E}">
+        <p14:creationId xmlns:p14="http://schemas.microsoft.com/office/powerpoint/2010/main" val="3629928019"/>
+      </p:ext>
+    </p:extLst>
+  </p:cSld>
+  <p:clrMapOvr>
+    <a:masterClrMapping/>
+  </p:clrMapOvr>
+</p:sld>
+</file>
+
+<file path=ppt/slides/slide2.xml><?xml version="1.0" encoding="utf-8"?>
+<p:sld xmlns:a="http://schemas.openxmlformats.org/drawingml/2006/main" xmlns:r="http://schemas.openxmlformats.org/officeDocument/2006/relationships" xmlns:p="http://schemas.openxmlformats.org/presentationml/2006/main">
+  <p:cSld>
+    <p:bg>
+      <p:bgPr>
+        <a:solidFill>
+          <a:schemeClr val="bg1"/>
+        </a:solidFill>
+        <a:effectLst/>
+      </p:bgPr>
+    </p:bg>
+    <p:spTree>
+      <p:nvGrpSpPr>
+        <p:cNvPr id="1" name="">
+          <a:extLst>
+            <a:ext uri="{FF2B5EF4-FFF2-40B4-BE49-F238E27FC236}">
+              <a16:creationId xmlns:a16="http://schemas.microsoft.com/office/drawing/2014/main" id="{C6A90060-FD53-66B2-2827-1AE208885EDB}"/>
+            </a:ext>
+          </a:extLst>
+        </p:cNvPr>
+        <p:cNvGrpSpPr/>
+        <p:nvPr/>
+      </p:nvGrpSpPr>
+      <p:grpSpPr>
+        <a:xfrm>
+          <a:off x="0" y="0"/>
+          <a:ext cx="0" cy="0"/>
+          <a:chOff x="0" y="0"/>
+          <a:chExt cx="0" cy="0"/>
+        </a:xfrm>
+      </p:grpSpPr>
+      <p:sp>
+        <p:nvSpPr>
+          <p:cNvPr id="21" name="Rectangle 20">
+            <a:extLst>
+              <a:ext uri="{FF2B5EF4-FFF2-40B4-BE49-F238E27FC236}">
+                <a16:creationId xmlns:a16="http://schemas.microsoft.com/office/drawing/2014/main" id="{16B067B1-F4E5-4FDF-813D-C9E872E80075}"/>
+              </a:ext>
+              <a:ext uri="{C183D7F6-B498-43B3-948B-1728B52AA6E4}">
+                <adec:decorative xmlns:adec="http://schemas.microsoft.com/office/drawing/2017/decorative" val="1"/>
+              </a:ext>
+            </a:extLst>
+          </p:cNvPr>
+          <p:cNvSpPr>
+            <a:spLocks noGrp="1" noRot="1" noChangeAspect="1" noMove="1" noResize="1" noEditPoints="1" noAdjustHandles="1" noChangeArrowheads="1" noChangeShapeType="1" noTextEdit="1"/>
+          </p:cNvSpPr>
+          <p:nvPr>
+            <p:extLst>
+              <p:ext uri="{386F3935-93C4-4BCD-93E2-E3B085C9AB24}">
+                <p16:designElem xmlns:p16="http://schemas.microsoft.com/office/powerpoint/2015/main" val="1"/>
+              </p:ext>
+            </p:extLst>
+          </p:nvPr>
+        </p:nvSpPr>
+        <p:spPr>
+          <a:xfrm>
+            <a:off x="0" y="0"/>
+            <a:ext cx="12192000" cy="6858000"/>
+          </a:xfrm>
+          <a:prstGeom prst="rect">
+            <a:avLst/>
+          </a:prstGeom>
+          <a:gradFill flip="none" rotWithShape="1">
+            <a:gsLst>
+              <a:gs pos="0">
+                <a:schemeClr val="accent1"/>
+              </a:gs>
+              <a:gs pos="100000">
+                <a:schemeClr val="accent2"/>
+              </a:gs>
+            </a:gsLst>
+            <a:lin ang="2700000" scaled="1"/>
+            <a:tileRect/>
+          </a:gradFill>
+          <a:ln>
+            <a:noFill/>
+          </a:ln>
+        </p:spPr>
+        <p:style>
+          <a:lnRef idx="2">
+            <a:schemeClr val="accent1">
+              <a:shade val="50000"/>
+            </a:schemeClr>
+          </a:lnRef>
+          <a:fillRef idx="1">
+            <a:schemeClr val="accent1"/>
+          </a:fillRef>
+          <a:effectRef idx="0">
+            <a:schemeClr val="accent1"/>
+          </a:effectRef>
+          <a:fontRef idx="minor">
+            <a:schemeClr val="lt1"/>
+          </a:fontRef>
+        </p:style>
+        <p:txBody>
+          <a:bodyPr rtlCol="0" anchor="ctr"/>
+          <a:lstStyle/>
+          <a:p>
+            <a:pPr algn="ctr"/>
+            <a:endParaRPr lang="en-US"/>
+          </a:p>
+        </p:txBody>
+      </p:sp>
       <p:pic>
         <p:nvPicPr>
-          <p:cNvPr id="4" name="Picture 3" descr="A close-up of a diagram&#10;&#10;Description automatically generated">
-            <a:extLst>
-              <a:ext uri="{FF2B5EF4-FFF2-40B4-BE49-F238E27FC236}">
-                <a16:creationId xmlns:a16="http://schemas.microsoft.com/office/drawing/2014/main" id="{0A1813B9-6104-15E9-DD27-63D63CF5E6E7}"/>
+          <p:cNvPr id="4" name="Picture 3" descr="A table with numbers and symbols&#10;&#10;Description automatically generated">
+            <a:extLst>
+              <a:ext uri="{FF2B5EF4-FFF2-40B4-BE49-F238E27FC236}">
+                <a16:creationId xmlns:a16="http://schemas.microsoft.com/office/drawing/2014/main" id="{A33F6BFF-7CA6-27ED-CF08-4C5270FB5901}"/>
               </a:ext>
             </a:extLst>
           </p:cNvPr>
@@ -4105,8 +7830,8 @@
         </p:blipFill>
         <p:spPr>
           <a:xfrm>
-            <a:off x="274136" y="849683"/>
-            <a:ext cx="11643727" cy="4338334"/>
+            <a:off x="473776" y="583653"/>
+            <a:ext cx="11244447" cy="5690693"/>
           </a:xfrm>
           <a:prstGeom prst="rect">
             <a:avLst/>
@@ -4116,7 +7841,153 @@
     </p:spTree>
     <p:extLst>
       <p:ext uri="{BB962C8B-B14F-4D97-AF65-F5344CB8AC3E}">
-        <p14:creationId xmlns:p14="http://schemas.microsoft.com/office/powerpoint/2010/main" val="122706776"/>
+        <p14:creationId xmlns:p14="http://schemas.microsoft.com/office/powerpoint/2010/main" val="1472617438"/>
+      </p:ext>
+    </p:extLst>
+  </p:cSld>
+  <p:clrMapOvr>
+    <a:masterClrMapping/>
+  </p:clrMapOvr>
+</p:sld>
+</file>
+
+<file path=ppt/slides/slide3.xml><?xml version="1.0" encoding="utf-8"?>
+<p:sld xmlns:a="http://schemas.openxmlformats.org/drawingml/2006/main" xmlns:r="http://schemas.openxmlformats.org/officeDocument/2006/relationships" xmlns:p="http://schemas.openxmlformats.org/presentationml/2006/main">
+  <p:cSld>
+    <p:bg>
+      <p:bgPr>
+        <a:solidFill>
+          <a:schemeClr val="bg1"/>
+        </a:solidFill>
+        <a:effectLst/>
+      </p:bgPr>
+    </p:bg>
+    <p:spTree>
+      <p:nvGrpSpPr>
+        <p:cNvPr id="1" name="">
+          <a:extLst>
+            <a:ext uri="{FF2B5EF4-FFF2-40B4-BE49-F238E27FC236}">
+              <a16:creationId xmlns:a16="http://schemas.microsoft.com/office/drawing/2014/main" id="{8BCDDE42-507E-419D-E596-4DE0638D76C5}"/>
+            </a:ext>
+          </a:extLst>
+        </p:cNvPr>
+        <p:cNvGrpSpPr/>
+        <p:nvPr/>
+      </p:nvGrpSpPr>
+      <p:grpSpPr>
+        <a:xfrm>
+          <a:off x="0" y="0"/>
+          <a:ext cx="0" cy="0"/>
+          <a:chOff x="0" y="0"/>
+          <a:chExt cx="0" cy="0"/>
+        </a:xfrm>
+      </p:grpSpPr>
+      <p:sp>
+        <p:nvSpPr>
+          <p:cNvPr id="21" name="Rectangle 20">
+            <a:extLst>
+              <a:ext uri="{FF2B5EF4-FFF2-40B4-BE49-F238E27FC236}">
+                <a16:creationId xmlns:a16="http://schemas.microsoft.com/office/drawing/2014/main" id="{D5C48759-CFD3-6C8B-ECB2-4944C03C975F}"/>
+              </a:ext>
+              <a:ext uri="{C183D7F6-B498-43B3-948B-1728B52AA6E4}">
+                <adec:decorative xmlns:adec="http://schemas.microsoft.com/office/drawing/2017/decorative" val="1"/>
+              </a:ext>
+            </a:extLst>
+          </p:cNvPr>
+          <p:cNvSpPr>
+            <a:spLocks noGrp="1" noRot="1" noChangeAspect="1" noMove="1" noResize="1" noEditPoints="1" noAdjustHandles="1" noChangeArrowheads="1" noChangeShapeType="1" noTextEdit="1"/>
+          </p:cNvSpPr>
+          <p:nvPr>
+            <p:extLst>
+              <p:ext uri="{386F3935-93C4-4BCD-93E2-E3B085C9AB24}">
+                <p16:designElem xmlns:p16="http://schemas.microsoft.com/office/powerpoint/2015/main" val="1"/>
+              </p:ext>
+            </p:extLst>
+          </p:nvPr>
+        </p:nvSpPr>
+        <p:spPr>
+          <a:xfrm>
+            <a:off x="0" y="0"/>
+            <a:ext cx="12192000" cy="6858000"/>
+          </a:xfrm>
+          <a:prstGeom prst="rect">
+            <a:avLst/>
+          </a:prstGeom>
+          <a:gradFill flip="none" rotWithShape="1">
+            <a:gsLst>
+              <a:gs pos="0">
+                <a:schemeClr val="accent1"/>
+              </a:gs>
+              <a:gs pos="100000">
+                <a:schemeClr val="accent2"/>
+              </a:gs>
+            </a:gsLst>
+            <a:lin ang="2700000" scaled="1"/>
+            <a:tileRect/>
+          </a:gradFill>
+          <a:ln>
+            <a:noFill/>
+          </a:ln>
+        </p:spPr>
+        <p:style>
+          <a:lnRef idx="2">
+            <a:schemeClr val="accent1">
+              <a:shade val="50000"/>
+            </a:schemeClr>
+          </a:lnRef>
+          <a:fillRef idx="1">
+            <a:schemeClr val="accent1"/>
+          </a:fillRef>
+          <a:effectRef idx="0">
+            <a:schemeClr val="accent1"/>
+          </a:effectRef>
+          <a:fontRef idx="minor">
+            <a:schemeClr val="lt1"/>
+          </a:fontRef>
+        </p:style>
+        <p:txBody>
+          <a:bodyPr rtlCol="0" anchor="ctr"/>
+          <a:lstStyle/>
+          <a:p>
+            <a:pPr algn="ctr"/>
+            <a:endParaRPr lang="en-US"/>
+          </a:p>
+        </p:txBody>
+      </p:sp>
+      <p:pic>
+        <p:nvPicPr>
+          <p:cNvPr id="3" name="Picture 2" descr="A black screen with white text&#10;&#10;Description automatically generated">
+            <a:extLst>
+              <a:ext uri="{FF2B5EF4-FFF2-40B4-BE49-F238E27FC236}">
+                <a16:creationId xmlns:a16="http://schemas.microsoft.com/office/drawing/2014/main" id="{30729A48-813E-5C68-4B28-84C360563840}"/>
+              </a:ext>
+            </a:extLst>
+          </p:cNvPr>
+          <p:cNvPicPr>
+            <a:picLocks noChangeAspect="1"/>
+          </p:cNvPicPr>
+          <p:nvPr/>
+        </p:nvPicPr>
+        <p:blipFill>
+          <a:blip r:embed="rId2"/>
+          <a:stretch>
+            <a:fillRect/>
+          </a:stretch>
+        </p:blipFill>
+        <p:spPr>
+          <a:xfrm>
+            <a:off x="753920" y="221380"/>
+            <a:ext cx="10074499" cy="6103749"/>
+          </a:xfrm>
+          <a:prstGeom prst="rect">
+            <a:avLst/>
+          </a:prstGeom>
+        </p:spPr>
+      </p:pic>
+    </p:spTree>
+    <p:extLst>
+      <p:ext uri="{BB962C8B-B14F-4D97-AF65-F5344CB8AC3E}">
+        <p14:creationId xmlns:p14="http://schemas.microsoft.com/office/powerpoint/2010/main" val="1943288942"/>
       </p:ext>
     </p:extLst>
   </p:cSld>
@@ -4288,7 +8159,7 @@
         <p:cNvPr id="1" name="">
           <a:extLst>
             <a:ext uri="{FF2B5EF4-FFF2-40B4-BE49-F238E27FC236}">
-              <a16:creationId xmlns:a16="http://schemas.microsoft.com/office/drawing/2014/main" id="{B5F3F41B-D468-0CE1-CF3D-E8A1F230A973}"/>
+              <a16:creationId xmlns:a16="http://schemas.microsoft.com/office/drawing/2014/main" id="{AB941715-9874-A127-BB45-AF63204368B5}"/>
             </a:ext>
           </a:extLst>
         </p:cNvPr>
@@ -4308,7 +8179,7 @@
           <p:cNvPr id="21" name="Rectangle 20">
             <a:extLst>
               <a:ext uri="{FF2B5EF4-FFF2-40B4-BE49-F238E27FC236}">
-                <a16:creationId xmlns:a16="http://schemas.microsoft.com/office/drawing/2014/main" id="{CA25551F-F2EA-25B8-E0F2-3971274CD001}"/>
+                <a16:creationId xmlns:a16="http://schemas.microsoft.com/office/drawing/2014/main" id="{95CC2D6C-56D6-88A6-C272-172437D2EB45}"/>
               </a:ext>
               <a:ext uri="{C183D7F6-B498-43B3-948B-1728B52AA6E4}">
                 <adec:decorative xmlns:adec="http://schemas.microsoft.com/office/drawing/2017/decorative" val="1"/>
@@ -4377,10 +8248,10 @@
       </p:sp>
       <p:pic>
         <p:nvPicPr>
-          <p:cNvPr id="3" name="Picture 2" descr="A screenshot of a black background with white text&#10;&#10;Description automatically generated">
-            <a:extLst>
-              <a:ext uri="{FF2B5EF4-FFF2-40B4-BE49-F238E27FC236}">
-                <a16:creationId xmlns:a16="http://schemas.microsoft.com/office/drawing/2014/main" id="{EDD8992A-0475-ADE1-2FAC-BF7410D50475}"/>
+          <p:cNvPr id="2" name="Picture 1">
+            <a:extLst>
+              <a:ext uri="{FF2B5EF4-FFF2-40B4-BE49-F238E27FC236}">
+                <a16:creationId xmlns:a16="http://schemas.microsoft.com/office/drawing/2014/main" id="{4F9B310D-0F57-9A0A-63A2-C402A81EA837}"/>
               </a:ext>
             </a:extLst>
           </p:cNvPr>
@@ -4397,8 +8268,68 @@
         </p:blipFill>
         <p:spPr>
           <a:xfrm>
-            <a:off x="712268" y="346509"/>
-            <a:ext cx="9875521" cy="5554981"/>
+            <a:off x="273424" y="850687"/>
+            <a:ext cx="11371730" cy="1668568"/>
+          </a:xfrm>
+          <a:prstGeom prst="rect">
+            <a:avLst/>
+          </a:prstGeom>
+        </p:spPr>
+      </p:pic>
+      <p:pic>
+        <p:nvPicPr>
+          <p:cNvPr id="3" name="Picture 2">
+            <a:extLst>
+              <a:ext uri="{FF2B5EF4-FFF2-40B4-BE49-F238E27FC236}">
+                <a16:creationId xmlns:a16="http://schemas.microsoft.com/office/drawing/2014/main" id="{3836ED46-72DB-24C9-7A55-133ECCEDE7B1}"/>
+              </a:ext>
+            </a:extLst>
+          </p:cNvPr>
+          <p:cNvPicPr>
+            <a:picLocks noChangeAspect="1"/>
+          </p:cNvPicPr>
+          <p:nvPr/>
+        </p:nvPicPr>
+        <p:blipFill>
+          <a:blip r:embed="rId3"/>
+          <a:stretch>
+            <a:fillRect/>
+          </a:stretch>
+        </p:blipFill>
+        <p:spPr>
+          <a:xfrm>
+            <a:off x="273423" y="2648801"/>
+            <a:ext cx="11371729" cy="1364874"/>
+          </a:xfrm>
+          <a:prstGeom prst="rect">
+            <a:avLst/>
+          </a:prstGeom>
+        </p:spPr>
+      </p:pic>
+      <p:pic>
+        <p:nvPicPr>
+          <p:cNvPr id="4" name="Picture 3">
+            <a:extLst>
+              <a:ext uri="{FF2B5EF4-FFF2-40B4-BE49-F238E27FC236}">
+                <a16:creationId xmlns:a16="http://schemas.microsoft.com/office/drawing/2014/main" id="{9BACBA48-60C1-4C9D-8169-4C8C73BB43F1}"/>
+              </a:ext>
+            </a:extLst>
+          </p:cNvPr>
+          <p:cNvPicPr>
+            <a:picLocks noChangeAspect="1"/>
+          </p:cNvPicPr>
+          <p:nvPr/>
+        </p:nvPicPr>
+        <p:blipFill>
+          <a:blip r:embed="rId4"/>
+          <a:stretch>
+            <a:fillRect/>
+          </a:stretch>
+        </p:blipFill>
+        <p:spPr>
+          <a:xfrm>
+            <a:off x="273422" y="4162882"/>
+            <a:ext cx="11403641" cy="1547636"/>
           </a:xfrm>
           <a:prstGeom prst="rect">
             <a:avLst/>
@@ -4408,7 +8339,7 @@
     </p:spTree>
     <p:extLst>
       <p:ext uri="{BB962C8B-B14F-4D97-AF65-F5344CB8AC3E}">
-        <p14:creationId xmlns:p14="http://schemas.microsoft.com/office/powerpoint/2010/main" val="3957316915"/>
+        <p14:creationId xmlns:p14="http://schemas.microsoft.com/office/powerpoint/2010/main" val="2569162116"/>
       </p:ext>
     </p:extLst>
   </p:cSld>
@@ -4434,7 +8365,7 @@
         <p:cNvPr id="1" name="">
           <a:extLst>
             <a:ext uri="{FF2B5EF4-FFF2-40B4-BE49-F238E27FC236}">
-              <a16:creationId xmlns:a16="http://schemas.microsoft.com/office/drawing/2014/main" id="{8BCDDE42-507E-419D-E596-4DE0638D76C5}"/>
+              <a16:creationId xmlns:a16="http://schemas.microsoft.com/office/drawing/2014/main" id="{2DCACF2A-E0C8-B9EA-2B41-B333AE60B9BC}"/>
             </a:ext>
           </a:extLst>
         </p:cNvPr>
@@ -4454,7 +8385,7 @@
           <p:cNvPr id="21" name="Rectangle 20">
             <a:extLst>
               <a:ext uri="{FF2B5EF4-FFF2-40B4-BE49-F238E27FC236}">
-                <a16:creationId xmlns:a16="http://schemas.microsoft.com/office/drawing/2014/main" id="{D5C48759-CFD3-6C8B-ECB2-4944C03C975F}"/>
+                <a16:creationId xmlns:a16="http://schemas.microsoft.com/office/drawing/2014/main" id="{FAEDF8A2-4EB8-35CC-D325-F436D106491F}"/>
               </a:ext>
               <a:ext uri="{C183D7F6-B498-43B3-948B-1728B52AA6E4}">
                 <adec:decorative xmlns:adec="http://schemas.microsoft.com/office/drawing/2017/decorative" val="1"/>
@@ -4523,10 +8454,10 @@
       </p:sp>
       <p:pic>
         <p:nvPicPr>
-          <p:cNvPr id="3" name="Picture 2" descr="A black screen with white text&#10;&#10;Description automatically generated">
-            <a:extLst>
-              <a:ext uri="{FF2B5EF4-FFF2-40B4-BE49-F238E27FC236}">
-                <a16:creationId xmlns:a16="http://schemas.microsoft.com/office/drawing/2014/main" id="{30729A48-813E-5C68-4B28-84C360563840}"/>
+          <p:cNvPr id="3" name="Picture 2" descr="A screenshot of a cell phone&#10;&#10;Description automatically generated">
+            <a:extLst>
+              <a:ext uri="{FF2B5EF4-FFF2-40B4-BE49-F238E27FC236}">
+                <a16:creationId xmlns:a16="http://schemas.microsoft.com/office/drawing/2014/main" id="{5DC6499C-8FB9-EFA4-F10E-CF71DF9873AA}"/>
               </a:ext>
             </a:extLst>
           </p:cNvPr>
@@ -4537,14 +8468,13 @@
         </p:nvPicPr>
         <p:blipFill>
           <a:blip r:embed="rId2"/>
-          <a:stretch>
-            <a:fillRect/>
-          </a:stretch>
+          <a:srcRect r="4064" b="-1"/>
+          <a:stretch/>
         </p:blipFill>
         <p:spPr>
           <a:xfrm>
-            <a:off x="753920" y="221380"/>
-            <a:ext cx="10074499" cy="6103749"/>
+            <a:off x="307775" y="261437"/>
+            <a:ext cx="11576450" cy="6335126"/>
           </a:xfrm>
           <a:prstGeom prst="rect">
             <a:avLst/>
@@ -4554,7 +8484,7 @@
     </p:spTree>
     <p:extLst>
       <p:ext uri="{BB962C8B-B14F-4D97-AF65-F5344CB8AC3E}">
-        <p14:creationId xmlns:p14="http://schemas.microsoft.com/office/powerpoint/2010/main" val="1943288942"/>
+        <p14:creationId xmlns:p14="http://schemas.microsoft.com/office/powerpoint/2010/main" val="2521600531"/>
       </p:ext>
     </p:extLst>
   </p:cSld>
@@ -4580,7 +8510,7 @@
         <p:cNvPr id="1" name="">
           <a:extLst>
             <a:ext uri="{FF2B5EF4-FFF2-40B4-BE49-F238E27FC236}">
-              <a16:creationId xmlns:a16="http://schemas.microsoft.com/office/drawing/2014/main" id="{AB941715-9874-A127-BB45-AF63204368B5}"/>
+              <a16:creationId xmlns:a16="http://schemas.microsoft.com/office/drawing/2014/main" id="{97347EA0-555C-C0F5-6F51-4608CAE561EE}"/>
             </a:ext>
           </a:extLst>
         </p:cNvPr>
@@ -4600,7 +8530,7 @@
           <p:cNvPr id="21" name="Rectangle 20">
             <a:extLst>
               <a:ext uri="{FF2B5EF4-FFF2-40B4-BE49-F238E27FC236}">
-                <a16:creationId xmlns:a16="http://schemas.microsoft.com/office/drawing/2014/main" id="{95CC2D6C-56D6-88A6-C272-172437D2EB45}"/>
+                <a16:creationId xmlns:a16="http://schemas.microsoft.com/office/drawing/2014/main" id="{1A8CD17B-46DD-E362-C6B5-5237C04DEFCF}"/>
               </a:ext>
               <a:ext uri="{C183D7F6-B498-43B3-948B-1728B52AA6E4}">
                 <adec:decorative xmlns:adec="http://schemas.microsoft.com/office/drawing/2017/decorative" val="1"/>
@@ -4667,10 +8597,40 @@
           </a:p>
         </p:txBody>
       </p:sp>
+      <p:pic>
+        <p:nvPicPr>
+          <p:cNvPr id="4" name="Picture 3" descr="A close-up of a diagram&#10;&#10;Description automatically generated">
+            <a:extLst>
+              <a:ext uri="{FF2B5EF4-FFF2-40B4-BE49-F238E27FC236}">
+                <a16:creationId xmlns:a16="http://schemas.microsoft.com/office/drawing/2014/main" id="{0A1813B9-6104-15E9-DD27-63D63CF5E6E7}"/>
+              </a:ext>
+            </a:extLst>
+          </p:cNvPr>
+          <p:cNvPicPr>
+            <a:picLocks noChangeAspect="1"/>
+          </p:cNvPicPr>
+          <p:nvPr/>
+        </p:nvPicPr>
+        <p:blipFill>
+          <a:blip r:embed="rId2"/>
+          <a:stretch>
+            <a:fillRect/>
+          </a:stretch>
+        </p:blipFill>
+        <p:spPr>
+          <a:xfrm>
+            <a:off x="274136" y="849683"/>
+            <a:ext cx="11643727" cy="4338334"/>
+          </a:xfrm>
+          <a:prstGeom prst="rect">
+            <a:avLst/>
+          </a:prstGeom>
+        </p:spPr>
+      </p:pic>
     </p:spTree>
     <p:extLst>
       <p:ext uri="{BB962C8B-B14F-4D97-AF65-F5344CB8AC3E}">
-        <p14:creationId xmlns:p14="http://schemas.microsoft.com/office/powerpoint/2010/main" val="2569162116"/>
+        <p14:creationId xmlns:p14="http://schemas.microsoft.com/office/powerpoint/2010/main" val="122706776"/>
       </p:ext>
     </p:extLst>
   </p:cSld>
@@ -4696,7 +8656,7 @@
         <p:cNvPr id="1" name="">
           <a:extLst>
             <a:ext uri="{FF2B5EF4-FFF2-40B4-BE49-F238E27FC236}">
-              <a16:creationId xmlns:a16="http://schemas.microsoft.com/office/drawing/2014/main" id="{E5BB8B40-24A0-3533-55DA-E62DC958E42D}"/>
+              <a16:creationId xmlns:a16="http://schemas.microsoft.com/office/drawing/2014/main" id="{B5F3F41B-D468-0CE1-CF3D-E8A1F230A973}"/>
             </a:ext>
           </a:extLst>
         </p:cNvPr>
@@ -4716,7 +8676,7 @@
           <p:cNvPr id="21" name="Rectangle 20">
             <a:extLst>
               <a:ext uri="{FF2B5EF4-FFF2-40B4-BE49-F238E27FC236}">
-                <a16:creationId xmlns:a16="http://schemas.microsoft.com/office/drawing/2014/main" id="{0B7A153A-678C-5967-E0C7-E54F7DB2C74A}"/>
+                <a16:creationId xmlns:a16="http://schemas.microsoft.com/office/drawing/2014/main" id="{CA25551F-F2EA-25B8-E0F2-3971274CD001}"/>
               </a:ext>
               <a:ext uri="{C183D7F6-B498-43B3-948B-1728B52AA6E4}">
                 <adec:decorative xmlns:adec="http://schemas.microsoft.com/office/drawing/2017/decorative" val="1"/>
@@ -4783,10 +8743,40 @@
           </a:p>
         </p:txBody>
       </p:sp>
+      <p:pic>
+        <p:nvPicPr>
+          <p:cNvPr id="3" name="Picture 2" descr="A screenshot of a black background with white text&#10;&#10;Description automatically generated">
+            <a:extLst>
+              <a:ext uri="{FF2B5EF4-FFF2-40B4-BE49-F238E27FC236}">
+                <a16:creationId xmlns:a16="http://schemas.microsoft.com/office/drawing/2014/main" id="{EDD8992A-0475-ADE1-2FAC-BF7410D50475}"/>
+              </a:ext>
+            </a:extLst>
+          </p:cNvPr>
+          <p:cNvPicPr>
+            <a:picLocks noChangeAspect="1"/>
+          </p:cNvPicPr>
+          <p:nvPr/>
+        </p:nvPicPr>
+        <p:blipFill>
+          <a:blip r:embed="rId2"/>
+          <a:stretch>
+            <a:fillRect/>
+          </a:stretch>
+        </p:blipFill>
+        <p:spPr>
+          <a:xfrm>
+            <a:off x="712268" y="346509"/>
+            <a:ext cx="9875521" cy="5554981"/>
+          </a:xfrm>
+          <a:prstGeom prst="rect">
+            <a:avLst/>
+          </a:prstGeom>
+        </p:spPr>
+      </p:pic>
     </p:spTree>
     <p:extLst>
       <p:ext uri="{BB962C8B-B14F-4D97-AF65-F5344CB8AC3E}">
-        <p14:creationId xmlns:p14="http://schemas.microsoft.com/office/powerpoint/2010/main" val="3844184568"/>
+        <p14:creationId xmlns:p14="http://schemas.microsoft.com/office/powerpoint/2010/main" val="3957316915"/>
       </p:ext>
     </p:extLst>
   </p:cSld>
@@ -4812,7 +8802,7 @@
         <p:cNvPr id="1" name="">
           <a:extLst>
             <a:ext uri="{FF2B5EF4-FFF2-40B4-BE49-F238E27FC236}">
-              <a16:creationId xmlns:a16="http://schemas.microsoft.com/office/drawing/2014/main" id="{2B16184D-3402-3FC1-FC38-E2A6AE641C93}"/>
+              <a16:creationId xmlns:a16="http://schemas.microsoft.com/office/drawing/2014/main" id="{35956B97-6BD3-E1F6-6E9A-EF47E94244AE}"/>
             </a:ext>
           </a:extLst>
         </p:cNvPr>
@@ -4832,7 +8822,7 @@
           <p:cNvPr id="21" name="Rectangle 20">
             <a:extLst>
               <a:ext uri="{FF2B5EF4-FFF2-40B4-BE49-F238E27FC236}">
-                <a16:creationId xmlns:a16="http://schemas.microsoft.com/office/drawing/2014/main" id="{2E337CE8-75B0-FCD0-2658-790D7B873C6D}"/>
+                <a16:creationId xmlns:a16="http://schemas.microsoft.com/office/drawing/2014/main" id="{5AE5CFCF-B516-FFB0-3805-60D7FDDC0AA2}"/>
               </a:ext>
               <a:ext uri="{C183D7F6-B498-43B3-948B-1728B52AA6E4}">
                 <adec:decorative xmlns:adec="http://schemas.microsoft.com/office/drawing/2017/decorative" val="1"/>
@@ -4899,10 +8889,98 @@
           </a:p>
         </p:txBody>
       </p:sp>
+      <p:sp>
+        <p:nvSpPr>
+          <p:cNvPr id="2" name="Rectangle 1">
+            <a:extLst>
+              <a:ext uri="{FF2B5EF4-FFF2-40B4-BE49-F238E27FC236}">
+                <a16:creationId xmlns:a16="http://schemas.microsoft.com/office/drawing/2014/main" id="{0D8F3810-0CC5-5EBA-5FDD-9F157661FEE6}"/>
+              </a:ext>
+            </a:extLst>
+          </p:cNvPr>
+          <p:cNvSpPr/>
+          <p:nvPr/>
+        </p:nvSpPr>
+        <p:spPr>
+          <a:xfrm>
+            <a:off x="3681482" y="1972492"/>
+            <a:ext cx="4400072" cy="923330"/>
+          </a:xfrm>
+          <a:prstGeom prst="rect">
+            <a:avLst/>
+          </a:prstGeom>
+          <a:noFill/>
+        </p:spPr>
+        <p:txBody>
+          <a:bodyPr wrap="square" lIns="91440" tIns="45720" rIns="91440" bIns="45720">
+            <a:spAutoFit/>
+          </a:bodyPr>
+          <a:lstStyle/>
+          <a:p>
+            <a:pPr algn="ctr"/>
+            <a:r>
+              <a:rPr lang="en-GB" sz="5400" b="1" cap="none" spc="0" dirty="0">
+                <a:ln w="12700">
+                  <a:solidFill>
+                    <a:schemeClr val="tx2">
+                      <a:satMod val="155000"/>
+                    </a:schemeClr>
+                  </a:solidFill>
+                  <a:prstDash val="solid"/>
+                </a:ln>
+                <a:solidFill>
+                  <a:schemeClr val="bg2">
+                    <a:tint val="85000"/>
+                    <a:satMod val="155000"/>
+                  </a:schemeClr>
+                </a:solidFill>
+                <a:effectLst>
+                  <a:outerShdw blurRad="41275" dist="20320" dir="1800000" algn="tl" rotWithShape="0">
+                    <a:srgbClr val="000000">
+                      <a:alpha val="40000"/>
+                    </a:srgbClr>
+                  </a:outerShdw>
+                </a:effectLst>
+              </a:rPr>
+              <a:t>Fusion Tab</a:t>
+            </a:r>
+          </a:p>
+        </p:txBody>
+      </p:sp>
+      <p:pic>
+        <p:nvPicPr>
+          <p:cNvPr id="3" name="Picture 2">
+            <a:extLst>
+              <a:ext uri="{FF2B5EF4-FFF2-40B4-BE49-F238E27FC236}">
+                <a16:creationId xmlns:a16="http://schemas.microsoft.com/office/drawing/2014/main" id="{7097BAF6-2D67-28A8-F722-8524FC01DBB4}"/>
+              </a:ext>
+            </a:extLst>
+          </p:cNvPr>
+          <p:cNvPicPr>
+            <a:picLocks noChangeAspect="1"/>
+          </p:cNvPicPr>
+          <p:nvPr/>
+        </p:nvPicPr>
+        <p:blipFill>
+          <a:blip r:embed="rId2"/>
+          <a:stretch>
+            <a:fillRect/>
+          </a:stretch>
+        </p:blipFill>
+        <p:spPr>
+          <a:xfrm>
+            <a:off x="2357846" y="3683091"/>
+            <a:ext cx="7772400" cy="1425122"/>
+          </a:xfrm>
+          <a:prstGeom prst="rect">
+            <a:avLst/>
+          </a:prstGeom>
+        </p:spPr>
+      </p:pic>
     </p:spTree>
     <p:extLst>
       <p:ext uri="{BB962C8B-B14F-4D97-AF65-F5344CB8AC3E}">
-        <p14:creationId xmlns:p14="http://schemas.microsoft.com/office/powerpoint/2010/main" val="3381371015"/>
+        <p14:creationId xmlns:p14="http://schemas.microsoft.com/office/powerpoint/2010/main" val="496910368"/>
       </p:ext>
     </p:extLst>
   </p:cSld>
@@ -5225,4 +9303,319 @@
     </a:ext>
   </a:extLst>
 </a:theme>
+</file>
+
+<file path=ppt/theme/theme2.xml><?xml version="1.0" encoding="utf-8"?>
+<a:theme xmlns:a="http://schemas.openxmlformats.org/drawingml/2006/main" name="Office Theme">
+  <a:themeElements>
+    <a:clrScheme name="Office">
+      <a:dk1>
+        <a:sysClr val="windowText" lastClr="000000"/>
+      </a:dk1>
+      <a:lt1>
+        <a:sysClr val="window" lastClr="FFFFFF"/>
+      </a:lt1>
+      <a:dk2>
+        <a:srgbClr val="0E2841"/>
+      </a:dk2>
+      <a:lt2>
+        <a:srgbClr val="E8E8E8"/>
+      </a:lt2>
+      <a:accent1>
+        <a:srgbClr val="156082"/>
+      </a:accent1>
+      <a:accent2>
+        <a:srgbClr val="E97132"/>
+      </a:accent2>
+      <a:accent3>
+        <a:srgbClr val="196B24"/>
+      </a:accent3>
+      <a:accent4>
+        <a:srgbClr val="0F9ED5"/>
+      </a:accent4>
+      <a:accent5>
+        <a:srgbClr val="A02B93"/>
+      </a:accent5>
+      <a:accent6>
+        <a:srgbClr val="4EA72E"/>
+      </a:accent6>
+      <a:hlink>
+        <a:srgbClr val="467886"/>
+      </a:hlink>
+      <a:folHlink>
+        <a:srgbClr val="96607D"/>
+      </a:folHlink>
+    </a:clrScheme>
+    <a:fontScheme name="Office">
+      <a:majorFont>
+        <a:latin typeface="Aptos Display" panose="02110004020202020204"/>
+        <a:ea typeface=""/>
+        <a:cs typeface=""/>
+        <a:font script="Jpan" typeface="游ゴシック Light"/>
+        <a:font script="Hang" typeface="맑은 고딕"/>
+        <a:font script="Hans" typeface="等线 Light"/>
+        <a:font script="Hant" typeface="新細明體"/>
+        <a:font script="Arab" typeface="Times New Roman"/>
+        <a:font script="Hebr" typeface="Times New Roman"/>
+        <a:font script="Thai" typeface="Angsana New"/>
+        <a:font script="Ethi" typeface="Nyala"/>
+        <a:font script="Beng" typeface="Vrinda"/>
+        <a:font script="Gujr" typeface="Shruti"/>
+        <a:font script="Khmr" typeface="MoolBoran"/>
+        <a:font script="Knda" typeface="Tunga"/>
+        <a:font script="Guru" typeface="Raavi"/>
+        <a:font script="Cans" typeface="Euphemia"/>
+        <a:font script="Cher" typeface="Plantagenet Cherokee"/>
+        <a:font script="Yiii" typeface="Microsoft Yi Baiti"/>
+        <a:font script="Tibt" typeface="Microsoft Himalaya"/>
+        <a:font script="Thaa" typeface="MV Boli"/>
+        <a:font script="Deva" typeface="Mangal"/>
+        <a:font script="Telu" typeface="Gautami"/>
+        <a:font script="Taml" typeface="Latha"/>
+        <a:font script="Syrc" typeface="Estrangelo Edessa"/>
+        <a:font script="Orya" typeface="Kalinga"/>
+        <a:font script="Mlym" typeface="Kartika"/>
+        <a:font script="Laoo" typeface="DokChampa"/>
+        <a:font script="Sinh" typeface="Iskoola Pota"/>
+        <a:font script="Mong" typeface="Mongolian Baiti"/>
+        <a:font script="Viet" typeface="Times New Roman"/>
+        <a:font script="Uigh" typeface="Microsoft Uighur"/>
+        <a:font script="Geor" typeface="Sylfaen"/>
+        <a:font script="Armn" typeface="Arial"/>
+        <a:font script="Bugi" typeface="Leelawadee UI"/>
+        <a:font script="Bopo" typeface="Microsoft JhengHei"/>
+        <a:font script="Java" typeface="Javanese Text"/>
+        <a:font script="Lisu" typeface="Segoe UI"/>
+        <a:font script="Mymr" typeface="Myanmar Text"/>
+        <a:font script="Nkoo" typeface="Ebrima"/>
+        <a:font script="Olck" typeface="Nirmala UI"/>
+        <a:font script="Osma" typeface="Ebrima"/>
+        <a:font script="Phag" typeface="Phagspa"/>
+        <a:font script="Syrn" typeface="Estrangelo Edessa"/>
+        <a:font script="Syrj" typeface="Estrangelo Edessa"/>
+        <a:font script="Syre" typeface="Estrangelo Edessa"/>
+        <a:font script="Sora" typeface="Nirmala UI"/>
+        <a:font script="Tale" typeface="Microsoft Tai Le"/>
+        <a:font script="Talu" typeface="Microsoft New Tai Lue"/>
+        <a:font script="Tfng" typeface="Ebrima"/>
+      </a:majorFont>
+      <a:minorFont>
+        <a:latin typeface="Aptos" panose="02110004020202020204"/>
+        <a:ea typeface=""/>
+        <a:cs typeface=""/>
+        <a:font script="Jpan" typeface="游ゴシック"/>
+        <a:font script="Hang" typeface="맑은 고딕"/>
+        <a:font script="Hans" typeface="等线"/>
+        <a:font script="Hant" typeface="新細明體"/>
+        <a:font script="Arab" typeface="Arial"/>
+        <a:font script="Hebr" typeface="Arial"/>
+        <a:font script="Thai" typeface="Cordia New"/>
+        <a:font script="Ethi" typeface="Nyala"/>
+        <a:font script="Beng" typeface="Vrinda"/>
+        <a:font script="Gujr" typeface="Shruti"/>
+        <a:font script="Khmr" typeface="DaunPenh"/>
+        <a:font script="Knda" typeface="Tunga"/>
+        <a:font script="Guru" typeface="Raavi"/>
+        <a:font script="Cans" typeface="Euphemia"/>
+        <a:font script="Cher" typeface="Plantagenet Cherokee"/>
+        <a:font script="Yiii" typeface="Microsoft Yi Baiti"/>
+        <a:font script="Tibt" typeface="Microsoft Himalaya"/>
+        <a:font script="Thaa" typeface="MV Boli"/>
+        <a:font script="Deva" typeface="Mangal"/>
+        <a:font script="Telu" typeface="Gautami"/>
+        <a:font script="Taml" typeface="Latha"/>
+        <a:font script="Syrc" typeface="Estrangelo Edessa"/>
+        <a:font script="Orya" typeface="Kalinga"/>
+        <a:font script="Mlym" typeface="Kartika"/>
+        <a:font script="Laoo" typeface="DokChampa"/>
+        <a:font script="Sinh" typeface="Iskoola Pota"/>
+        <a:font script="Mong" typeface="Mongolian Baiti"/>
+        <a:font script="Viet" typeface="Arial"/>
+        <a:font script="Uigh" typeface="Microsoft Uighur"/>
+        <a:font script="Geor" typeface="Sylfaen"/>
+        <a:font script="Armn" typeface="Arial"/>
+        <a:font script="Bugi" typeface="Leelawadee UI"/>
+        <a:font script="Bopo" typeface="Microsoft JhengHei"/>
+        <a:font script="Java" typeface="Javanese Text"/>
+        <a:font script="Lisu" typeface="Segoe UI"/>
+        <a:font script="Mymr" typeface="Myanmar Text"/>
+        <a:font script="Nkoo" typeface="Ebrima"/>
+        <a:font script="Olck" typeface="Nirmala UI"/>
+        <a:font script="Osma" typeface="Ebrima"/>
+        <a:font script="Phag" typeface="Phagspa"/>
+        <a:font script="Syrn" typeface="Estrangelo Edessa"/>
+        <a:font script="Syrj" typeface="Estrangelo Edessa"/>
+        <a:font script="Syre" typeface="Estrangelo Edessa"/>
+        <a:font script="Sora" typeface="Nirmala UI"/>
+        <a:font script="Tale" typeface="Microsoft Tai Le"/>
+        <a:font script="Talu" typeface="Microsoft New Tai Lue"/>
+        <a:font script="Tfng" typeface="Ebrima"/>
+      </a:minorFont>
+    </a:fontScheme>
+    <a:fmtScheme name="Office">
+      <a:fillStyleLst>
+        <a:solidFill>
+          <a:schemeClr val="phClr"/>
+        </a:solidFill>
+        <a:gradFill rotWithShape="1">
+          <a:gsLst>
+            <a:gs pos="0">
+              <a:schemeClr val="phClr">
+                <a:lumMod val="110000"/>
+                <a:satMod val="105000"/>
+                <a:tint val="67000"/>
+              </a:schemeClr>
+            </a:gs>
+            <a:gs pos="50000">
+              <a:schemeClr val="phClr">
+                <a:lumMod val="105000"/>
+                <a:satMod val="103000"/>
+                <a:tint val="73000"/>
+              </a:schemeClr>
+            </a:gs>
+            <a:gs pos="100000">
+              <a:schemeClr val="phClr">
+                <a:lumMod val="105000"/>
+                <a:satMod val="109000"/>
+                <a:tint val="81000"/>
+              </a:schemeClr>
+            </a:gs>
+          </a:gsLst>
+          <a:lin ang="5400000" scaled="0"/>
+        </a:gradFill>
+        <a:gradFill rotWithShape="1">
+          <a:gsLst>
+            <a:gs pos="0">
+              <a:schemeClr val="phClr">
+                <a:satMod val="103000"/>
+                <a:lumMod val="102000"/>
+                <a:tint val="94000"/>
+              </a:schemeClr>
+            </a:gs>
+            <a:gs pos="50000">
+              <a:schemeClr val="phClr">
+                <a:satMod val="110000"/>
+                <a:lumMod val="100000"/>
+                <a:shade val="100000"/>
+              </a:schemeClr>
+            </a:gs>
+            <a:gs pos="100000">
+              <a:schemeClr val="phClr">
+                <a:lumMod val="99000"/>
+                <a:satMod val="120000"/>
+                <a:shade val="78000"/>
+              </a:schemeClr>
+            </a:gs>
+          </a:gsLst>
+          <a:lin ang="5400000" scaled="0"/>
+        </a:gradFill>
+      </a:fillStyleLst>
+      <a:lnStyleLst>
+        <a:ln w="12700" cap="flat" cmpd="sng" algn="ctr">
+          <a:solidFill>
+            <a:schemeClr val="phClr"/>
+          </a:solidFill>
+          <a:prstDash val="solid"/>
+          <a:miter lim="800000"/>
+        </a:ln>
+        <a:ln w="19050" cap="flat" cmpd="sng" algn="ctr">
+          <a:solidFill>
+            <a:schemeClr val="phClr"/>
+          </a:solidFill>
+          <a:prstDash val="solid"/>
+          <a:miter lim="800000"/>
+        </a:ln>
+        <a:ln w="25400" cap="flat" cmpd="sng" algn="ctr">
+          <a:solidFill>
+            <a:schemeClr val="phClr"/>
+          </a:solidFill>
+          <a:prstDash val="solid"/>
+          <a:miter lim="800000"/>
+        </a:ln>
+      </a:lnStyleLst>
+      <a:effectStyleLst>
+        <a:effectStyle>
+          <a:effectLst/>
+        </a:effectStyle>
+        <a:effectStyle>
+          <a:effectLst/>
+        </a:effectStyle>
+        <a:effectStyle>
+          <a:effectLst>
+            <a:outerShdw blurRad="57150" dist="19050" dir="5400000" algn="ctr" rotWithShape="0">
+              <a:srgbClr val="000000">
+                <a:alpha val="63000"/>
+              </a:srgbClr>
+            </a:outerShdw>
+          </a:effectLst>
+        </a:effectStyle>
+      </a:effectStyleLst>
+      <a:bgFillStyleLst>
+        <a:solidFill>
+          <a:schemeClr val="phClr"/>
+        </a:solidFill>
+        <a:solidFill>
+          <a:schemeClr val="phClr">
+            <a:tint val="95000"/>
+            <a:satMod val="170000"/>
+          </a:schemeClr>
+        </a:solidFill>
+        <a:gradFill rotWithShape="1">
+          <a:gsLst>
+            <a:gs pos="0">
+              <a:schemeClr val="phClr">
+                <a:tint val="93000"/>
+                <a:satMod val="150000"/>
+                <a:shade val="98000"/>
+                <a:lumMod val="102000"/>
+              </a:schemeClr>
+            </a:gs>
+            <a:gs pos="50000">
+              <a:schemeClr val="phClr">
+                <a:tint val="98000"/>
+                <a:satMod val="130000"/>
+                <a:shade val="90000"/>
+                <a:lumMod val="103000"/>
+              </a:schemeClr>
+            </a:gs>
+            <a:gs pos="100000">
+              <a:schemeClr val="phClr">
+                <a:shade val="63000"/>
+                <a:satMod val="120000"/>
+              </a:schemeClr>
+            </a:gs>
+          </a:gsLst>
+          <a:lin ang="5400000" scaled="0"/>
+        </a:gradFill>
+      </a:bgFillStyleLst>
+    </a:fmtScheme>
+  </a:themeElements>
+  <a:objectDefaults>
+    <a:lnDef>
+      <a:spPr/>
+      <a:bodyPr/>
+      <a:lstStyle/>
+      <a:style>
+        <a:lnRef idx="2">
+          <a:schemeClr val="accent1"/>
+        </a:lnRef>
+        <a:fillRef idx="0">
+          <a:schemeClr val="accent1"/>
+        </a:fillRef>
+        <a:effectRef idx="1">
+          <a:schemeClr val="accent1"/>
+        </a:effectRef>
+        <a:fontRef idx="minor">
+          <a:schemeClr val="tx1"/>
+        </a:fontRef>
+      </a:style>
+    </a:lnDef>
+  </a:objectDefaults>
+  <a:extraClrSchemeLst/>
+  <a:extLst>
+    <a:ext uri="{05A4C25C-085E-4340-85A3-A5531E510DB2}">
+      <thm15:themeFamily xmlns:thm15="http://schemas.microsoft.com/office/thememl/2012/main" name="Office Theme" id="{2E142A2C-CD16-42D6-873A-C26D2A0506FA}" vid="{1BDDFF52-6CD6-40A5-AB3C-68EB2F1E4D0A}"/>
+    </a:ext>
+  </a:extLst>
+</a:theme>
 </file>
--- a/DaVinci Resolve Akash.pptx
+++ b/DaVinci Resolve Akash.pptx
@@ -5,7 +5,7 @@
     <p:sldMasterId id="2147483648" r:id="rId1"/>
   </p:sldMasterIdLst>
   <p:notesMasterIdLst>
-    <p:notesMasterId r:id="rId17"/>
+    <p:notesMasterId r:id="rId23"/>
   </p:notesMasterIdLst>
   <p:sldIdLst>
     <p:sldId id="276" r:id="rId2"/>
@@ -23,6 +23,12 @@
     <p:sldId id="282" r:id="rId14"/>
     <p:sldId id="278" r:id="rId15"/>
     <p:sldId id="279" r:id="rId16"/>
+    <p:sldId id="283" r:id="rId17"/>
+    <p:sldId id="284" r:id="rId18"/>
+    <p:sldId id="285" r:id="rId19"/>
+    <p:sldId id="288" r:id="rId20"/>
+    <p:sldId id="286" r:id="rId21"/>
+    <p:sldId id="287" r:id="rId22"/>
   </p:sldIdLst>
   <p:sldSz cx="12192000" cy="6858000"/>
   <p:notesSz cx="6858000" cy="9144000"/>
@@ -211,7 +217,7 @@
           <a:p>
             <a:fld id="{B8EF7F3D-DD09-BD40-9378-DB20F44946D7}" type="datetimeFigureOut">
               <a:rPr lang="en-US" smtClean="0"/>
-              <a:t>12/4/24</a:t>
+              <a:t>12/10/24</a:t>
             </a:fld>
             <a:endParaRPr lang="en-US"/>
           </a:p>
@@ -712,7 +718,7 @@
           <a:p>
             <a:fld id="{37BF490E-74C7-1845-993F-5424142D85D8}" type="datetimeFigureOut">
               <a:rPr lang="en-US" smtClean="0"/>
-              <a:t>12/4/24</a:t>
+              <a:t>12/10/24</a:t>
             </a:fld>
             <a:endParaRPr lang="en-US"/>
           </a:p>
@@ -912,7 +918,7 @@
           <a:p>
             <a:fld id="{37BF490E-74C7-1845-993F-5424142D85D8}" type="datetimeFigureOut">
               <a:rPr lang="en-US" smtClean="0"/>
-              <a:t>12/4/24</a:t>
+              <a:t>12/10/24</a:t>
             </a:fld>
             <a:endParaRPr lang="en-US"/>
           </a:p>
@@ -1122,7 +1128,7 @@
           <a:p>
             <a:fld id="{37BF490E-74C7-1845-993F-5424142D85D8}" type="datetimeFigureOut">
               <a:rPr lang="en-US" smtClean="0"/>
-              <a:t>12/4/24</a:t>
+              <a:t>12/10/24</a:t>
             </a:fld>
             <a:endParaRPr lang="en-US"/>
           </a:p>
@@ -1322,7 +1328,7 @@
           <a:p>
             <a:fld id="{37BF490E-74C7-1845-993F-5424142D85D8}" type="datetimeFigureOut">
               <a:rPr lang="en-US" smtClean="0"/>
-              <a:t>12/4/24</a:t>
+              <a:t>12/10/24</a:t>
             </a:fld>
             <a:endParaRPr lang="en-US"/>
           </a:p>
@@ -1598,7 +1604,7 @@
           <a:p>
             <a:fld id="{37BF490E-74C7-1845-993F-5424142D85D8}" type="datetimeFigureOut">
               <a:rPr lang="en-US" smtClean="0"/>
-              <a:t>12/4/24</a:t>
+              <a:t>12/10/24</a:t>
             </a:fld>
             <a:endParaRPr lang="en-US"/>
           </a:p>
@@ -1866,7 +1872,7 @@
           <a:p>
             <a:fld id="{37BF490E-74C7-1845-993F-5424142D85D8}" type="datetimeFigureOut">
               <a:rPr lang="en-US" smtClean="0"/>
-              <a:t>12/4/24</a:t>
+              <a:t>12/10/24</a:t>
             </a:fld>
             <a:endParaRPr lang="en-US"/>
           </a:p>
@@ -2281,7 +2287,7 @@
           <a:p>
             <a:fld id="{37BF490E-74C7-1845-993F-5424142D85D8}" type="datetimeFigureOut">
               <a:rPr lang="en-US" smtClean="0"/>
-              <a:t>12/4/24</a:t>
+              <a:t>12/10/24</a:t>
             </a:fld>
             <a:endParaRPr lang="en-US"/>
           </a:p>
@@ -2423,7 +2429,7 @@
           <a:p>
             <a:fld id="{37BF490E-74C7-1845-993F-5424142D85D8}" type="datetimeFigureOut">
               <a:rPr lang="en-US" smtClean="0"/>
-              <a:t>12/4/24</a:t>
+              <a:t>12/10/24</a:t>
             </a:fld>
             <a:endParaRPr lang="en-US"/>
           </a:p>
@@ -2536,7 +2542,7 @@
           <a:p>
             <a:fld id="{37BF490E-74C7-1845-993F-5424142D85D8}" type="datetimeFigureOut">
               <a:rPr lang="en-US" smtClean="0"/>
-              <a:t>12/4/24</a:t>
+              <a:t>12/10/24</a:t>
             </a:fld>
             <a:endParaRPr lang="en-US"/>
           </a:p>
@@ -2849,7 +2855,7 @@
           <a:p>
             <a:fld id="{37BF490E-74C7-1845-993F-5424142D85D8}" type="datetimeFigureOut">
               <a:rPr lang="en-US" smtClean="0"/>
-              <a:t>12/4/24</a:t>
+              <a:t>12/10/24</a:t>
             </a:fld>
             <a:endParaRPr lang="en-US"/>
           </a:p>
@@ -3138,7 +3144,7 @@
           <a:p>
             <a:fld id="{37BF490E-74C7-1845-993F-5424142D85D8}" type="datetimeFigureOut">
               <a:rPr lang="en-US" smtClean="0"/>
-              <a:t>12/4/24</a:t>
+              <a:t>12/10/24</a:t>
             </a:fld>
             <a:endParaRPr lang="en-US"/>
           </a:p>
@@ -3381,7 +3387,7 @@
           <a:p>
             <a:fld id="{37BF490E-74C7-1845-993F-5424142D85D8}" type="datetimeFigureOut">
               <a:rPr lang="en-US" smtClean="0"/>
-              <a:t>12/4/24</a:t>
+              <a:t>12/10/24</a:t>
             </a:fld>
             <a:endParaRPr lang="en-US"/>
           </a:p>
@@ -7202,7 +7208,7 @@
         </p:nvSpPr>
         <p:spPr>
           <a:xfrm>
-            <a:off x="1036320" y="0"/>
+            <a:off x="1140015" y="88960"/>
             <a:ext cx="9727474" cy="646331"/>
           </a:xfrm>
           <a:prstGeom prst="rect">
@@ -7219,331 +7225,11 @@
             <a:pPr algn="ctr"/>
             <a:r>
               <a:rPr lang="en-US" sz="3600" b="1" dirty="0"/>
-              <a:t>Add &amp; Animate Text</a:t>
+              <a:t>Color Tab : Color Wheel</a:t>
             </a:r>
           </a:p>
         </p:txBody>
       </p:sp>
-      <p:graphicFrame>
-        <p:nvGraphicFramePr>
-          <p:cNvPr id="3" name="Table 2">
-            <a:extLst>
-              <a:ext uri="{FF2B5EF4-FFF2-40B4-BE49-F238E27FC236}">
-                <a16:creationId xmlns:a16="http://schemas.microsoft.com/office/drawing/2014/main" id="{2E522E78-9008-3706-97BE-E3E422FB83A3}"/>
-              </a:ext>
-            </a:extLst>
-          </p:cNvPr>
-          <p:cNvGraphicFramePr>
-            <a:graphicFrameLocks noGrp="1"/>
-          </p:cNvGraphicFramePr>
-          <p:nvPr>
-            <p:extLst>
-              <p:ext uri="{D42A27DB-BD31-4B8C-83A1-F6EECF244321}">
-                <p14:modId xmlns:p14="http://schemas.microsoft.com/office/powerpoint/2010/main" val="1567110678"/>
-              </p:ext>
-            </p:extLst>
-          </p:nvPr>
-        </p:nvGraphicFramePr>
-        <p:xfrm>
-          <a:off x="583473" y="646331"/>
-          <a:ext cx="11025054" cy="2194560"/>
-        </p:xfrm>
-        <a:graphic>
-          <a:graphicData uri="http://schemas.openxmlformats.org/drawingml/2006/table">
-            <a:tbl>
-              <a:tblPr firstRow="1" bandRow="1">
-                <a:tableStyleId>{5C22544A-7EE6-4342-B048-85BDC9FD1C3A}</a:tableStyleId>
-              </a:tblPr>
-              <a:tblGrid>
-                <a:gridCol w="5512527">
-                  <a:extLst>
-                    <a:ext uri="{9D8B030D-6E8A-4147-A177-3AD203B41FA5}">
-                      <a16:colId xmlns:a16="http://schemas.microsoft.com/office/drawing/2014/main" val="1154084783"/>
-                    </a:ext>
-                  </a:extLst>
-                </a:gridCol>
-                <a:gridCol w="5512527">
-                  <a:extLst>
-                    <a:ext uri="{9D8B030D-6E8A-4147-A177-3AD203B41FA5}">
-                      <a16:colId xmlns:a16="http://schemas.microsoft.com/office/drawing/2014/main" val="1334558778"/>
-                    </a:ext>
-                  </a:extLst>
-                </a:gridCol>
-              </a:tblGrid>
-              <a:tr h="254063">
-                <a:tc>
-                  <a:txBody>
-                    <a:bodyPr/>
-                    <a:lstStyle/>
-                    <a:p>
-                      <a:r>
-                        <a:rPr lang="en-US" dirty="0"/>
-                        <a:t>Shortcuts</a:t>
-                      </a:r>
-                    </a:p>
-                  </a:txBody>
-                  <a:tcPr/>
-                </a:tc>
-                <a:tc>
-                  <a:txBody>
-                    <a:bodyPr/>
-                    <a:lstStyle/>
-                    <a:p>
-                      <a:r>
-                        <a:rPr lang="en-US" dirty="0"/>
-                        <a:t>Action</a:t>
-                      </a:r>
-                    </a:p>
-                  </a:txBody>
-                  <a:tcPr/>
-                </a:tc>
-                <a:extLst>
-                  <a:ext uri="{0D108BD9-81ED-4DB2-BD59-A6C34878D82A}">
-                    <a16:rowId xmlns:a16="http://schemas.microsoft.com/office/drawing/2014/main" val="1839680496"/>
-                  </a:ext>
-                </a:extLst>
-              </a:tr>
-              <a:tr h="254063">
-                <a:tc>
-                  <a:txBody>
-                    <a:bodyPr/>
-                    <a:lstStyle/>
-                    <a:p>
-                      <a:endParaRPr lang="en-US" dirty="0"/>
-                    </a:p>
-                  </a:txBody>
-                  <a:tcPr/>
-                </a:tc>
-                <a:tc>
-                  <a:txBody>
-                    <a:bodyPr/>
-                    <a:lstStyle/>
-                    <a:p>
-                      <a:endParaRPr lang="en-US" dirty="0"/>
-                    </a:p>
-                  </a:txBody>
-                  <a:tcPr/>
-                </a:tc>
-                <a:extLst>
-                  <a:ext uri="{0D108BD9-81ED-4DB2-BD59-A6C34878D82A}">
-                    <a16:rowId xmlns:a16="http://schemas.microsoft.com/office/drawing/2014/main" val="2615268130"/>
-                  </a:ext>
-                </a:extLst>
-              </a:tr>
-              <a:tr h="145153">
-                <a:tc>
-                  <a:txBody>
-                    <a:bodyPr/>
-                    <a:lstStyle/>
-                    <a:p>
-                      <a:pPr marL="0" marR="0" lvl="0" indent="0" algn="l" defTabSz="914400" rtl="0" eaLnBrk="1" fontAlgn="auto" latinLnBrk="0" hangingPunct="1">
-                        <a:lnSpc>
-                          <a:spcPct val="100000"/>
-                        </a:lnSpc>
-                        <a:spcBef>
-                          <a:spcPts val="0"/>
-                        </a:spcBef>
-                        <a:spcAft>
-                          <a:spcPts val="0"/>
-                        </a:spcAft>
-                        <a:buClrTx/>
-                        <a:buSzTx/>
-                        <a:buFontTx/>
-                        <a:buNone/>
-                        <a:tabLst/>
-                        <a:defRPr/>
-                      </a:pPr>
-                      <a:endParaRPr lang="en-US" dirty="0"/>
-                    </a:p>
-                  </a:txBody>
-                  <a:tcPr/>
-                </a:tc>
-                <a:tc>
-                  <a:txBody>
-                    <a:bodyPr/>
-                    <a:lstStyle/>
-                    <a:p>
-                      <a:pPr marL="0" marR="0" lvl="0" indent="0" algn="l" defTabSz="914400" rtl="0" eaLnBrk="1" fontAlgn="auto" latinLnBrk="0" hangingPunct="1">
-                        <a:lnSpc>
-                          <a:spcPct val="100000"/>
-                        </a:lnSpc>
-                        <a:spcBef>
-                          <a:spcPts val="0"/>
-                        </a:spcBef>
-                        <a:spcAft>
-                          <a:spcPts val="0"/>
-                        </a:spcAft>
-                        <a:buClrTx/>
-                        <a:buSzTx/>
-                        <a:buFontTx/>
-                        <a:buNone/>
-                        <a:tabLst/>
-                        <a:defRPr/>
-                      </a:pPr>
-                      <a:endParaRPr lang="en-US" dirty="0"/>
-                    </a:p>
-                  </a:txBody>
-                  <a:tcPr/>
-                </a:tc>
-                <a:extLst>
-                  <a:ext uri="{0D108BD9-81ED-4DB2-BD59-A6C34878D82A}">
-                    <a16:rowId xmlns:a16="http://schemas.microsoft.com/office/drawing/2014/main" val="1867109100"/>
-                  </a:ext>
-                </a:extLst>
-              </a:tr>
-              <a:tr h="254063">
-                <a:tc>
-                  <a:txBody>
-                    <a:bodyPr/>
-                    <a:lstStyle/>
-                    <a:p>
-                      <a:endParaRPr lang="en-US" dirty="0"/>
-                    </a:p>
-                  </a:txBody>
-                  <a:tcPr/>
-                </a:tc>
-                <a:tc>
-                  <a:txBody>
-                    <a:bodyPr/>
-                    <a:lstStyle/>
-                    <a:p>
-                      <a:endParaRPr lang="en-US" dirty="0"/>
-                    </a:p>
-                  </a:txBody>
-                  <a:tcPr/>
-                </a:tc>
-                <a:extLst>
-                  <a:ext uri="{0D108BD9-81ED-4DB2-BD59-A6C34878D82A}">
-                    <a16:rowId xmlns:a16="http://schemas.microsoft.com/office/drawing/2014/main" val="2318777967"/>
-                  </a:ext>
-                </a:extLst>
-              </a:tr>
-              <a:tr h="254063">
-                <a:tc>
-                  <a:txBody>
-                    <a:bodyPr/>
-                    <a:lstStyle/>
-                    <a:p>
-                      <a:pPr marL="0" marR="0" lvl="0" indent="0" algn="l" defTabSz="914400" rtl="0" eaLnBrk="1" fontAlgn="auto" latinLnBrk="0" hangingPunct="1">
-                        <a:lnSpc>
-                          <a:spcPct val="100000"/>
-                        </a:lnSpc>
-                        <a:spcBef>
-                          <a:spcPts val="0"/>
-                        </a:spcBef>
-                        <a:spcAft>
-                          <a:spcPts val="0"/>
-                        </a:spcAft>
-                        <a:buClrTx/>
-                        <a:buSzTx/>
-                        <a:buFontTx/>
-                        <a:buNone/>
-                        <a:tabLst/>
-                        <a:defRPr/>
-                      </a:pPr>
-                      <a:endParaRPr lang="en-US" dirty="0"/>
-                    </a:p>
-                  </a:txBody>
-                  <a:tcPr/>
-                </a:tc>
-                <a:tc>
-                  <a:txBody>
-                    <a:bodyPr/>
-                    <a:lstStyle/>
-                    <a:p>
-                      <a:pPr marL="0" marR="0" lvl="0" indent="0" algn="l" defTabSz="914400" rtl="0" eaLnBrk="1" fontAlgn="auto" latinLnBrk="0" hangingPunct="1">
-                        <a:lnSpc>
-                          <a:spcPct val="100000"/>
-                        </a:lnSpc>
-                        <a:spcBef>
-                          <a:spcPts val="0"/>
-                        </a:spcBef>
-                        <a:spcAft>
-                          <a:spcPts val="0"/>
-                        </a:spcAft>
-                        <a:buClrTx/>
-                        <a:buSzTx/>
-                        <a:buFontTx/>
-                        <a:buNone/>
-                        <a:tabLst/>
-                        <a:defRPr/>
-                      </a:pPr>
-                      <a:endParaRPr lang="en-US" dirty="0"/>
-                    </a:p>
-                  </a:txBody>
-                  <a:tcPr/>
-                </a:tc>
-                <a:extLst>
-                  <a:ext uri="{0D108BD9-81ED-4DB2-BD59-A6C34878D82A}">
-                    <a16:rowId xmlns:a16="http://schemas.microsoft.com/office/drawing/2014/main" val="1102483375"/>
-                  </a:ext>
-                </a:extLst>
-              </a:tr>
-              <a:tr h="254063">
-                <a:tc>
-                  <a:txBody>
-                    <a:bodyPr/>
-                    <a:lstStyle/>
-                    <a:p>
-                      <a:pPr marL="0" marR="0" lvl="0" indent="0" algn="l" defTabSz="914400" rtl="0" eaLnBrk="1" fontAlgn="auto" latinLnBrk="0" hangingPunct="1">
-                        <a:lnSpc>
-                          <a:spcPct val="100000"/>
-                        </a:lnSpc>
-                        <a:spcBef>
-                          <a:spcPts val="0"/>
-                        </a:spcBef>
-                        <a:spcAft>
-                          <a:spcPts val="0"/>
-                        </a:spcAft>
-                        <a:buClrTx/>
-                        <a:buSzTx/>
-                        <a:buFontTx/>
-                        <a:buNone/>
-                        <a:tabLst/>
-                        <a:defRPr/>
-                      </a:pPr>
-                      <a:endParaRPr lang="en-US" dirty="0"/>
-                    </a:p>
-                  </a:txBody>
-                  <a:tcPr/>
-                </a:tc>
-                <a:tc>
-                  <a:txBody>
-                    <a:bodyPr/>
-                    <a:lstStyle/>
-                    <a:p>
-                      <a:pPr marL="0" marR="0" lvl="0" indent="0" algn="l" defTabSz="914400" rtl="0" eaLnBrk="1" fontAlgn="auto" latinLnBrk="0" hangingPunct="1">
-                        <a:lnSpc>
-                          <a:spcPct val="100000"/>
-                        </a:lnSpc>
-                        <a:spcBef>
-                          <a:spcPts val="0"/>
-                        </a:spcBef>
-                        <a:spcAft>
-                          <a:spcPts val="0"/>
-                        </a:spcAft>
-                        <a:buClrTx/>
-                        <a:buSzTx/>
-                        <a:buFontTx/>
-                        <a:buNone/>
-                        <a:tabLst/>
-                        <a:defRPr/>
-                      </a:pPr>
-                      <a:endParaRPr lang="en-US" dirty="0"/>
-                    </a:p>
-                  </a:txBody>
-                  <a:tcPr/>
-                </a:tc>
-                <a:extLst>
-                  <a:ext uri="{0D108BD9-81ED-4DB2-BD59-A6C34878D82A}">
-                    <a16:rowId xmlns:a16="http://schemas.microsoft.com/office/drawing/2014/main" val="1406528066"/>
-                  </a:ext>
-                </a:extLst>
-              </a:tr>
-            </a:tbl>
-          </a:graphicData>
-        </a:graphic>
-      </p:graphicFrame>
       <p:sp>
         <p:nvSpPr>
           <p:cNvPr id="4" name="TextBox 3">
@@ -7558,7 +7244,7 @@
         </p:nvSpPr>
         <p:spPr>
           <a:xfrm>
-            <a:off x="11652069" y="6426926"/>
+            <a:off x="11755764" y="7162217"/>
             <a:ext cx="184731" cy="369332"/>
           </a:xfrm>
           <a:prstGeom prst="rect">
@@ -7573,6 +7259,490 @@
           <a:lstStyle/>
           <a:p>
             <a:endParaRPr lang="en-US"/>
+          </a:p>
+        </p:txBody>
+      </p:sp>
+      <p:pic>
+        <p:nvPicPr>
+          <p:cNvPr id="5" name="Picture 4">
+            <a:extLst>
+              <a:ext uri="{FF2B5EF4-FFF2-40B4-BE49-F238E27FC236}">
+                <a16:creationId xmlns:a16="http://schemas.microsoft.com/office/drawing/2014/main" id="{2D7409B4-3277-0952-BB68-9C5199C704F5}"/>
+              </a:ext>
+            </a:extLst>
+          </p:cNvPr>
+          <p:cNvPicPr>
+            <a:picLocks noChangeAspect="1"/>
+          </p:cNvPicPr>
+          <p:nvPr/>
+        </p:nvPicPr>
+        <p:blipFill>
+          <a:blip r:embed="rId2"/>
+          <a:stretch>
+            <a:fillRect/>
+          </a:stretch>
+        </p:blipFill>
+        <p:spPr>
+          <a:xfrm>
+            <a:off x="2117552" y="2052417"/>
+            <a:ext cx="7772400" cy="3639286"/>
+          </a:xfrm>
+          <a:prstGeom prst="rect">
+            <a:avLst/>
+          </a:prstGeom>
+        </p:spPr>
+      </p:pic>
+      <p:cxnSp>
+        <p:nvCxnSpPr>
+          <p:cNvPr id="7" name="Straight Arrow Connector 6">
+            <a:extLst>
+              <a:ext uri="{FF2B5EF4-FFF2-40B4-BE49-F238E27FC236}">
+                <a16:creationId xmlns:a16="http://schemas.microsoft.com/office/drawing/2014/main" id="{D588DE70-B381-F2DE-F86F-C3138EDD8465}"/>
+              </a:ext>
+            </a:extLst>
+          </p:cNvPr>
+          <p:cNvCxnSpPr/>
+          <p:nvPr/>
+        </p:nvCxnSpPr>
+        <p:spPr>
+          <a:xfrm flipH="1">
+            <a:off x="1630837" y="3318235"/>
+            <a:ext cx="1319753" cy="0"/>
+          </a:xfrm>
+          <a:prstGeom prst="straightConnector1">
+            <a:avLst/>
+          </a:prstGeom>
+          <a:ln>
+            <a:tailEnd type="triangle"/>
+          </a:ln>
+        </p:spPr>
+        <p:style>
+          <a:lnRef idx="2">
+            <a:schemeClr val="accent5"/>
+          </a:lnRef>
+          <a:fillRef idx="0">
+            <a:schemeClr val="accent5"/>
+          </a:fillRef>
+          <a:effectRef idx="1">
+            <a:schemeClr val="accent5"/>
+          </a:effectRef>
+          <a:fontRef idx="minor">
+            <a:schemeClr val="tx1"/>
+          </a:fontRef>
+        </p:style>
+      </p:cxnSp>
+      <p:sp>
+        <p:nvSpPr>
+          <p:cNvPr id="8" name="TextBox 7">
+            <a:extLst>
+              <a:ext uri="{FF2B5EF4-FFF2-40B4-BE49-F238E27FC236}">
+                <a16:creationId xmlns:a16="http://schemas.microsoft.com/office/drawing/2014/main" id="{AE4E6DD4-3D48-A842-30A0-99C3F9F770D2}"/>
+              </a:ext>
+            </a:extLst>
+          </p:cNvPr>
+          <p:cNvSpPr txBox="1"/>
+          <p:nvPr/>
+        </p:nvSpPr>
+        <p:spPr>
+          <a:xfrm>
+            <a:off x="780921" y="3133569"/>
+            <a:ext cx="985526" cy="369332"/>
+          </a:xfrm>
+          <a:prstGeom prst="rect">
+            <a:avLst/>
+          </a:prstGeom>
+          <a:noFill/>
+        </p:spPr>
+        <p:txBody>
+          <a:bodyPr wrap="none" rtlCol="0">
+            <a:spAutoFit/>
+          </a:bodyPr>
+          <a:lstStyle/>
+          <a:p>
+            <a:r>
+              <a:rPr lang="en-US" dirty="0"/>
+              <a:t>Shadow</a:t>
+            </a:r>
+          </a:p>
+        </p:txBody>
+      </p:sp>
+      <p:cxnSp>
+        <p:nvCxnSpPr>
+          <p:cNvPr id="9" name="Straight Arrow Connector 8">
+            <a:extLst>
+              <a:ext uri="{FF2B5EF4-FFF2-40B4-BE49-F238E27FC236}">
+                <a16:creationId xmlns:a16="http://schemas.microsoft.com/office/drawing/2014/main" id="{201DD183-EDEC-9212-F95C-ADB2DE931ADC}"/>
+              </a:ext>
+            </a:extLst>
+          </p:cNvPr>
+          <p:cNvCxnSpPr>
+            <a:cxnSpLocks/>
+          </p:cNvCxnSpPr>
+          <p:nvPr/>
+        </p:nvCxnSpPr>
+        <p:spPr>
+          <a:xfrm flipH="1" flipV="1">
+            <a:off x="4001724" y="1168217"/>
+            <a:ext cx="985056" cy="2057400"/>
+          </a:xfrm>
+          <a:prstGeom prst="straightConnector1">
+            <a:avLst/>
+          </a:prstGeom>
+          <a:ln>
+            <a:tailEnd type="triangle"/>
+          </a:ln>
+        </p:spPr>
+        <p:style>
+          <a:lnRef idx="2">
+            <a:schemeClr val="accent5"/>
+          </a:lnRef>
+          <a:fillRef idx="0">
+            <a:schemeClr val="accent5"/>
+          </a:fillRef>
+          <a:effectRef idx="1">
+            <a:schemeClr val="accent5"/>
+          </a:effectRef>
+          <a:fontRef idx="minor">
+            <a:schemeClr val="tx1"/>
+          </a:fontRef>
+        </p:style>
+      </p:cxnSp>
+      <p:sp>
+        <p:nvSpPr>
+          <p:cNvPr id="11" name="TextBox 10">
+            <a:extLst>
+              <a:ext uri="{FF2B5EF4-FFF2-40B4-BE49-F238E27FC236}">
+                <a16:creationId xmlns:a16="http://schemas.microsoft.com/office/drawing/2014/main" id="{7CEE8F9C-0E68-8928-74C3-6959F18F1653}"/>
+              </a:ext>
+            </a:extLst>
+          </p:cNvPr>
+          <p:cNvSpPr txBox="1"/>
+          <p:nvPr/>
+        </p:nvSpPr>
+        <p:spPr>
+          <a:xfrm>
+            <a:off x="3010476" y="1019584"/>
+            <a:ext cx="1065484" cy="369332"/>
+          </a:xfrm>
+          <a:prstGeom prst="rect">
+            <a:avLst/>
+          </a:prstGeom>
+          <a:noFill/>
+        </p:spPr>
+        <p:txBody>
+          <a:bodyPr wrap="none" rtlCol="0">
+            <a:spAutoFit/>
+          </a:bodyPr>
+          <a:lstStyle/>
+          <a:p>
+            <a:r>
+              <a:rPr lang="en-US" dirty="0"/>
+              <a:t>Mid Tone</a:t>
+            </a:r>
+          </a:p>
+        </p:txBody>
+      </p:sp>
+      <p:cxnSp>
+        <p:nvCxnSpPr>
+          <p:cNvPr id="13" name="Straight Arrow Connector 12">
+            <a:extLst>
+              <a:ext uri="{FF2B5EF4-FFF2-40B4-BE49-F238E27FC236}">
+                <a16:creationId xmlns:a16="http://schemas.microsoft.com/office/drawing/2014/main" id="{3D764F6D-8DEE-7E8F-DBB2-C8A151700CD2}"/>
+              </a:ext>
+            </a:extLst>
+          </p:cNvPr>
+          <p:cNvCxnSpPr>
+            <a:cxnSpLocks/>
+          </p:cNvCxnSpPr>
+          <p:nvPr/>
+        </p:nvCxnSpPr>
+        <p:spPr>
+          <a:xfrm flipV="1">
+            <a:off x="6870952" y="1243122"/>
+            <a:ext cx="906162" cy="1982495"/>
+          </a:xfrm>
+          <a:prstGeom prst="straightConnector1">
+            <a:avLst/>
+          </a:prstGeom>
+          <a:ln>
+            <a:tailEnd type="triangle"/>
+          </a:ln>
+        </p:spPr>
+        <p:style>
+          <a:lnRef idx="2">
+            <a:schemeClr val="accent5"/>
+          </a:lnRef>
+          <a:fillRef idx="0">
+            <a:schemeClr val="accent5"/>
+          </a:fillRef>
+          <a:effectRef idx="1">
+            <a:schemeClr val="accent5"/>
+          </a:effectRef>
+          <a:fontRef idx="minor">
+            <a:schemeClr val="tx1"/>
+          </a:fontRef>
+        </p:style>
+      </p:cxnSp>
+      <p:sp>
+        <p:nvSpPr>
+          <p:cNvPr id="15" name="TextBox 14">
+            <a:extLst>
+              <a:ext uri="{FF2B5EF4-FFF2-40B4-BE49-F238E27FC236}">
+                <a16:creationId xmlns:a16="http://schemas.microsoft.com/office/drawing/2014/main" id="{FD1E9217-BF9C-7774-DE70-C4F1A19EA9FA}"/>
+              </a:ext>
+            </a:extLst>
+          </p:cNvPr>
+          <p:cNvSpPr txBox="1"/>
+          <p:nvPr/>
+        </p:nvSpPr>
+        <p:spPr>
+          <a:xfrm>
+            <a:off x="7725313" y="1065750"/>
+            <a:ext cx="1227324" cy="369332"/>
+          </a:xfrm>
+          <a:prstGeom prst="rect">
+            <a:avLst/>
+          </a:prstGeom>
+          <a:noFill/>
+        </p:spPr>
+        <p:txBody>
+          <a:bodyPr wrap="none" rtlCol="0">
+            <a:spAutoFit/>
+          </a:bodyPr>
+          <a:lstStyle/>
+          <a:p>
+            <a:r>
+              <a:rPr lang="en-US" dirty="0"/>
+              <a:t>Highlights </a:t>
+            </a:r>
+          </a:p>
+        </p:txBody>
+      </p:sp>
+      <p:cxnSp>
+        <p:nvCxnSpPr>
+          <p:cNvPr id="16" name="Straight Arrow Connector 15">
+            <a:extLst>
+              <a:ext uri="{FF2B5EF4-FFF2-40B4-BE49-F238E27FC236}">
+                <a16:creationId xmlns:a16="http://schemas.microsoft.com/office/drawing/2014/main" id="{413FB862-5F3D-BAB6-780B-1C10D4AB8FA2}"/>
+              </a:ext>
+            </a:extLst>
+          </p:cNvPr>
+          <p:cNvCxnSpPr>
+            <a:cxnSpLocks/>
+          </p:cNvCxnSpPr>
+          <p:nvPr/>
+        </p:nvCxnSpPr>
+        <p:spPr>
+          <a:xfrm flipV="1">
+            <a:off x="8879180" y="1435082"/>
+            <a:ext cx="1460330" cy="1790535"/>
+          </a:xfrm>
+          <a:prstGeom prst="straightConnector1">
+            <a:avLst/>
+          </a:prstGeom>
+          <a:ln>
+            <a:tailEnd type="triangle"/>
+          </a:ln>
+        </p:spPr>
+        <p:style>
+          <a:lnRef idx="2">
+            <a:schemeClr val="accent5"/>
+          </a:lnRef>
+          <a:fillRef idx="0">
+            <a:schemeClr val="accent5"/>
+          </a:fillRef>
+          <a:effectRef idx="1">
+            <a:schemeClr val="accent5"/>
+          </a:effectRef>
+          <a:fontRef idx="minor">
+            <a:schemeClr val="tx1"/>
+          </a:fontRef>
+        </p:style>
+      </p:cxnSp>
+      <p:sp>
+        <p:nvSpPr>
+          <p:cNvPr id="18" name="TextBox 17">
+            <a:extLst>
+              <a:ext uri="{FF2B5EF4-FFF2-40B4-BE49-F238E27FC236}">
+                <a16:creationId xmlns:a16="http://schemas.microsoft.com/office/drawing/2014/main" id="{8B69BF31-4E98-8E21-5879-5E199CD8C586}"/>
+              </a:ext>
+            </a:extLst>
+          </p:cNvPr>
+          <p:cNvSpPr txBox="1"/>
+          <p:nvPr/>
+        </p:nvSpPr>
+        <p:spPr>
+          <a:xfrm>
+            <a:off x="10248245" y="1250416"/>
+            <a:ext cx="888898" cy="369332"/>
+          </a:xfrm>
+          <a:prstGeom prst="rect">
+            <a:avLst/>
+          </a:prstGeom>
+          <a:noFill/>
+        </p:spPr>
+        <p:txBody>
+          <a:bodyPr wrap="none" rtlCol="0">
+            <a:spAutoFit/>
+          </a:bodyPr>
+          <a:lstStyle/>
+          <a:p>
+            <a:r>
+              <a:rPr lang="en-US" dirty="0"/>
+              <a:t>Overall</a:t>
+            </a:r>
+          </a:p>
+        </p:txBody>
+      </p:sp>
+      <p:cxnSp>
+        <p:nvCxnSpPr>
+          <p:cNvPr id="19" name="Straight Arrow Connector 18">
+            <a:extLst>
+              <a:ext uri="{FF2B5EF4-FFF2-40B4-BE49-F238E27FC236}">
+                <a16:creationId xmlns:a16="http://schemas.microsoft.com/office/drawing/2014/main" id="{7C546B05-F09A-0BAB-29CD-388E1078B7E9}"/>
+              </a:ext>
+            </a:extLst>
+          </p:cNvPr>
+          <p:cNvCxnSpPr>
+            <a:cxnSpLocks/>
+          </p:cNvCxnSpPr>
+          <p:nvPr/>
+        </p:nvCxnSpPr>
+        <p:spPr>
+          <a:xfrm flipH="1">
+            <a:off x="1362656" y="5062888"/>
+            <a:ext cx="1146782" cy="184666"/>
+          </a:xfrm>
+          <a:prstGeom prst="straightConnector1">
+            <a:avLst/>
+          </a:prstGeom>
+          <a:ln>
+            <a:tailEnd type="triangle"/>
+          </a:ln>
+        </p:spPr>
+        <p:style>
+          <a:lnRef idx="2">
+            <a:schemeClr val="accent5"/>
+          </a:lnRef>
+          <a:fillRef idx="0">
+            <a:schemeClr val="accent5"/>
+          </a:fillRef>
+          <a:effectRef idx="1">
+            <a:schemeClr val="accent5"/>
+          </a:effectRef>
+          <a:fontRef idx="minor">
+            <a:schemeClr val="tx1"/>
+          </a:fontRef>
+        </p:style>
+      </p:cxnSp>
+      <p:sp>
+        <p:nvSpPr>
+          <p:cNvPr id="24" name="TextBox 23">
+            <a:extLst>
+              <a:ext uri="{FF2B5EF4-FFF2-40B4-BE49-F238E27FC236}">
+                <a16:creationId xmlns:a16="http://schemas.microsoft.com/office/drawing/2014/main" id="{B82B9921-ED2E-F0EF-65D3-279B495F856F}"/>
+              </a:ext>
+            </a:extLst>
+          </p:cNvPr>
+          <p:cNvSpPr txBox="1"/>
+          <p:nvPr/>
+        </p:nvSpPr>
+        <p:spPr>
+          <a:xfrm>
+            <a:off x="206589" y="5062888"/>
+            <a:ext cx="1242648" cy="369332"/>
+          </a:xfrm>
+          <a:prstGeom prst="rect">
+            <a:avLst/>
+          </a:prstGeom>
+          <a:noFill/>
+        </p:spPr>
+        <p:txBody>
+          <a:bodyPr wrap="none" rtlCol="0">
+            <a:spAutoFit/>
+          </a:bodyPr>
+          <a:lstStyle/>
+          <a:p>
+            <a:r>
+              <a:rPr lang="en-US" dirty="0"/>
+              <a:t>Brightness</a:t>
+            </a:r>
+          </a:p>
+        </p:txBody>
+      </p:sp>
+      <p:cxnSp>
+        <p:nvCxnSpPr>
+          <p:cNvPr id="26" name="Straight Arrow Connector 25">
+            <a:extLst>
+              <a:ext uri="{FF2B5EF4-FFF2-40B4-BE49-F238E27FC236}">
+                <a16:creationId xmlns:a16="http://schemas.microsoft.com/office/drawing/2014/main" id="{17094C72-FD4C-A017-10AC-F1C2AF18CAB7}"/>
+              </a:ext>
+            </a:extLst>
+          </p:cNvPr>
+          <p:cNvCxnSpPr>
+            <a:cxnSpLocks/>
+          </p:cNvCxnSpPr>
+          <p:nvPr/>
+        </p:nvCxnSpPr>
+        <p:spPr>
+          <a:xfrm flipH="1">
+            <a:off x="7777114" y="5599370"/>
+            <a:ext cx="1021574" cy="709668"/>
+          </a:xfrm>
+          <a:prstGeom prst="straightConnector1">
+            <a:avLst/>
+          </a:prstGeom>
+          <a:ln>
+            <a:tailEnd type="triangle"/>
+          </a:ln>
+        </p:spPr>
+        <p:style>
+          <a:lnRef idx="2">
+            <a:schemeClr val="accent5"/>
+          </a:lnRef>
+          <a:fillRef idx="0">
+            <a:schemeClr val="accent5"/>
+          </a:fillRef>
+          <a:effectRef idx="1">
+            <a:schemeClr val="accent5"/>
+          </a:effectRef>
+          <a:fontRef idx="minor">
+            <a:schemeClr val="tx1"/>
+          </a:fontRef>
+        </p:style>
+      </p:cxnSp>
+      <p:sp>
+        <p:nvSpPr>
+          <p:cNvPr id="28" name="TextBox 27">
+            <a:extLst>
+              <a:ext uri="{FF2B5EF4-FFF2-40B4-BE49-F238E27FC236}">
+                <a16:creationId xmlns:a16="http://schemas.microsoft.com/office/drawing/2014/main" id="{AECEFE52-250F-B45F-C1AA-AEAFB08DFE9E}"/>
+              </a:ext>
+            </a:extLst>
+          </p:cNvPr>
+          <p:cNvSpPr txBox="1"/>
+          <p:nvPr/>
+        </p:nvSpPr>
+        <p:spPr>
+          <a:xfrm>
+            <a:off x="6996964" y="6184783"/>
+            <a:ext cx="1560299" cy="369332"/>
+          </a:xfrm>
+          <a:prstGeom prst="rect">
+            <a:avLst/>
+          </a:prstGeom>
+          <a:noFill/>
+        </p:spPr>
+        <p:txBody>
+          <a:bodyPr wrap="none" rtlCol="0">
+            <a:spAutoFit/>
+          </a:bodyPr>
+          <a:lstStyle/>
+          <a:p>
+            <a:r>
+              <a:rPr lang="en-US" dirty="0"/>
+              <a:t>Luminous Mix</a:t>
+            </a:r>
           </a:p>
         </p:txBody>
       </p:sp>
@@ -7692,10 +7862,980 @@
           </a:p>
         </p:txBody>
       </p:sp>
+      <p:sp>
+        <p:nvSpPr>
+          <p:cNvPr id="2" name="TextBox 1">
+            <a:extLst>
+              <a:ext uri="{FF2B5EF4-FFF2-40B4-BE49-F238E27FC236}">
+                <a16:creationId xmlns:a16="http://schemas.microsoft.com/office/drawing/2014/main" id="{17E4A8AB-02DD-15F0-3409-0020D3A9B3A8}"/>
+              </a:ext>
+            </a:extLst>
+          </p:cNvPr>
+          <p:cNvSpPr txBox="1"/>
+          <p:nvPr/>
+        </p:nvSpPr>
+        <p:spPr>
+          <a:xfrm>
+            <a:off x="1036320" y="7294"/>
+            <a:ext cx="9727474" cy="646331"/>
+          </a:xfrm>
+          <a:prstGeom prst="rect">
+            <a:avLst/>
+          </a:prstGeom>
+          <a:noFill/>
+        </p:spPr>
+        <p:txBody>
+          <a:bodyPr wrap="square" rtlCol="0">
+            <a:spAutoFit/>
+          </a:bodyPr>
+          <a:lstStyle/>
+          <a:p>
+            <a:pPr algn="ctr"/>
+            <a:r>
+              <a:rPr lang="en-US" sz="3600" b="1" dirty="0"/>
+              <a:t>Color Tab : Custom Curve</a:t>
+            </a:r>
+          </a:p>
+        </p:txBody>
+      </p:sp>
+      <p:pic>
+        <p:nvPicPr>
+          <p:cNvPr id="3" name="Picture 2">
+            <a:extLst>
+              <a:ext uri="{FF2B5EF4-FFF2-40B4-BE49-F238E27FC236}">
+                <a16:creationId xmlns:a16="http://schemas.microsoft.com/office/drawing/2014/main" id="{9DC7A2C1-36E6-B0C6-330E-244A38AD756A}"/>
+              </a:ext>
+            </a:extLst>
+          </p:cNvPr>
+          <p:cNvPicPr>
+            <a:picLocks noChangeAspect="1"/>
+          </p:cNvPicPr>
+          <p:nvPr/>
+        </p:nvPicPr>
+        <p:blipFill>
+          <a:blip r:embed="rId2"/>
+          <a:stretch>
+            <a:fillRect/>
+          </a:stretch>
+        </p:blipFill>
+        <p:spPr>
+          <a:xfrm>
+            <a:off x="829559" y="653625"/>
+            <a:ext cx="8806173" cy="5500470"/>
+          </a:xfrm>
+          <a:prstGeom prst="rect">
+            <a:avLst/>
+          </a:prstGeom>
+        </p:spPr>
+      </p:pic>
+      <p:sp>
+        <p:nvSpPr>
+          <p:cNvPr id="7" name="TextBox 6">
+            <a:extLst>
+              <a:ext uri="{FF2B5EF4-FFF2-40B4-BE49-F238E27FC236}">
+                <a16:creationId xmlns:a16="http://schemas.microsoft.com/office/drawing/2014/main" id="{6E3F7FE9-F62A-F7C5-640D-CCDAC396345B}"/>
+              </a:ext>
+            </a:extLst>
+          </p:cNvPr>
+          <p:cNvSpPr txBox="1"/>
+          <p:nvPr/>
+        </p:nvSpPr>
+        <p:spPr>
+          <a:xfrm>
+            <a:off x="4699903" y="6128861"/>
+            <a:ext cx="1065484" cy="369332"/>
+          </a:xfrm>
+          <a:prstGeom prst="rect">
+            <a:avLst/>
+          </a:prstGeom>
+          <a:noFill/>
+        </p:spPr>
+        <p:txBody>
+          <a:bodyPr wrap="none" rtlCol="0">
+            <a:spAutoFit/>
+          </a:bodyPr>
+          <a:lstStyle/>
+          <a:p>
+            <a:r>
+              <a:rPr lang="en-US" dirty="0"/>
+              <a:t>Mid Tone</a:t>
+            </a:r>
+          </a:p>
+        </p:txBody>
+      </p:sp>
+      <p:sp>
+        <p:nvSpPr>
+          <p:cNvPr id="8" name="TextBox 7">
+            <a:extLst>
+              <a:ext uri="{FF2B5EF4-FFF2-40B4-BE49-F238E27FC236}">
+                <a16:creationId xmlns:a16="http://schemas.microsoft.com/office/drawing/2014/main" id="{65D330B8-0019-3F5B-B7B7-138253613DD7}"/>
+              </a:ext>
+            </a:extLst>
+          </p:cNvPr>
+          <p:cNvSpPr txBox="1"/>
+          <p:nvPr/>
+        </p:nvSpPr>
+        <p:spPr>
+          <a:xfrm>
+            <a:off x="8674197" y="6128861"/>
+            <a:ext cx="1227324" cy="369332"/>
+          </a:xfrm>
+          <a:prstGeom prst="rect">
+            <a:avLst/>
+          </a:prstGeom>
+          <a:noFill/>
+        </p:spPr>
+        <p:txBody>
+          <a:bodyPr wrap="none" rtlCol="0">
+            <a:spAutoFit/>
+          </a:bodyPr>
+          <a:lstStyle/>
+          <a:p>
+            <a:r>
+              <a:rPr lang="en-US" dirty="0"/>
+              <a:t>Highlights </a:t>
+            </a:r>
+          </a:p>
+        </p:txBody>
+      </p:sp>
+      <p:sp>
+        <p:nvSpPr>
+          <p:cNvPr id="9" name="TextBox 8">
+            <a:extLst>
+              <a:ext uri="{FF2B5EF4-FFF2-40B4-BE49-F238E27FC236}">
+                <a16:creationId xmlns:a16="http://schemas.microsoft.com/office/drawing/2014/main" id="{AD602C84-B97E-348D-60EE-BA7ECF2B5C61}"/>
+              </a:ext>
+            </a:extLst>
+          </p:cNvPr>
+          <p:cNvSpPr txBox="1"/>
+          <p:nvPr/>
+        </p:nvSpPr>
+        <p:spPr>
+          <a:xfrm>
+            <a:off x="722075" y="6128861"/>
+            <a:ext cx="1069018" cy="369332"/>
+          </a:xfrm>
+          <a:prstGeom prst="rect">
+            <a:avLst/>
+          </a:prstGeom>
+          <a:noFill/>
+        </p:spPr>
+        <p:txBody>
+          <a:bodyPr wrap="square" rtlCol="0">
+            <a:spAutoFit/>
+          </a:bodyPr>
+          <a:lstStyle/>
+          <a:p>
+            <a:r>
+              <a:rPr lang="en-US" dirty="0"/>
+              <a:t>Shadow </a:t>
+            </a:r>
+          </a:p>
+        </p:txBody>
+      </p:sp>
+      <p:sp>
+        <p:nvSpPr>
+          <p:cNvPr id="10" name="TextBox 9">
+            <a:extLst>
+              <a:ext uri="{FF2B5EF4-FFF2-40B4-BE49-F238E27FC236}">
+                <a16:creationId xmlns:a16="http://schemas.microsoft.com/office/drawing/2014/main" id="{7E1B18A2-E9C9-4771-E591-C963EEB133E1}"/>
+              </a:ext>
+            </a:extLst>
+          </p:cNvPr>
+          <p:cNvSpPr txBox="1"/>
+          <p:nvPr/>
+        </p:nvSpPr>
+        <p:spPr>
+          <a:xfrm>
+            <a:off x="319278" y="334573"/>
+            <a:ext cx="1227324" cy="369332"/>
+          </a:xfrm>
+          <a:prstGeom prst="rect">
+            <a:avLst/>
+          </a:prstGeom>
+          <a:noFill/>
+        </p:spPr>
+        <p:txBody>
+          <a:bodyPr wrap="none" rtlCol="0">
+            <a:spAutoFit/>
+          </a:bodyPr>
+          <a:lstStyle/>
+          <a:p>
+            <a:r>
+              <a:rPr lang="en-US" dirty="0"/>
+              <a:t>Highlights </a:t>
+            </a:r>
+          </a:p>
+        </p:txBody>
+      </p:sp>
+      <p:sp>
+        <p:nvSpPr>
+          <p:cNvPr id="11" name="TextBox 10">
+            <a:extLst>
+              <a:ext uri="{FF2B5EF4-FFF2-40B4-BE49-F238E27FC236}">
+                <a16:creationId xmlns:a16="http://schemas.microsoft.com/office/drawing/2014/main" id="{31934341-5B21-AEB2-903E-230DD3E8EE4F}"/>
+              </a:ext>
+            </a:extLst>
+          </p:cNvPr>
+          <p:cNvSpPr txBox="1"/>
+          <p:nvPr/>
+        </p:nvSpPr>
+        <p:spPr>
+          <a:xfrm>
+            <a:off x="-29164" y="2680222"/>
+            <a:ext cx="1065484" cy="369332"/>
+          </a:xfrm>
+          <a:prstGeom prst="rect">
+            <a:avLst/>
+          </a:prstGeom>
+          <a:noFill/>
+        </p:spPr>
+        <p:txBody>
+          <a:bodyPr wrap="none" rtlCol="0">
+            <a:spAutoFit/>
+          </a:bodyPr>
+          <a:lstStyle/>
+          <a:p>
+            <a:r>
+              <a:rPr lang="en-US" dirty="0"/>
+              <a:t>Mid Tone</a:t>
+            </a:r>
+          </a:p>
+        </p:txBody>
+      </p:sp>
     </p:spTree>
     <p:extLst>
       <p:ext uri="{BB962C8B-B14F-4D97-AF65-F5344CB8AC3E}">
         <p14:creationId xmlns:p14="http://schemas.microsoft.com/office/powerpoint/2010/main" val="3629928019"/>
+      </p:ext>
+    </p:extLst>
+  </p:cSld>
+  <p:clrMapOvr>
+    <a:masterClrMapping/>
+  </p:clrMapOvr>
+</p:sld>
+</file>
+
+<file path=ppt/slides/slide16.xml><?xml version="1.0" encoding="utf-8"?>
+<p:sld xmlns:a="http://schemas.openxmlformats.org/drawingml/2006/main" xmlns:r="http://schemas.openxmlformats.org/officeDocument/2006/relationships" xmlns:p="http://schemas.openxmlformats.org/presentationml/2006/main">
+  <p:cSld>
+    <p:bg>
+      <p:bgPr>
+        <a:solidFill>
+          <a:schemeClr val="bg1"/>
+        </a:solidFill>
+        <a:effectLst/>
+      </p:bgPr>
+    </p:bg>
+    <p:spTree>
+      <p:nvGrpSpPr>
+        <p:cNvPr id="1" name="">
+          <a:extLst>
+            <a:ext uri="{FF2B5EF4-FFF2-40B4-BE49-F238E27FC236}">
+              <a16:creationId xmlns:a16="http://schemas.microsoft.com/office/drawing/2014/main" id="{D3846EA5-972A-E243-C27B-87DE6D9D48F1}"/>
+            </a:ext>
+          </a:extLst>
+        </p:cNvPr>
+        <p:cNvGrpSpPr/>
+        <p:nvPr/>
+      </p:nvGrpSpPr>
+      <p:grpSpPr>
+        <a:xfrm>
+          <a:off x="0" y="0"/>
+          <a:ext cx="0" cy="0"/>
+          <a:chOff x="0" y="0"/>
+          <a:chExt cx="0" cy="0"/>
+        </a:xfrm>
+      </p:grpSpPr>
+      <p:sp>
+        <p:nvSpPr>
+          <p:cNvPr id="21" name="Rectangle 20">
+            <a:extLst>
+              <a:ext uri="{FF2B5EF4-FFF2-40B4-BE49-F238E27FC236}">
+                <a16:creationId xmlns:a16="http://schemas.microsoft.com/office/drawing/2014/main" id="{F9B901D4-408B-A64E-F026-359679DA3E16}"/>
+              </a:ext>
+              <a:ext uri="{C183D7F6-B498-43B3-948B-1728B52AA6E4}">
+                <adec:decorative xmlns:adec="http://schemas.microsoft.com/office/drawing/2017/decorative" val="1"/>
+              </a:ext>
+            </a:extLst>
+          </p:cNvPr>
+          <p:cNvSpPr>
+            <a:spLocks noGrp="1" noRot="1" noChangeAspect="1" noMove="1" noResize="1" noEditPoints="1" noAdjustHandles="1" noChangeArrowheads="1" noChangeShapeType="1" noTextEdit="1"/>
+          </p:cNvSpPr>
+          <p:nvPr>
+            <p:extLst>
+              <p:ext uri="{386F3935-93C4-4BCD-93E2-E3B085C9AB24}">
+                <p16:designElem xmlns:p16="http://schemas.microsoft.com/office/powerpoint/2015/main" val="1"/>
+              </p:ext>
+            </p:extLst>
+          </p:nvPr>
+        </p:nvSpPr>
+        <p:spPr>
+          <a:xfrm>
+            <a:off x="0" y="0"/>
+            <a:ext cx="12192000" cy="6858000"/>
+          </a:xfrm>
+          <a:prstGeom prst="rect">
+            <a:avLst/>
+          </a:prstGeom>
+          <a:gradFill flip="none" rotWithShape="1">
+            <a:gsLst>
+              <a:gs pos="0">
+                <a:schemeClr val="accent1"/>
+              </a:gs>
+              <a:gs pos="100000">
+                <a:schemeClr val="accent2"/>
+              </a:gs>
+            </a:gsLst>
+            <a:lin ang="2700000" scaled="1"/>
+            <a:tileRect/>
+          </a:gradFill>
+          <a:ln>
+            <a:noFill/>
+          </a:ln>
+        </p:spPr>
+        <p:style>
+          <a:lnRef idx="2">
+            <a:schemeClr val="accent1">
+              <a:shade val="50000"/>
+            </a:schemeClr>
+          </a:lnRef>
+          <a:fillRef idx="1">
+            <a:schemeClr val="accent1"/>
+          </a:fillRef>
+          <a:effectRef idx="0">
+            <a:schemeClr val="accent1"/>
+          </a:effectRef>
+          <a:fontRef idx="minor">
+            <a:schemeClr val="lt1"/>
+          </a:fontRef>
+        </p:style>
+        <p:txBody>
+          <a:bodyPr rtlCol="0" anchor="ctr"/>
+          <a:lstStyle/>
+          <a:p>
+            <a:pPr algn="ctr"/>
+            <a:endParaRPr lang="en-US"/>
+          </a:p>
+        </p:txBody>
+      </p:sp>
+      <p:sp>
+        <p:nvSpPr>
+          <p:cNvPr id="2" name="TextBox 1">
+            <a:extLst>
+              <a:ext uri="{FF2B5EF4-FFF2-40B4-BE49-F238E27FC236}">
+                <a16:creationId xmlns:a16="http://schemas.microsoft.com/office/drawing/2014/main" id="{E85FD91A-029E-80F5-7485-0CF4B0A91F43}"/>
+              </a:ext>
+            </a:extLst>
+          </p:cNvPr>
+          <p:cNvSpPr txBox="1"/>
+          <p:nvPr/>
+        </p:nvSpPr>
+        <p:spPr>
+          <a:xfrm>
+            <a:off x="807720" y="134294"/>
+            <a:ext cx="9727474" cy="646331"/>
+          </a:xfrm>
+          <a:prstGeom prst="rect">
+            <a:avLst/>
+          </a:prstGeom>
+          <a:noFill/>
+        </p:spPr>
+        <p:txBody>
+          <a:bodyPr wrap="square" rtlCol="0">
+            <a:spAutoFit/>
+          </a:bodyPr>
+          <a:lstStyle/>
+          <a:p>
+            <a:pPr algn="ctr"/>
+            <a:r>
+              <a:rPr lang="en-US" sz="3600" b="1" dirty="0"/>
+              <a:t>Color Tab :Power Window or Masking</a:t>
+            </a:r>
+          </a:p>
+        </p:txBody>
+      </p:sp>
+      <p:pic>
+        <p:nvPicPr>
+          <p:cNvPr id="3" name="Picture 2">
+            <a:extLst>
+              <a:ext uri="{FF2B5EF4-FFF2-40B4-BE49-F238E27FC236}">
+                <a16:creationId xmlns:a16="http://schemas.microsoft.com/office/drawing/2014/main" id="{6B416B39-9C6F-C0AC-5B7B-EDAA3B62E9A3}"/>
+              </a:ext>
+            </a:extLst>
+          </p:cNvPr>
+          <p:cNvPicPr>
+            <a:picLocks noChangeAspect="1"/>
+          </p:cNvPicPr>
+          <p:nvPr/>
+        </p:nvPicPr>
+        <p:blipFill>
+          <a:blip r:embed="rId2"/>
+          <a:stretch>
+            <a:fillRect/>
+          </a:stretch>
+        </p:blipFill>
+        <p:spPr>
+          <a:xfrm>
+            <a:off x="2742907" y="1195403"/>
+            <a:ext cx="7323808" cy="1679772"/>
+          </a:xfrm>
+          <a:prstGeom prst="rect">
+            <a:avLst/>
+          </a:prstGeom>
+        </p:spPr>
+      </p:pic>
+      <p:pic>
+        <p:nvPicPr>
+          <p:cNvPr id="4" name="Picture 3">
+            <a:extLst>
+              <a:ext uri="{FF2B5EF4-FFF2-40B4-BE49-F238E27FC236}">
+                <a16:creationId xmlns:a16="http://schemas.microsoft.com/office/drawing/2014/main" id="{63EA5E4A-E290-8759-543A-53D31F48127B}"/>
+              </a:ext>
+            </a:extLst>
+          </p:cNvPr>
+          <p:cNvPicPr>
+            <a:picLocks noChangeAspect="1"/>
+          </p:cNvPicPr>
+          <p:nvPr/>
+        </p:nvPicPr>
+        <p:blipFill>
+          <a:blip r:embed="rId3"/>
+          <a:stretch>
+            <a:fillRect/>
+          </a:stretch>
+        </p:blipFill>
+        <p:spPr>
+          <a:xfrm>
+            <a:off x="2742906" y="3206408"/>
+            <a:ext cx="7269761" cy="1997187"/>
+          </a:xfrm>
+          <a:prstGeom prst="rect">
+            <a:avLst/>
+          </a:prstGeom>
+        </p:spPr>
+      </p:pic>
+    </p:spTree>
+    <p:extLst>
+      <p:ext uri="{BB962C8B-B14F-4D97-AF65-F5344CB8AC3E}">
+        <p14:creationId xmlns:p14="http://schemas.microsoft.com/office/powerpoint/2010/main" val="609264626"/>
+      </p:ext>
+    </p:extLst>
+  </p:cSld>
+  <p:clrMapOvr>
+    <a:masterClrMapping/>
+  </p:clrMapOvr>
+</p:sld>
+</file>
+
+<file path=ppt/slides/slide17.xml><?xml version="1.0" encoding="utf-8"?>
+<p:sld xmlns:a="http://schemas.openxmlformats.org/drawingml/2006/main" xmlns:r="http://schemas.openxmlformats.org/officeDocument/2006/relationships" xmlns:p="http://schemas.openxmlformats.org/presentationml/2006/main">
+  <p:cSld>
+    <p:bg>
+      <p:bgPr>
+        <a:solidFill>
+          <a:schemeClr val="bg1"/>
+        </a:solidFill>
+        <a:effectLst/>
+      </p:bgPr>
+    </p:bg>
+    <p:spTree>
+      <p:nvGrpSpPr>
+        <p:cNvPr id="1" name="">
+          <a:extLst>
+            <a:ext uri="{FF2B5EF4-FFF2-40B4-BE49-F238E27FC236}">
+              <a16:creationId xmlns:a16="http://schemas.microsoft.com/office/drawing/2014/main" id="{C4D0F391-AA9D-4F13-5EF3-46841C8A0DAE}"/>
+            </a:ext>
+          </a:extLst>
+        </p:cNvPr>
+        <p:cNvGrpSpPr/>
+        <p:nvPr/>
+      </p:nvGrpSpPr>
+      <p:grpSpPr>
+        <a:xfrm>
+          <a:off x="0" y="0"/>
+          <a:ext cx="0" cy="0"/>
+          <a:chOff x="0" y="0"/>
+          <a:chExt cx="0" cy="0"/>
+        </a:xfrm>
+      </p:grpSpPr>
+      <p:sp>
+        <p:nvSpPr>
+          <p:cNvPr id="21" name="Rectangle 20">
+            <a:extLst>
+              <a:ext uri="{FF2B5EF4-FFF2-40B4-BE49-F238E27FC236}">
+                <a16:creationId xmlns:a16="http://schemas.microsoft.com/office/drawing/2014/main" id="{0BD64A18-ED00-856F-5300-2CC5F40E418B}"/>
+              </a:ext>
+              <a:ext uri="{C183D7F6-B498-43B3-948B-1728B52AA6E4}">
+                <adec:decorative xmlns:adec="http://schemas.microsoft.com/office/drawing/2017/decorative" val="1"/>
+              </a:ext>
+            </a:extLst>
+          </p:cNvPr>
+          <p:cNvSpPr>
+            <a:spLocks noGrp="1" noRot="1" noChangeAspect="1" noMove="1" noResize="1" noEditPoints="1" noAdjustHandles="1" noChangeArrowheads="1" noChangeShapeType="1" noTextEdit="1"/>
+          </p:cNvSpPr>
+          <p:nvPr>
+            <p:extLst>
+              <p:ext uri="{386F3935-93C4-4BCD-93E2-E3B085C9AB24}">
+                <p16:designElem xmlns:p16="http://schemas.microsoft.com/office/powerpoint/2015/main" val="1"/>
+              </p:ext>
+            </p:extLst>
+          </p:nvPr>
+        </p:nvSpPr>
+        <p:spPr>
+          <a:xfrm>
+            <a:off x="0" y="0"/>
+            <a:ext cx="12192000" cy="6858000"/>
+          </a:xfrm>
+          <a:prstGeom prst="rect">
+            <a:avLst/>
+          </a:prstGeom>
+          <a:gradFill flip="none" rotWithShape="1">
+            <a:gsLst>
+              <a:gs pos="0">
+                <a:schemeClr val="accent1"/>
+              </a:gs>
+              <a:gs pos="100000">
+                <a:schemeClr val="accent2"/>
+              </a:gs>
+            </a:gsLst>
+            <a:lin ang="2700000" scaled="1"/>
+            <a:tileRect/>
+          </a:gradFill>
+          <a:ln>
+            <a:noFill/>
+          </a:ln>
+        </p:spPr>
+        <p:style>
+          <a:lnRef idx="2">
+            <a:schemeClr val="accent1">
+              <a:shade val="50000"/>
+            </a:schemeClr>
+          </a:lnRef>
+          <a:fillRef idx="1">
+            <a:schemeClr val="accent1"/>
+          </a:fillRef>
+          <a:effectRef idx="0">
+            <a:schemeClr val="accent1"/>
+          </a:effectRef>
+          <a:fontRef idx="minor">
+            <a:schemeClr val="lt1"/>
+          </a:fontRef>
+        </p:style>
+        <p:txBody>
+          <a:bodyPr rtlCol="0" anchor="ctr"/>
+          <a:lstStyle/>
+          <a:p>
+            <a:pPr algn="ctr"/>
+            <a:endParaRPr lang="en-US"/>
+          </a:p>
+        </p:txBody>
+      </p:sp>
+      <p:sp>
+        <p:nvSpPr>
+          <p:cNvPr id="2" name="TextBox 1">
+            <a:extLst>
+              <a:ext uri="{FF2B5EF4-FFF2-40B4-BE49-F238E27FC236}">
+                <a16:creationId xmlns:a16="http://schemas.microsoft.com/office/drawing/2014/main" id="{23DB60CE-BEAA-AE9E-B65C-B525D90BB491}"/>
+              </a:ext>
+            </a:extLst>
+          </p:cNvPr>
+          <p:cNvSpPr txBox="1"/>
+          <p:nvPr/>
+        </p:nvSpPr>
+        <p:spPr>
+          <a:xfrm>
+            <a:off x="1036320" y="7294"/>
+            <a:ext cx="9727474" cy="646331"/>
+          </a:xfrm>
+          <a:prstGeom prst="rect">
+            <a:avLst/>
+          </a:prstGeom>
+          <a:noFill/>
+        </p:spPr>
+        <p:txBody>
+          <a:bodyPr wrap="square" rtlCol="0">
+            <a:spAutoFit/>
+          </a:bodyPr>
+          <a:lstStyle/>
+          <a:p>
+            <a:pPr algn="ctr"/>
+            <a:r>
+              <a:rPr lang="en-US" sz="3600" b="1"/>
+              <a:t>Color Tab : Key Framing </a:t>
+            </a:r>
+            <a:endParaRPr lang="en-US" sz="3600" b="1" dirty="0"/>
+          </a:p>
+        </p:txBody>
+      </p:sp>
+      <p:pic>
+        <p:nvPicPr>
+          <p:cNvPr id="5" name="Picture 4">
+            <a:extLst>
+              <a:ext uri="{FF2B5EF4-FFF2-40B4-BE49-F238E27FC236}">
+                <a16:creationId xmlns:a16="http://schemas.microsoft.com/office/drawing/2014/main" id="{E21451F7-E285-0099-C95B-7B411A48D526}"/>
+              </a:ext>
+            </a:extLst>
+          </p:cNvPr>
+          <p:cNvPicPr>
+            <a:picLocks noChangeAspect="1"/>
+          </p:cNvPicPr>
+          <p:nvPr/>
+        </p:nvPicPr>
+        <p:blipFill>
+          <a:blip r:embed="rId2"/>
+          <a:stretch>
+            <a:fillRect/>
+          </a:stretch>
+        </p:blipFill>
+        <p:spPr>
+          <a:xfrm>
+            <a:off x="1036320" y="970172"/>
+            <a:ext cx="10719568" cy="905761"/>
+          </a:xfrm>
+          <a:prstGeom prst="rect">
+            <a:avLst/>
+          </a:prstGeom>
+        </p:spPr>
+      </p:pic>
+      <p:pic>
+        <p:nvPicPr>
+          <p:cNvPr id="6" name="Picture 5">
+            <a:extLst>
+              <a:ext uri="{FF2B5EF4-FFF2-40B4-BE49-F238E27FC236}">
+                <a16:creationId xmlns:a16="http://schemas.microsoft.com/office/drawing/2014/main" id="{6EF66FF6-4658-4DBD-F8BB-842EB78D2CA6}"/>
+              </a:ext>
+            </a:extLst>
+          </p:cNvPr>
+          <p:cNvPicPr>
+            <a:picLocks noChangeAspect="1"/>
+          </p:cNvPicPr>
+          <p:nvPr/>
+        </p:nvPicPr>
+        <p:blipFill>
+          <a:blip r:embed="rId3"/>
+          <a:stretch>
+            <a:fillRect/>
+          </a:stretch>
+        </p:blipFill>
+        <p:spPr>
+          <a:xfrm>
+            <a:off x="1036319" y="2480345"/>
+            <a:ext cx="10805629" cy="1016999"/>
+          </a:xfrm>
+          <a:prstGeom prst="rect">
+            <a:avLst/>
+          </a:prstGeom>
+        </p:spPr>
+      </p:pic>
+    </p:spTree>
+    <p:extLst>
+      <p:ext uri="{BB962C8B-B14F-4D97-AF65-F5344CB8AC3E}">
+        <p14:creationId xmlns:p14="http://schemas.microsoft.com/office/powerpoint/2010/main" val="2298337412"/>
+      </p:ext>
+    </p:extLst>
+  </p:cSld>
+  <p:clrMapOvr>
+    <a:masterClrMapping/>
+  </p:clrMapOvr>
+</p:sld>
+</file>
+
+<file path=ppt/slides/slide18.xml><?xml version="1.0" encoding="utf-8"?>
+<p:sld xmlns:a="http://schemas.openxmlformats.org/drawingml/2006/main" xmlns:r="http://schemas.openxmlformats.org/officeDocument/2006/relationships" xmlns:p="http://schemas.openxmlformats.org/presentationml/2006/main">
+  <p:cSld>
+    <p:bg>
+      <p:bgPr>
+        <a:solidFill>
+          <a:schemeClr val="bg1"/>
+        </a:solidFill>
+        <a:effectLst/>
+      </p:bgPr>
+    </p:bg>
+    <p:spTree>
+      <p:nvGrpSpPr>
+        <p:cNvPr id="1" name="">
+          <a:extLst>
+            <a:ext uri="{FF2B5EF4-FFF2-40B4-BE49-F238E27FC236}">
+              <a16:creationId xmlns:a16="http://schemas.microsoft.com/office/drawing/2014/main" id="{6443488A-6743-B55C-357C-0AC22A3A905A}"/>
+            </a:ext>
+          </a:extLst>
+        </p:cNvPr>
+        <p:cNvGrpSpPr/>
+        <p:nvPr/>
+      </p:nvGrpSpPr>
+      <p:grpSpPr>
+        <a:xfrm>
+          <a:off x="0" y="0"/>
+          <a:ext cx="0" cy="0"/>
+          <a:chOff x="0" y="0"/>
+          <a:chExt cx="0" cy="0"/>
+        </a:xfrm>
+      </p:grpSpPr>
+      <p:sp>
+        <p:nvSpPr>
+          <p:cNvPr id="21" name="Rectangle 20">
+            <a:extLst>
+              <a:ext uri="{FF2B5EF4-FFF2-40B4-BE49-F238E27FC236}">
+                <a16:creationId xmlns:a16="http://schemas.microsoft.com/office/drawing/2014/main" id="{B048AA3C-F80E-3491-34BB-EB76406D834B}"/>
+              </a:ext>
+              <a:ext uri="{C183D7F6-B498-43B3-948B-1728B52AA6E4}">
+                <adec:decorative xmlns:adec="http://schemas.microsoft.com/office/drawing/2017/decorative" val="1"/>
+              </a:ext>
+            </a:extLst>
+          </p:cNvPr>
+          <p:cNvSpPr>
+            <a:spLocks noGrp="1" noRot="1" noChangeAspect="1" noMove="1" noResize="1" noEditPoints="1" noAdjustHandles="1" noChangeArrowheads="1" noChangeShapeType="1" noTextEdit="1"/>
+          </p:cNvSpPr>
+          <p:nvPr>
+            <p:extLst>
+              <p:ext uri="{386F3935-93C4-4BCD-93E2-E3B085C9AB24}">
+                <p16:designElem xmlns:p16="http://schemas.microsoft.com/office/powerpoint/2015/main" val="1"/>
+              </p:ext>
+            </p:extLst>
+          </p:nvPr>
+        </p:nvSpPr>
+        <p:spPr>
+          <a:xfrm>
+            <a:off x="0" y="0"/>
+            <a:ext cx="12192000" cy="6858000"/>
+          </a:xfrm>
+          <a:prstGeom prst="rect">
+            <a:avLst/>
+          </a:prstGeom>
+          <a:gradFill flip="none" rotWithShape="1">
+            <a:gsLst>
+              <a:gs pos="0">
+                <a:schemeClr val="accent1"/>
+              </a:gs>
+              <a:gs pos="100000">
+                <a:schemeClr val="accent2"/>
+              </a:gs>
+            </a:gsLst>
+            <a:lin ang="2700000" scaled="1"/>
+            <a:tileRect/>
+          </a:gradFill>
+          <a:ln>
+            <a:noFill/>
+          </a:ln>
+        </p:spPr>
+        <p:style>
+          <a:lnRef idx="2">
+            <a:schemeClr val="accent1">
+              <a:shade val="50000"/>
+            </a:schemeClr>
+          </a:lnRef>
+          <a:fillRef idx="1">
+            <a:schemeClr val="accent1"/>
+          </a:fillRef>
+          <a:effectRef idx="0">
+            <a:schemeClr val="accent1"/>
+          </a:effectRef>
+          <a:fontRef idx="minor">
+            <a:schemeClr val="lt1"/>
+          </a:fontRef>
+        </p:style>
+        <p:txBody>
+          <a:bodyPr rtlCol="0" anchor="ctr"/>
+          <a:lstStyle/>
+          <a:p>
+            <a:pPr algn="ctr"/>
+            <a:endParaRPr lang="en-US"/>
+          </a:p>
+        </p:txBody>
+      </p:sp>
+      <p:sp>
+        <p:nvSpPr>
+          <p:cNvPr id="2" name="TextBox 1">
+            <a:extLst>
+              <a:ext uri="{FF2B5EF4-FFF2-40B4-BE49-F238E27FC236}">
+                <a16:creationId xmlns:a16="http://schemas.microsoft.com/office/drawing/2014/main" id="{7734A761-6B5C-95F6-3D3C-EA78C142C3F4}"/>
+              </a:ext>
+            </a:extLst>
+          </p:cNvPr>
+          <p:cNvSpPr txBox="1"/>
+          <p:nvPr/>
+        </p:nvSpPr>
+        <p:spPr>
+          <a:xfrm>
+            <a:off x="1036320" y="7294"/>
+            <a:ext cx="9727474" cy="646331"/>
+          </a:xfrm>
+          <a:prstGeom prst="rect">
+            <a:avLst/>
+          </a:prstGeom>
+          <a:noFill/>
+        </p:spPr>
+        <p:txBody>
+          <a:bodyPr wrap="square" rtlCol="0">
+            <a:spAutoFit/>
+          </a:bodyPr>
+          <a:lstStyle/>
+          <a:p>
+            <a:pPr algn="ctr"/>
+            <a:r>
+              <a:rPr lang="en-US" sz="3600" b="1" dirty="0"/>
+              <a:t>Color Tab : Versions </a:t>
+            </a:r>
+          </a:p>
+        </p:txBody>
+      </p:sp>
+    </p:spTree>
+    <p:extLst>
+      <p:ext uri="{BB962C8B-B14F-4D97-AF65-F5344CB8AC3E}">
+        <p14:creationId xmlns:p14="http://schemas.microsoft.com/office/powerpoint/2010/main" val="4051302429"/>
+      </p:ext>
+    </p:extLst>
+  </p:cSld>
+  <p:clrMapOvr>
+    <a:masterClrMapping/>
+  </p:clrMapOvr>
+</p:sld>
+</file>
+
+<file path=ppt/slides/slide19.xml><?xml version="1.0" encoding="utf-8"?>
+<p:sld xmlns:a="http://schemas.openxmlformats.org/drawingml/2006/main" xmlns:r="http://schemas.openxmlformats.org/officeDocument/2006/relationships" xmlns:p="http://schemas.openxmlformats.org/presentationml/2006/main">
+  <p:cSld>
+    <p:bg>
+      <p:bgPr>
+        <a:solidFill>
+          <a:schemeClr val="bg1"/>
+        </a:solidFill>
+        <a:effectLst/>
+      </p:bgPr>
+    </p:bg>
+    <p:spTree>
+      <p:nvGrpSpPr>
+        <p:cNvPr id="1" name="">
+          <a:extLst>
+            <a:ext uri="{FF2B5EF4-FFF2-40B4-BE49-F238E27FC236}">
+              <a16:creationId xmlns:a16="http://schemas.microsoft.com/office/drawing/2014/main" id="{62A68631-09EF-241B-E3EF-8106D94FBD57}"/>
+            </a:ext>
+          </a:extLst>
+        </p:cNvPr>
+        <p:cNvGrpSpPr/>
+        <p:nvPr/>
+      </p:nvGrpSpPr>
+      <p:grpSpPr>
+        <a:xfrm>
+          <a:off x="0" y="0"/>
+          <a:ext cx="0" cy="0"/>
+          <a:chOff x="0" y="0"/>
+          <a:chExt cx="0" cy="0"/>
+        </a:xfrm>
+      </p:grpSpPr>
+      <p:sp>
+        <p:nvSpPr>
+          <p:cNvPr id="21" name="Rectangle 20">
+            <a:extLst>
+              <a:ext uri="{FF2B5EF4-FFF2-40B4-BE49-F238E27FC236}">
+                <a16:creationId xmlns:a16="http://schemas.microsoft.com/office/drawing/2014/main" id="{B102337D-F94B-C96D-ED39-195A663CDE27}"/>
+              </a:ext>
+              <a:ext uri="{C183D7F6-B498-43B3-948B-1728B52AA6E4}">
+                <adec:decorative xmlns:adec="http://schemas.microsoft.com/office/drawing/2017/decorative" val="1"/>
+              </a:ext>
+            </a:extLst>
+          </p:cNvPr>
+          <p:cNvSpPr>
+            <a:spLocks noGrp="1" noRot="1" noChangeAspect="1" noMove="1" noResize="1" noEditPoints="1" noAdjustHandles="1" noChangeArrowheads="1" noChangeShapeType="1" noTextEdit="1"/>
+          </p:cNvSpPr>
+          <p:nvPr>
+            <p:extLst>
+              <p:ext uri="{386F3935-93C4-4BCD-93E2-E3B085C9AB24}">
+                <p16:designElem xmlns:p16="http://schemas.microsoft.com/office/powerpoint/2015/main" val="1"/>
+              </p:ext>
+            </p:extLst>
+          </p:nvPr>
+        </p:nvSpPr>
+        <p:spPr>
+          <a:xfrm>
+            <a:off x="0" y="0"/>
+            <a:ext cx="12192000" cy="6858000"/>
+          </a:xfrm>
+          <a:prstGeom prst="rect">
+            <a:avLst/>
+          </a:prstGeom>
+          <a:gradFill flip="none" rotWithShape="1">
+            <a:gsLst>
+              <a:gs pos="0">
+                <a:schemeClr val="accent1"/>
+              </a:gs>
+              <a:gs pos="100000">
+                <a:schemeClr val="accent2"/>
+              </a:gs>
+            </a:gsLst>
+            <a:lin ang="2700000" scaled="1"/>
+            <a:tileRect/>
+          </a:gradFill>
+          <a:ln>
+            <a:noFill/>
+          </a:ln>
+        </p:spPr>
+        <p:style>
+          <a:lnRef idx="2">
+            <a:schemeClr val="accent1">
+              <a:shade val="50000"/>
+            </a:schemeClr>
+          </a:lnRef>
+          <a:fillRef idx="1">
+            <a:schemeClr val="accent1"/>
+          </a:fillRef>
+          <a:effectRef idx="0">
+            <a:schemeClr val="accent1"/>
+          </a:effectRef>
+          <a:fontRef idx="minor">
+            <a:schemeClr val="lt1"/>
+          </a:fontRef>
+        </p:style>
+        <p:txBody>
+          <a:bodyPr rtlCol="0" anchor="ctr"/>
+          <a:lstStyle/>
+          <a:p>
+            <a:pPr algn="ctr"/>
+            <a:endParaRPr lang="en-US"/>
+          </a:p>
+        </p:txBody>
+      </p:sp>
+      <p:sp>
+        <p:nvSpPr>
+          <p:cNvPr id="2" name="TextBox 1">
+            <a:extLst>
+              <a:ext uri="{FF2B5EF4-FFF2-40B4-BE49-F238E27FC236}">
+                <a16:creationId xmlns:a16="http://schemas.microsoft.com/office/drawing/2014/main" id="{32726B2C-7675-7831-3F7E-A60BA0BBA464}"/>
+              </a:ext>
+            </a:extLst>
+          </p:cNvPr>
+          <p:cNvSpPr txBox="1"/>
+          <p:nvPr/>
+        </p:nvSpPr>
+        <p:spPr>
+          <a:xfrm>
+            <a:off x="1036320" y="7294"/>
+            <a:ext cx="9727474" cy="646331"/>
+          </a:xfrm>
+          <a:prstGeom prst="rect">
+            <a:avLst/>
+          </a:prstGeom>
+          <a:noFill/>
+        </p:spPr>
+        <p:txBody>
+          <a:bodyPr wrap="square" rtlCol="0">
+            <a:spAutoFit/>
+          </a:bodyPr>
+          <a:lstStyle/>
+          <a:p>
+            <a:pPr algn="ctr"/>
+            <a:r>
+              <a:rPr lang="en-US" sz="3600" b="1" dirty="0"/>
+              <a:t>Color Tab : Versions </a:t>
+            </a:r>
+          </a:p>
+        </p:txBody>
+      </p:sp>
+    </p:spTree>
+    <p:extLst>
+      <p:ext uri="{BB962C8B-B14F-4D97-AF65-F5344CB8AC3E}">
+        <p14:creationId xmlns:p14="http://schemas.microsoft.com/office/powerpoint/2010/main" val="1597642155"/>
       </p:ext>
     </p:extLst>
   </p:cSld>
@@ -7842,6 +8982,310 @@
     <p:extLst>
       <p:ext uri="{BB962C8B-B14F-4D97-AF65-F5344CB8AC3E}">
         <p14:creationId xmlns:p14="http://schemas.microsoft.com/office/powerpoint/2010/main" val="1472617438"/>
+      </p:ext>
+    </p:extLst>
+  </p:cSld>
+  <p:clrMapOvr>
+    <a:masterClrMapping/>
+  </p:clrMapOvr>
+</p:sld>
+</file>
+
+<file path=ppt/slides/slide20.xml><?xml version="1.0" encoding="utf-8"?>
+<p:sld xmlns:a="http://schemas.openxmlformats.org/drawingml/2006/main" xmlns:r="http://schemas.openxmlformats.org/officeDocument/2006/relationships" xmlns:p="http://schemas.openxmlformats.org/presentationml/2006/main">
+  <p:cSld>
+    <p:bg>
+      <p:bgPr>
+        <a:solidFill>
+          <a:schemeClr val="bg1"/>
+        </a:solidFill>
+        <a:effectLst/>
+      </p:bgPr>
+    </p:bg>
+    <p:spTree>
+      <p:nvGrpSpPr>
+        <p:cNvPr id="1" name="">
+          <a:extLst>
+            <a:ext uri="{FF2B5EF4-FFF2-40B4-BE49-F238E27FC236}">
+              <a16:creationId xmlns:a16="http://schemas.microsoft.com/office/drawing/2014/main" id="{15E1D518-185C-3E65-BFA8-9D4F192E3E0E}"/>
+            </a:ext>
+          </a:extLst>
+        </p:cNvPr>
+        <p:cNvGrpSpPr/>
+        <p:nvPr/>
+      </p:nvGrpSpPr>
+      <p:grpSpPr>
+        <a:xfrm>
+          <a:off x="0" y="0"/>
+          <a:ext cx="0" cy="0"/>
+          <a:chOff x="0" y="0"/>
+          <a:chExt cx="0" cy="0"/>
+        </a:xfrm>
+      </p:grpSpPr>
+      <p:sp>
+        <p:nvSpPr>
+          <p:cNvPr id="21" name="Rectangle 20">
+            <a:extLst>
+              <a:ext uri="{FF2B5EF4-FFF2-40B4-BE49-F238E27FC236}">
+                <a16:creationId xmlns:a16="http://schemas.microsoft.com/office/drawing/2014/main" id="{DC3F43D2-8799-F653-E12E-A401D54B3A84}"/>
+              </a:ext>
+              <a:ext uri="{C183D7F6-B498-43B3-948B-1728B52AA6E4}">
+                <adec:decorative xmlns:adec="http://schemas.microsoft.com/office/drawing/2017/decorative" val="1"/>
+              </a:ext>
+            </a:extLst>
+          </p:cNvPr>
+          <p:cNvSpPr>
+            <a:spLocks noGrp="1" noRot="1" noChangeAspect="1" noMove="1" noResize="1" noEditPoints="1" noAdjustHandles="1" noChangeArrowheads="1" noChangeShapeType="1" noTextEdit="1"/>
+          </p:cNvSpPr>
+          <p:nvPr>
+            <p:extLst>
+              <p:ext uri="{386F3935-93C4-4BCD-93E2-E3B085C9AB24}">
+                <p16:designElem xmlns:p16="http://schemas.microsoft.com/office/powerpoint/2015/main" val="1"/>
+              </p:ext>
+            </p:extLst>
+          </p:nvPr>
+        </p:nvSpPr>
+        <p:spPr>
+          <a:xfrm>
+            <a:off x="0" y="0"/>
+            <a:ext cx="12192000" cy="6858000"/>
+          </a:xfrm>
+          <a:prstGeom prst="rect">
+            <a:avLst/>
+          </a:prstGeom>
+          <a:gradFill flip="none" rotWithShape="1">
+            <a:gsLst>
+              <a:gs pos="0">
+                <a:schemeClr val="accent1"/>
+              </a:gs>
+              <a:gs pos="100000">
+                <a:schemeClr val="accent2"/>
+              </a:gs>
+            </a:gsLst>
+            <a:lin ang="2700000" scaled="1"/>
+            <a:tileRect/>
+          </a:gradFill>
+          <a:ln>
+            <a:noFill/>
+          </a:ln>
+        </p:spPr>
+        <p:style>
+          <a:lnRef idx="2">
+            <a:schemeClr val="accent1">
+              <a:shade val="50000"/>
+            </a:schemeClr>
+          </a:lnRef>
+          <a:fillRef idx="1">
+            <a:schemeClr val="accent1"/>
+          </a:fillRef>
+          <a:effectRef idx="0">
+            <a:schemeClr val="accent1"/>
+          </a:effectRef>
+          <a:fontRef idx="minor">
+            <a:schemeClr val="lt1"/>
+          </a:fontRef>
+        </p:style>
+        <p:txBody>
+          <a:bodyPr rtlCol="0" anchor="ctr"/>
+          <a:lstStyle/>
+          <a:p>
+            <a:pPr algn="ctr"/>
+            <a:endParaRPr lang="en-US"/>
+          </a:p>
+        </p:txBody>
+      </p:sp>
+      <p:sp>
+        <p:nvSpPr>
+          <p:cNvPr id="2" name="TextBox 1">
+            <a:extLst>
+              <a:ext uri="{FF2B5EF4-FFF2-40B4-BE49-F238E27FC236}">
+                <a16:creationId xmlns:a16="http://schemas.microsoft.com/office/drawing/2014/main" id="{D458D376-E919-C07F-EA2A-D8BAB31D4AD1}"/>
+              </a:ext>
+            </a:extLst>
+          </p:cNvPr>
+          <p:cNvSpPr txBox="1"/>
+          <p:nvPr/>
+        </p:nvSpPr>
+        <p:spPr>
+          <a:xfrm>
+            <a:off x="1036320" y="7294"/>
+            <a:ext cx="9727474" cy="646331"/>
+          </a:xfrm>
+          <a:prstGeom prst="rect">
+            <a:avLst/>
+          </a:prstGeom>
+          <a:noFill/>
+        </p:spPr>
+        <p:txBody>
+          <a:bodyPr wrap="square" rtlCol="0">
+            <a:spAutoFit/>
+          </a:bodyPr>
+          <a:lstStyle/>
+          <a:p>
+            <a:pPr algn="ctr"/>
+            <a:r>
+              <a:rPr lang="en-US" sz="3600" b="1" dirty="0"/>
+              <a:t>Color Tab : Versions </a:t>
+            </a:r>
+          </a:p>
+        </p:txBody>
+      </p:sp>
+    </p:spTree>
+    <p:extLst>
+      <p:ext uri="{BB962C8B-B14F-4D97-AF65-F5344CB8AC3E}">
+        <p14:creationId xmlns:p14="http://schemas.microsoft.com/office/powerpoint/2010/main" val="2004219619"/>
+      </p:ext>
+    </p:extLst>
+  </p:cSld>
+  <p:clrMapOvr>
+    <a:masterClrMapping/>
+  </p:clrMapOvr>
+</p:sld>
+</file>
+
+<file path=ppt/slides/slide21.xml><?xml version="1.0" encoding="utf-8"?>
+<p:sld xmlns:a="http://schemas.openxmlformats.org/drawingml/2006/main" xmlns:r="http://schemas.openxmlformats.org/officeDocument/2006/relationships" xmlns:p="http://schemas.openxmlformats.org/presentationml/2006/main">
+  <p:cSld>
+    <p:bg>
+      <p:bgPr>
+        <a:solidFill>
+          <a:schemeClr val="bg1"/>
+        </a:solidFill>
+        <a:effectLst/>
+      </p:bgPr>
+    </p:bg>
+    <p:spTree>
+      <p:nvGrpSpPr>
+        <p:cNvPr id="1" name="">
+          <a:extLst>
+            <a:ext uri="{FF2B5EF4-FFF2-40B4-BE49-F238E27FC236}">
+              <a16:creationId xmlns:a16="http://schemas.microsoft.com/office/drawing/2014/main" id="{0151E1D7-BCF6-758A-2482-176B2F153888}"/>
+            </a:ext>
+          </a:extLst>
+        </p:cNvPr>
+        <p:cNvGrpSpPr/>
+        <p:nvPr/>
+      </p:nvGrpSpPr>
+      <p:grpSpPr>
+        <a:xfrm>
+          <a:off x="0" y="0"/>
+          <a:ext cx="0" cy="0"/>
+          <a:chOff x="0" y="0"/>
+          <a:chExt cx="0" cy="0"/>
+        </a:xfrm>
+      </p:grpSpPr>
+      <p:sp>
+        <p:nvSpPr>
+          <p:cNvPr id="21" name="Rectangle 20">
+            <a:extLst>
+              <a:ext uri="{FF2B5EF4-FFF2-40B4-BE49-F238E27FC236}">
+                <a16:creationId xmlns:a16="http://schemas.microsoft.com/office/drawing/2014/main" id="{12BB11F6-066E-0FB6-5501-77499A4791D6}"/>
+              </a:ext>
+              <a:ext uri="{C183D7F6-B498-43B3-948B-1728B52AA6E4}">
+                <adec:decorative xmlns:adec="http://schemas.microsoft.com/office/drawing/2017/decorative" val="1"/>
+              </a:ext>
+            </a:extLst>
+          </p:cNvPr>
+          <p:cNvSpPr>
+            <a:spLocks noGrp="1" noRot="1" noChangeAspect="1" noMove="1" noResize="1" noEditPoints="1" noAdjustHandles="1" noChangeArrowheads="1" noChangeShapeType="1" noTextEdit="1"/>
+          </p:cNvSpPr>
+          <p:nvPr>
+            <p:extLst>
+              <p:ext uri="{386F3935-93C4-4BCD-93E2-E3B085C9AB24}">
+                <p16:designElem xmlns:p16="http://schemas.microsoft.com/office/powerpoint/2015/main" val="1"/>
+              </p:ext>
+            </p:extLst>
+          </p:nvPr>
+        </p:nvSpPr>
+        <p:spPr>
+          <a:xfrm>
+            <a:off x="0" y="0"/>
+            <a:ext cx="12192000" cy="6858000"/>
+          </a:xfrm>
+          <a:prstGeom prst="rect">
+            <a:avLst/>
+          </a:prstGeom>
+          <a:gradFill flip="none" rotWithShape="1">
+            <a:gsLst>
+              <a:gs pos="0">
+                <a:schemeClr val="accent1"/>
+              </a:gs>
+              <a:gs pos="100000">
+                <a:schemeClr val="accent2"/>
+              </a:gs>
+            </a:gsLst>
+            <a:lin ang="2700000" scaled="1"/>
+            <a:tileRect/>
+          </a:gradFill>
+          <a:ln>
+            <a:noFill/>
+          </a:ln>
+        </p:spPr>
+        <p:style>
+          <a:lnRef idx="2">
+            <a:schemeClr val="accent1">
+              <a:shade val="50000"/>
+            </a:schemeClr>
+          </a:lnRef>
+          <a:fillRef idx="1">
+            <a:schemeClr val="accent1"/>
+          </a:fillRef>
+          <a:effectRef idx="0">
+            <a:schemeClr val="accent1"/>
+          </a:effectRef>
+          <a:fontRef idx="minor">
+            <a:schemeClr val="lt1"/>
+          </a:fontRef>
+        </p:style>
+        <p:txBody>
+          <a:bodyPr rtlCol="0" anchor="ctr"/>
+          <a:lstStyle/>
+          <a:p>
+            <a:pPr algn="ctr"/>
+            <a:endParaRPr lang="en-US"/>
+          </a:p>
+        </p:txBody>
+      </p:sp>
+      <p:sp>
+        <p:nvSpPr>
+          <p:cNvPr id="2" name="TextBox 1">
+            <a:extLst>
+              <a:ext uri="{FF2B5EF4-FFF2-40B4-BE49-F238E27FC236}">
+                <a16:creationId xmlns:a16="http://schemas.microsoft.com/office/drawing/2014/main" id="{D5F20F14-87DC-8386-5249-C871A0AAC2F5}"/>
+              </a:ext>
+            </a:extLst>
+          </p:cNvPr>
+          <p:cNvSpPr txBox="1"/>
+          <p:nvPr/>
+        </p:nvSpPr>
+        <p:spPr>
+          <a:xfrm>
+            <a:off x="1036320" y="7294"/>
+            <a:ext cx="9727474" cy="646331"/>
+          </a:xfrm>
+          <a:prstGeom prst="rect">
+            <a:avLst/>
+          </a:prstGeom>
+          <a:noFill/>
+        </p:spPr>
+        <p:txBody>
+          <a:bodyPr wrap="square" rtlCol="0">
+            <a:spAutoFit/>
+          </a:bodyPr>
+          <a:lstStyle/>
+          <a:p>
+            <a:pPr algn="ctr"/>
+            <a:r>
+              <a:rPr lang="en-US" sz="3600" b="1" dirty="0"/>
+              <a:t>Color Tab : Versions </a:t>
+            </a:r>
+          </a:p>
+        </p:txBody>
+      </p:sp>
+    </p:spTree>
+    <p:extLst>
+      <p:ext uri="{BB962C8B-B14F-4D97-AF65-F5344CB8AC3E}">
+        <p14:creationId xmlns:p14="http://schemas.microsoft.com/office/powerpoint/2010/main" val="535233787"/>
       </p:ext>
     </p:extLst>
   </p:cSld>
